--- a/ml_unsupervised_day_14/clustering.pptx
+++ b/ml_unsupervised_day_14/clustering.pptx
@@ -4,36 +4,35 @@
   <p:sldMasterIdLst>
     <p:sldMasterId id="2147483648" r:id="rId2"/>
     <p:sldMasterId id="2147483661" r:id="rId3"/>
-    <p:sldMasterId id="2147483674" r:id="rId4"/>
   </p:sldMasterIdLst>
   <p:sldIdLst>
-    <p:sldId id="256" r:id="rId5"/>
-    <p:sldId id="257" r:id="rId6"/>
-    <p:sldId id="258" r:id="rId7"/>
-    <p:sldId id="259" r:id="rId8"/>
-    <p:sldId id="260" r:id="rId9"/>
-    <p:sldId id="261" r:id="rId10"/>
-    <p:sldId id="262" r:id="rId11"/>
-    <p:sldId id="263" r:id="rId12"/>
-    <p:sldId id="264" r:id="rId13"/>
-    <p:sldId id="265" r:id="rId14"/>
-    <p:sldId id="266" r:id="rId15"/>
-    <p:sldId id="267" r:id="rId16"/>
-    <p:sldId id="268" r:id="rId17"/>
-    <p:sldId id="269" r:id="rId18"/>
-    <p:sldId id="270" r:id="rId19"/>
-    <p:sldId id="271" r:id="rId20"/>
-    <p:sldId id="272" r:id="rId21"/>
-    <p:sldId id="273" r:id="rId22"/>
-    <p:sldId id="274" r:id="rId23"/>
-    <p:sldId id="275" r:id="rId24"/>
-    <p:sldId id="276" r:id="rId25"/>
-    <p:sldId id="277" r:id="rId26"/>
-    <p:sldId id="278" r:id="rId27"/>
-    <p:sldId id="279" r:id="rId28"/>
+    <p:sldId id="256" r:id="rId4"/>
+    <p:sldId id="257" r:id="rId5"/>
+    <p:sldId id="258" r:id="rId6"/>
+    <p:sldId id="259" r:id="rId7"/>
+    <p:sldId id="260" r:id="rId8"/>
+    <p:sldId id="261" r:id="rId9"/>
+    <p:sldId id="262" r:id="rId10"/>
+    <p:sldId id="263" r:id="rId11"/>
+    <p:sldId id="264" r:id="rId12"/>
+    <p:sldId id="265" r:id="rId13"/>
+    <p:sldId id="266" r:id="rId14"/>
+    <p:sldId id="267" r:id="rId15"/>
+    <p:sldId id="268" r:id="rId16"/>
+    <p:sldId id="269" r:id="rId17"/>
+    <p:sldId id="270" r:id="rId18"/>
+    <p:sldId id="271" r:id="rId19"/>
+    <p:sldId id="272" r:id="rId20"/>
+    <p:sldId id="273" r:id="rId21"/>
+    <p:sldId id="274" r:id="rId22"/>
+    <p:sldId id="275" r:id="rId23"/>
+    <p:sldId id="276" r:id="rId24"/>
+    <p:sldId id="277" r:id="rId25"/>
+    <p:sldId id="278" r:id="rId26"/>
+    <p:sldId id="279" r:id="rId27"/>
   </p:sldIdLst>
   <p:sldSz cx="9144000" cy="5143500"/>
-  <p:notesSz cx="6858000" cy="9144000"/>
+  <p:notesSz cx="7559675" cy="10691813"/>
 </p:presentation>
 </file>
 
@@ -68,7 +67,7 @@
         <p:txBody>
           <a:bodyPr/>
           <a:p>
-            <a:fld id="{AB40C0FD-9DA6-4EF9-9225-CAF33D5125DA}" type="slidenum">
+            <a:fld id="{3D85E068-48AF-4272-936A-BD2062B97455}" type="slidenum">
               <a:t>&lt;#&gt;</a:t>
             </a:fld>
           </a:p>
@@ -108,8 +107,8 @@
         </p:nvSpPr>
         <p:spPr>
           <a:xfrm>
-            <a:off x="729360" y="1318680"/>
-            <a:ext cx="7688520" cy="534960"/>
+            <a:off x="729360" y="1273320"/>
+            <a:ext cx="7688160" cy="625320"/>
           </a:xfrm>
           <a:prstGeom prst="rect">
             <a:avLst/>
@@ -124,10 +123,10 @@
             <a:noAutofit/>
           </a:bodyPr>
           <a:p>
-            <a:endParaRPr b="0" lang="en-US" sz="1400" spc="-1" strike="noStrike">
-              <a:solidFill>
-                <a:srgbClr val="000000"/>
-              </a:solidFill>
+            <a:pPr algn="ctr">
+              <a:buNone/>
+            </a:pPr>
+            <a:endParaRPr b="0" lang="en-US" sz="4400" spc="-1" strike="noStrike">
               <a:latin typeface="Arial"/>
             </a:endParaRPr>
           </a:p>
@@ -146,7 +145,7 @@
         <p:spPr>
           <a:xfrm>
             <a:off x="729360" y="2079000"/>
-            <a:ext cx="7688520" cy="1078200"/>
+            <a:ext cx="7688160" cy="1078200"/>
           </a:xfrm>
           <a:prstGeom prst="rect">
             <a:avLst/>
@@ -161,10 +160,7 @@
             <a:normAutofit/>
           </a:bodyPr>
           <a:p>
-            <a:endParaRPr b="0" lang="en-US" sz="1400" spc="-1" strike="noStrike">
-              <a:solidFill>
-                <a:srgbClr val="000000"/>
-              </a:solidFill>
+            <a:endParaRPr b="0" lang="en-US" sz="3200" spc="-1" strike="noStrike">
               <a:latin typeface="Arial"/>
             </a:endParaRPr>
           </a:p>
@@ -183,7 +179,7 @@
         <p:spPr>
           <a:xfrm>
             <a:off x="729360" y="3260160"/>
-            <a:ext cx="7688520" cy="1078200"/>
+            <a:ext cx="7688160" cy="1078200"/>
           </a:xfrm>
           <a:prstGeom prst="rect">
             <a:avLst/>
@@ -198,10 +194,7 @@
             <a:normAutofit/>
           </a:bodyPr>
           <a:p>
-            <a:endParaRPr b="0" lang="en-US" sz="1400" spc="-1" strike="noStrike">
-              <a:solidFill>
-                <a:srgbClr val="000000"/>
-              </a:solidFill>
+            <a:endParaRPr b="0" lang="en-US" sz="3200" spc="-1" strike="noStrike">
               <a:latin typeface="Arial"/>
             </a:endParaRPr>
           </a:p>
@@ -221,7 +214,7 @@
         <p:txBody>
           <a:bodyPr/>
           <a:p>
-            <a:fld id="{02057EAC-8298-4508-92B8-ACE77BCDA8B6}" type="slidenum">
+            <a:fld id="{9F045D2A-DC68-4D35-9B22-2731B05CC0F8}" type="slidenum">
               <a:t>&lt;#&gt;</a:t>
             </a:fld>
           </a:p>
@@ -261,8 +254,8 @@
         </p:nvSpPr>
         <p:spPr>
           <a:xfrm>
-            <a:off x="729360" y="1318680"/>
-            <a:ext cx="7688520" cy="534960"/>
+            <a:off x="729360" y="1273320"/>
+            <a:ext cx="7688160" cy="625320"/>
           </a:xfrm>
           <a:prstGeom prst="rect">
             <a:avLst/>
@@ -277,10 +270,10 @@
             <a:noAutofit/>
           </a:bodyPr>
           <a:p>
-            <a:endParaRPr b="0" lang="en-US" sz="1400" spc="-1" strike="noStrike">
-              <a:solidFill>
-                <a:srgbClr val="000000"/>
-              </a:solidFill>
+            <a:pPr algn="ctr">
+              <a:buNone/>
+            </a:pPr>
+            <a:endParaRPr b="0" lang="en-US" sz="4400" spc="-1" strike="noStrike">
               <a:latin typeface="Arial"/>
             </a:endParaRPr>
           </a:p>
@@ -299,7 +292,7 @@
         <p:spPr>
           <a:xfrm>
             <a:off x="729360" y="2079000"/>
-            <a:ext cx="3751920" cy="1078200"/>
+            <a:ext cx="3751560" cy="1078200"/>
           </a:xfrm>
           <a:prstGeom prst="rect">
             <a:avLst/>
@@ -314,10 +307,7 @@
             <a:normAutofit/>
           </a:bodyPr>
           <a:p>
-            <a:endParaRPr b="0" lang="en-US" sz="1400" spc="-1" strike="noStrike">
-              <a:solidFill>
-                <a:srgbClr val="000000"/>
-              </a:solidFill>
+            <a:endParaRPr b="0" lang="en-US" sz="3200" spc="-1" strike="noStrike">
               <a:latin typeface="Arial"/>
             </a:endParaRPr>
           </a:p>
@@ -335,8 +325,8 @@
         </p:nvSpPr>
         <p:spPr>
           <a:xfrm>
-            <a:off x="4669200" y="2079000"/>
-            <a:ext cx="3751920" cy="1078200"/>
+            <a:off x="4668840" y="2079000"/>
+            <a:ext cx="3751560" cy="1078200"/>
           </a:xfrm>
           <a:prstGeom prst="rect">
             <a:avLst/>
@@ -351,10 +341,7 @@
             <a:normAutofit/>
           </a:bodyPr>
           <a:p>
-            <a:endParaRPr b="0" lang="en-US" sz="1400" spc="-1" strike="noStrike">
-              <a:solidFill>
-                <a:srgbClr val="000000"/>
-              </a:solidFill>
+            <a:endParaRPr b="0" lang="en-US" sz="3200" spc="-1" strike="noStrike">
               <a:latin typeface="Arial"/>
             </a:endParaRPr>
           </a:p>
@@ -373,7 +360,7 @@
         <p:spPr>
           <a:xfrm>
             <a:off x="729360" y="3260160"/>
-            <a:ext cx="3751920" cy="1078200"/>
+            <a:ext cx="3751560" cy="1078200"/>
           </a:xfrm>
           <a:prstGeom prst="rect">
             <a:avLst/>
@@ -388,10 +375,7 @@
             <a:normAutofit/>
           </a:bodyPr>
           <a:p>
-            <a:endParaRPr b="0" lang="en-US" sz="1400" spc="-1" strike="noStrike">
-              <a:solidFill>
-                <a:srgbClr val="000000"/>
-              </a:solidFill>
+            <a:endParaRPr b="0" lang="en-US" sz="3200" spc="-1" strike="noStrike">
               <a:latin typeface="Arial"/>
             </a:endParaRPr>
           </a:p>
@@ -409,8 +393,8 @@
         </p:nvSpPr>
         <p:spPr>
           <a:xfrm>
-            <a:off x="4669200" y="3260160"/>
-            <a:ext cx="3751920" cy="1078200"/>
+            <a:off x="4668840" y="3260160"/>
+            <a:ext cx="3751560" cy="1078200"/>
           </a:xfrm>
           <a:prstGeom prst="rect">
             <a:avLst/>
@@ -425,10 +409,7 @@
             <a:normAutofit/>
           </a:bodyPr>
           <a:p>
-            <a:endParaRPr b="0" lang="en-US" sz="1400" spc="-1" strike="noStrike">
-              <a:solidFill>
-                <a:srgbClr val="000000"/>
-              </a:solidFill>
+            <a:endParaRPr b="0" lang="en-US" sz="3200" spc="-1" strike="noStrike">
               <a:latin typeface="Arial"/>
             </a:endParaRPr>
           </a:p>
@@ -448,7 +429,7 @@
         <p:txBody>
           <a:bodyPr/>
           <a:p>
-            <a:fld id="{62F916E5-9933-4D2B-B1A6-CAE3B2A73796}" type="slidenum">
+            <a:fld id="{86767A58-7C58-4757-AAA7-FD5220CAD728}" type="slidenum">
               <a:t>&lt;#&gt;</a:t>
             </a:fld>
           </a:p>
@@ -488,8 +469,8 @@
         </p:nvSpPr>
         <p:spPr>
           <a:xfrm>
-            <a:off x="729360" y="1318680"/>
-            <a:ext cx="7688520" cy="534960"/>
+            <a:off x="729360" y="1273320"/>
+            <a:ext cx="7688160" cy="625320"/>
           </a:xfrm>
           <a:prstGeom prst="rect">
             <a:avLst/>
@@ -504,10 +485,10 @@
             <a:noAutofit/>
           </a:bodyPr>
           <a:p>
-            <a:endParaRPr b="0" lang="en-US" sz="1400" spc="-1" strike="noStrike">
-              <a:solidFill>
-                <a:srgbClr val="000000"/>
-              </a:solidFill>
+            <a:pPr algn="ctr">
+              <a:buNone/>
+            </a:pPr>
+            <a:endParaRPr b="0" lang="en-US" sz="4400" spc="-1" strike="noStrike">
               <a:latin typeface="Arial"/>
             </a:endParaRPr>
           </a:p>
@@ -541,10 +522,7 @@
             <a:normAutofit/>
           </a:bodyPr>
           <a:p>
-            <a:endParaRPr b="0" lang="en-US" sz="1400" spc="-1" strike="noStrike">
-              <a:solidFill>
-                <a:srgbClr val="000000"/>
-              </a:solidFill>
+            <a:endParaRPr b="0" lang="en-US" sz="3200" spc="-1" strike="noStrike">
               <a:latin typeface="Arial"/>
             </a:endParaRPr>
           </a:p>
@@ -578,10 +556,7 @@
             <a:normAutofit/>
           </a:bodyPr>
           <a:p>
-            <a:endParaRPr b="0" lang="en-US" sz="1400" spc="-1" strike="noStrike">
-              <a:solidFill>
-                <a:srgbClr val="000000"/>
-              </a:solidFill>
+            <a:endParaRPr b="0" lang="en-US" sz="3200" spc="-1" strike="noStrike">
               <a:latin typeface="Arial"/>
             </a:endParaRPr>
           </a:p>
@@ -615,10 +590,7 @@
             <a:normAutofit/>
           </a:bodyPr>
           <a:p>
-            <a:endParaRPr b="0" lang="en-US" sz="1400" spc="-1" strike="noStrike">
-              <a:solidFill>
-                <a:srgbClr val="000000"/>
-              </a:solidFill>
+            <a:endParaRPr b="0" lang="en-US" sz="3200" spc="-1" strike="noStrike">
               <a:latin typeface="Arial"/>
             </a:endParaRPr>
           </a:p>
@@ -652,10 +624,7 @@
             <a:normAutofit/>
           </a:bodyPr>
           <a:p>
-            <a:endParaRPr b="0" lang="en-US" sz="1400" spc="-1" strike="noStrike">
-              <a:solidFill>
-                <a:srgbClr val="000000"/>
-              </a:solidFill>
+            <a:endParaRPr b="0" lang="en-US" sz="3200" spc="-1" strike="noStrike">
               <a:latin typeface="Arial"/>
             </a:endParaRPr>
           </a:p>
@@ -689,10 +658,7 @@
             <a:normAutofit/>
           </a:bodyPr>
           <a:p>
-            <a:endParaRPr b="0" lang="en-US" sz="1400" spc="-1" strike="noStrike">
-              <a:solidFill>
-                <a:srgbClr val="000000"/>
-              </a:solidFill>
+            <a:endParaRPr b="0" lang="en-US" sz="3200" spc="-1" strike="noStrike">
               <a:latin typeface="Arial"/>
             </a:endParaRPr>
           </a:p>
@@ -726,10 +692,7 @@
             <a:normAutofit/>
           </a:bodyPr>
           <a:p>
-            <a:endParaRPr b="0" lang="en-US" sz="1400" spc="-1" strike="noStrike">
-              <a:solidFill>
-                <a:srgbClr val="000000"/>
-              </a:solidFill>
+            <a:endParaRPr b="0" lang="en-US" sz="3200" spc="-1" strike="noStrike">
               <a:latin typeface="Arial"/>
             </a:endParaRPr>
           </a:p>
@@ -749,7 +712,7 @@
         <p:txBody>
           <a:bodyPr/>
           <a:p>
-            <a:fld id="{E23208E5-835E-4AA5-800C-1E51642B9D15}" type="slidenum">
+            <a:fld id="{81CF95B0-7307-43C0-9C6C-AAA56819DA97}" type="slidenum">
               <a:t>&lt;#&gt;</a:t>
             </a:fld>
           </a:p>
@@ -791,7 +754,7 @@
         <p:txBody>
           <a:bodyPr/>
           <a:p>
-            <a:fld id="{E858A6CD-F0B3-46A8-9AF9-D232F79831C4}" type="slidenum">
+            <a:fld id="{DBDC84F3-C0BD-4C07-8873-069D82B3F18C}" type="slidenum">
               <a:t>&lt;#&gt;</a:t>
             </a:fld>
           </a:p>
@@ -831,8 +794,8 @@
         </p:nvSpPr>
         <p:spPr>
           <a:xfrm>
-            <a:off x="729360" y="1318680"/>
-            <a:ext cx="7688520" cy="534960"/>
+            <a:off x="729360" y="1273320"/>
+            <a:ext cx="7688160" cy="625320"/>
           </a:xfrm>
           <a:prstGeom prst="rect">
             <a:avLst/>
@@ -847,10 +810,10 @@
             <a:noAutofit/>
           </a:bodyPr>
           <a:p>
-            <a:endParaRPr b="0" lang="en-US" sz="1400" spc="-1" strike="noStrike">
-              <a:solidFill>
-                <a:srgbClr val="000000"/>
-              </a:solidFill>
+            <a:pPr algn="ctr">
+              <a:buNone/>
+            </a:pPr>
+            <a:endParaRPr b="0" lang="en-US" sz="4400" spc="-1" strike="noStrike">
               <a:latin typeface="Arial"/>
             </a:endParaRPr>
           </a:p>
@@ -869,7 +832,7 @@
         <p:spPr>
           <a:xfrm>
             <a:off x="729360" y="2079000"/>
-            <a:ext cx="7688520" cy="2260800"/>
+            <a:ext cx="7688160" cy="2260440"/>
           </a:xfrm>
           <a:prstGeom prst="rect">
             <a:avLst/>
@@ -907,7 +870,7 @@
         <p:txBody>
           <a:bodyPr/>
           <a:p>
-            <a:fld id="{1995F517-D4AC-4315-BC05-FCDF7CB819B4}" type="slidenum">
+            <a:fld id="{AB846B05-58DA-4DDB-A5E0-988D9ACE826E}" type="slidenum">
               <a:t>&lt;#&gt;</a:t>
             </a:fld>
           </a:p>
@@ -947,8 +910,8 @@
         </p:nvSpPr>
         <p:spPr>
           <a:xfrm>
-            <a:off x="729360" y="1318680"/>
-            <a:ext cx="7688520" cy="534960"/>
+            <a:off x="729360" y="1273320"/>
+            <a:ext cx="7688160" cy="625320"/>
           </a:xfrm>
           <a:prstGeom prst="rect">
             <a:avLst/>
@@ -963,10 +926,10 @@
             <a:noAutofit/>
           </a:bodyPr>
           <a:p>
-            <a:endParaRPr b="0" lang="en-US" sz="1400" spc="-1" strike="noStrike">
-              <a:solidFill>
-                <a:srgbClr val="000000"/>
-              </a:solidFill>
+            <a:pPr algn="ctr">
+              <a:buNone/>
+            </a:pPr>
+            <a:endParaRPr b="0" lang="en-US" sz="4400" spc="-1" strike="noStrike">
               <a:latin typeface="Arial"/>
             </a:endParaRPr>
           </a:p>
@@ -985,7 +948,7 @@
         <p:spPr>
           <a:xfrm>
             <a:off x="729360" y="2079000"/>
-            <a:ext cx="7688520" cy="2260800"/>
+            <a:ext cx="7688160" cy="2260440"/>
           </a:xfrm>
           <a:prstGeom prst="rect">
             <a:avLst/>
@@ -1000,10 +963,7 @@
             <a:normAutofit/>
           </a:bodyPr>
           <a:p>
-            <a:endParaRPr b="0" lang="en-US" sz="1400" spc="-1" strike="noStrike">
-              <a:solidFill>
-                <a:srgbClr val="000000"/>
-              </a:solidFill>
+            <a:endParaRPr b="0" lang="en-US" sz="3200" spc="-1" strike="noStrike">
               <a:latin typeface="Arial"/>
             </a:endParaRPr>
           </a:p>
@@ -1023,7 +983,7 @@
         <p:txBody>
           <a:bodyPr/>
           <a:p>
-            <a:fld id="{CC2729B7-3934-4C28-8218-9296D8491F01}" type="slidenum">
+            <a:fld id="{317AE15C-42E7-428B-9E72-85A069A88E04}" type="slidenum">
               <a:t>&lt;#&gt;</a:t>
             </a:fld>
           </a:p>
@@ -1063,8 +1023,8 @@
         </p:nvSpPr>
         <p:spPr>
           <a:xfrm>
-            <a:off x="729360" y="1318680"/>
-            <a:ext cx="7688520" cy="534960"/>
+            <a:off x="729360" y="1273320"/>
+            <a:ext cx="7688160" cy="625320"/>
           </a:xfrm>
           <a:prstGeom prst="rect">
             <a:avLst/>
@@ -1079,10 +1039,10 @@
             <a:noAutofit/>
           </a:bodyPr>
           <a:p>
-            <a:endParaRPr b="0" lang="en-US" sz="1400" spc="-1" strike="noStrike">
-              <a:solidFill>
-                <a:srgbClr val="000000"/>
-              </a:solidFill>
+            <a:pPr algn="ctr">
+              <a:buNone/>
+            </a:pPr>
+            <a:endParaRPr b="0" lang="en-US" sz="4400" spc="-1" strike="noStrike">
               <a:latin typeface="Arial"/>
             </a:endParaRPr>
           </a:p>
@@ -1101,7 +1061,7 @@
         <p:spPr>
           <a:xfrm>
             <a:off x="729360" y="2079000"/>
-            <a:ext cx="3751920" cy="2260800"/>
+            <a:ext cx="3751560" cy="2260440"/>
           </a:xfrm>
           <a:prstGeom prst="rect">
             <a:avLst/>
@@ -1116,10 +1076,7 @@
             <a:normAutofit/>
           </a:bodyPr>
           <a:p>
-            <a:endParaRPr b="0" lang="en-US" sz="1400" spc="-1" strike="noStrike">
-              <a:solidFill>
-                <a:srgbClr val="000000"/>
-              </a:solidFill>
+            <a:endParaRPr b="0" lang="en-US" sz="3200" spc="-1" strike="noStrike">
               <a:latin typeface="Arial"/>
             </a:endParaRPr>
           </a:p>
@@ -1137,8 +1094,8 @@
         </p:nvSpPr>
         <p:spPr>
           <a:xfrm>
-            <a:off x="4669200" y="2079000"/>
-            <a:ext cx="3751920" cy="2260800"/>
+            <a:off x="4668840" y="2079000"/>
+            <a:ext cx="3751560" cy="2260440"/>
           </a:xfrm>
           <a:prstGeom prst="rect">
             <a:avLst/>
@@ -1153,10 +1110,7 @@
             <a:normAutofit/>
           </a:bodyPr>
           <a:p>
-            <a:endParaRPr b="0" lang="en-US" sz="1400" spc="-1" strike="noStrike">
-              <a:solidFill>
-                <a:srgbClr val="000000"/>
-              </a:solidFill>
+            <a:endParaRPr b="0" lang="en-US" sz="3200" spc="-1" strike="noStrike">
               <a:latin typeface="Arial"/>
             </a:endParaRPr>
           </a:p>
@@ -1176,7 +1130,7 @@
         <p:txBody>
           <a:bodyPr/>
           <a:p>
-            <a:fld id="{87B232C4-8EB9-4262-9E1A-A65A62F7C88F}" type="slidenum">
+            <a:fld id="{C2FDC5D9-F1B3-419E-B3A3-75AE9151832C}" type="slidenum">
               <a:t>&lt;#&gt;</a:t>
             </a:fld>
           </a:p>
@@ -1216,8 +1170,8 @@
         </p:nvSpPr>
         <p:spPr>
           <a:xfrm>
-            <a:off x="729360" y="1318680"/>
-            <a:ext cx="7688520" cy="534960"/>
+            <a:off x="729360" y="1273320"/>
+            <a:ext cx="7688160" cy="625320"/>
           </a:xfrm>
           <a:prstGeom prst="rect">
             <a:avLst/>
@@ -1232,10 +1186,10 @@
             <a:noAutofit/>
           </a:bodyPr>
           <a:p>
-            <a:endParaRPr b="0" lang="en-US" sz="1400" spc="-1" strike="noStrike">
-              <a:solidFill>
-                <a:srgbClr val="000000"/>
-              </a:solidFill>
+            <a:pPr algn="ctr">
+              <a:buNone/>
+            </a:pPr>
+            <a:endParaRPr b="0" lang="en-US" sz="4400" spc="-1" strike="noStrike">
               <a:latin typeface="Arial"/>
             </a:endParaRPr>
           </a:p>
@@ -1255,7 +1209,7 @@
         <p:txBody>
           <a:bodyPr/>
           <a:p>
-            <a:fld id="{90290271-76BE-4573-8358-581DFE13BD5F}" type="slidenum">
+            <a:fld id="{BA3CD79A-5F9F-40F2-88CC-33A1121D3B79}" type="slidenum">
               <a:t>&lt;#&gt;</a:t>
             </a:fld>
           </a:p>
@@ -1296,7 +1250,7 @@
         <p:spPr>
           <a:xfrm>
             <a:off x="729360" y="1318680"/>
-            <a:ext cx="7688520" cy="2481120"/>
+            <a:ext cx="7688160" cy="2479320"/>
           </a:xfrm>
           <a:prstGeom prst="rect">
             <a:avLst/>
@@ -1334,7 +1288,7 @@
         <p:txBody>
           <a:bodyPr/>
           <a:p>
-            <a:fld id="{0556DFFE-9ADB-45C2-8AAC-22AE4CA1647D}" type="slidenum">
+            <a:fld id="{42737738-30E6-4CFB-BF34-7134F844AD38}" type="slidenum">
               <a:t>&lt;#&gt;</a:t>
             </a:fld>
           </a:p>
@@ -1374,8 +1328,8 @@
         </p:nvSpPr>
         <p:spPr>
           <a:xfrm>
-            <a:off x="729360" y="1318680"/>
-            <a:ext cx="7688520" cy="534960"/>
+            <a:off x="729360" y="1273320"/>
+            <a:ext cx="7688160" cy="625320"/>
           </a:xfrm>
           <a:prstGeom prst="rect">
             <a:avLst/>
@@ -1390,10 +1344,10 @@
             <a:noAutofit/>
           </a:bodyPr>
           <a:p>
-            <a:endParaRPr b="0" lang="en-US" sz="1400" spc="-1" strike="noStrike">
-              <a:solidFill>
-                <a:srgbClr val="000000"/>
-              </a:solidFill>
+            <a:pPr algn="ctr">
+              <a:buNone/>
+            </a:pPr>
+            <a:endParaRPr b="0" lang="en-US" sz="4400" spc="-1" strike="noStrike">
               <a:latin typeface="Arial"/>
             </a:endParaRPr>
           </a:p>
@@ -1412,7 +1366,7 @@
         <p:spPr>
           <a:xfrm>
             <a:off x="729360" y="2079000"/>
-            <a:ext cx="3751920" cy="1078200"/>
+            <a:ext cx="3751560" cy="1078200"/>
           </a:xfrm>
           <a:prstGeom prst="rect">
             <a:avLst/>
@@ -1427,10 +1381,7 @@
             <a:normAutofit/>
           </a:bodyPr>
           <a:p>
-            <a:endParaRPr b="0" lang="en-US" sz="1400" spc="-1" strike="noStrike">
-              <a:solidFill>
-                <a:srgbClr val="000000"/>
-              </a:solidFill>
+            <a:endParaRPr b="0" lang="en-US" sz="3200" spc="-1" strike="noStrike">
               <a:latin typeface="Arial"/>
             </a:endParaRPr>
           </a:p>
@@ -1448,8 +1399,8 @@
         </p:nvSpPr>
         <p:spPr>
           <a:xfrm>
-            <a:off x="4669200" y="2079000"/>
-            <a:ext cx="3751920" cy="2260800"/>
+            <a:off x="4668840" y="2079000"/>
+            <a:ext cx="3751560" cy="2260440"/>
           </a:xfrm>
           <a:prstGeom prst="rect">
             <a:avLst/>
@@ -1464,10 +1415,7 @@
             <a:normAutofit/>
           </a:bodyPr>
           <a:p>
-            <a:endParaRPr b="0" lang="en-US" sz="1400" spc="-1" strike="noStrike">
-              <a:solidFill>
-                <a:srgbClr val="000000"/>
-              </a:solidFill>
+            <a:endParaRPr b="0" lang="en-US" sz="3200" spc="-1" strike="noStrike">
               <a:latin typeface="Arial"/>
             </a:endParaRPr>
           </a:p>
@@ -1486,7 +1434,7 @@
         <p:spPr>
           <a:xfrm>
             <a:off x="729360" y="3260160"/>
-            <a:ext cx="3751920" cy="1078200"/>
+            <a:ext cx="3751560" cy="1078200"/>
           </a:xfrm>
           <a:prstGeom prst="rect">
             <a:avLst/>
@@ -1501,10 +1449,7 @@
             <a:normAutofit/>
           </a:bodyPr>
           <a:p>
-            <a:endParaRPr b="0" lang="en-US" sz="1400" spc="-1" strike="noStrike">
-              <a:solidFill>
-                <a:srgbClr val="000000"/>
-              </a:solidFill>
+            <a:endParaRPr b="0" lang="en-US" sz="3200" spc="-1" strike="noStrike">
               <a:latin typeface="Arial"/>
             </a:endParaRPr>
           </a:p>
@@ -1524,7 +1469,7 @@
         <p:txBody>
           <a:bodyPr/>
           <a:p>
-            <a:fld id="{D8ACE3C6-633F-4C6D-A900-1CFE60AD4883}" type="slidenum">
+            <a:fld id="{7B7DBCE2-015C-40C7-9AF6-3EF8BACD8111}" type="slidenum">
               <a:t>&lt;#&gt;</a:t>
             </a:fld>
           </a:p>
@@ -1564,8 +1509,8 @@
         </p:nvSpPr>
         <p:spPr>
           <a:xfrm>
-            <a:off x="729360" y="1318680"/>
-            <a:ext cx="7688520" cy="534960"/>
+            <a:off x="729360" y="1273320"/>
+            <a:ext cx="7688160" cy="625320"/>
           </a:xfrm>
           <a:prstGeom prst="rect">
             <a:avLst/>
@@ -1580,10 +1525,10 @@
             <a:noAutofit/>
           </a:bodyPr>
           <a:p>
-            <a:endParaRPr b="0" lang="en-US" sz="1400" spc="-1" strike="noStrike">
-              <a:solidFill>
-                <a:srgbClr val="000000"/>
-              </a:solidFill>
+            <a:pPr algn="ctr">
+              <a:buNone/>
+            </a:pPr>
+            <a:endParaRPr b="0" lang="en-US" sz="4400" spc="-1" strike="noStrike">
               <a:latin typeface="Arial"/>
             </a:endParaRPr>
           </a:p>
@@ -1602,7 +1547,7 @@
         <p:spPr>
           <a:xfrm>
             <a:off x="729360" y="2079000"/>
-            <a:ext cx="7688520" cy="2260800"/>
+            <a:ext cx="7688160" cy="2260440"/>
           </a:xfrm>
           <a:prstGeom prst="rect">
             <a:avLst/>
@@ -1640,7 +1585,7 @@
         <p:txBody>
           <a:bodyPr/>
           <a:p>
-            <a:fld id="{7C2485EA-685C-4314-BF53-80BE005F9D2F}" type="slidenum">
+            <a:fld id="{2B5B8EC7-CAC9-4BB3-AB6D-71D280D2878D}" type="slidenum">
               <a:t>&lt;#&gt;</a:t>
             </a:fld>
           </a:p>
@@ -1680,8 +1625,8 @@
         </p:nvSpPr>
         <p:spPr>
           <a:xfrm>
-            <a:off x="729360" y="1318680"/>
-            <a:ext cx="7688520" cy="534960"/>
+            <a:off x="729360" y="1273320"/>
+            <a:ext cx="7688160" cy="625320"/>
           </a:xfrm>
           <a:prstGeom prst="rect">
             <a:avLst/>
@@ -1696,10 +1641,10 @@
             <a:noAutofit/>
           </a:bodyPr>
           <a:p>
-            <a:endParaRPr b="0" lang="en-US" sz="1400" spc="-1" strike="noStrike">
-              <a:solidFill>
-                <a:srgbClr val="000000"/>
-              </a:solidFill>
+            <a:pPr algn="ctr">
+              <a:buNone/>
+            </a:pPr>
+            <a:endParaRPr b="0" lang="en-US" sz="4400" spc="-1" strike="noStrike">
               <a:latin typeface="Arial"/>
             </a:endParaRPr>
           </a:p>
@@ -1718,7 +1663,7 @@
         <p:spPr>
           <a:xfrm>
             <a:off x="729360" y="2079000"/>
-            <a:ext cx="3751920" cy="2260800"/>
+            <a:ext cx="3751560" cy="2260440"/>
           </a:xfrm>
           <a:prstGeom prst="rect">
             <a:avLst/>
@@ -1733,10 +1678,7 @@
             <a:normAutofit/>
           </a:bodyPr>
           <a:p>
-            <a:endParaRPr b="0" lang="en-US" sz="1400" spc="-1" strike="noStrike">
-              <a:solidFill>
-                <a:srgbClr val="000000"/>
-              </a:solidFill>
+            <a:endParaRPr b="0" lang="en-US" sz="3200" spc="-1" strike="noStrike">
               <a:latin typeface="Arial"/>
             </a:endParaRPr>
           </a:p>
@@ -1754,8 +1696,8 @@
         </p:nvSpPr>
         <p:spPr>
           <a:xfrm>
-            <a:off x="4669200" y="2079000"/>
-            <a:ext cx="3751920" cy="1078200"/>
+            <a:off x="4668840" y="2079000"/>
+            <a:ext cx="3751560" cy="1078200"/>
           </a:xfrm>
           <a:prstGeom prst="rect">
             <a:avLst/>
@@ -1770,10 +1712,7 @@
             <a:normAutofit/>
           </a:bodyPr>
           <a:p>
-            <a:endParaRPr b="0" lang="en-US" sz="1400" spc="-1" strike="noStrike">
-              <a:solidFill>
-                <a:srgbClr val="000000"/>
-              </a:solidFill>
+            <a:endParaRPr b="0" lang="en-US" sz="3200" spc="-1" strike="noStrike">
               <a:latin typeface="Arial"/>
             </a:endParaRPr>
           </a:p>
@@ -1791,8 +1730,8 @@
         </p:nvSpPr>
         <p:spPr>
           <a:xfrm>
-            <a:off x="4669200" y="3260160"/>
-            <a:ext cx="3751920" cy="1078200"/>
+            <a:off x="4668840" y="3260160"/>
+            <a:ext cx="3751560" cy="1078200"/>
           </a:xfrm>
           <a:prstGeom prst="rect">
             <a:avLst/>
@@ -1807,10 +1746,7 @@
             <a:normAutofit/>
           </a:bodyPr>
           <a:p>
-            <a:endParaRPr b="0" lang="en-US" sz="1400" spc="-1" strike="noStrike">
-              <a:solidFill>
-                <a:srgbClr val="000000"/>
-              </a:solidFill>
+            <a:endParaRPr b="0" lang="en-US" sz="3200" spc="-1" strike="noStrike">
               <a:latin typeface="Arial"/>
             </a:endParaRPr>
           </a:p>
@@ -1830,7 +1766,7 @@
         <p:txBody>
           <a:bodyPr/>
           <a:p>
-            <a:fld id="{74D22D7C-F0A9-42B6-A3F5-3F86AB2CA40E}" type="slidenum">
+            <a:fld id="{CC9BF8F2-C839-48B4-AB2D-3C796CD66514}" type="slidenum">
               <a:t>&lt;#&gt;</a:t>
             </a:fld>
           </a:p>
@@ -1870,8 +1806,8 @@
         </p:nvSpPr>
         <p:spPr>
           <a:xfrm>
-            <a:off x="729360" y="1318680"/>
-            <a:ext cx="7688520" cy="534960"/>
+            <a:off x="729360" y="1273320"/>
+            <a:ext cx="7688160" cy="625320"/>
           </a:xfrm>
           <a:prstGeom prst="rect">
             <a:avLst/>
@@ -1886,10 +1822,10 @@
             <a:noAutofit/>
           </a:bodyPr>
           <a:p>
-            <a:endParaRPr b="0" lang="en-US" sz="1400" spc="-1" strike="noStrike">
-              <a:solidFill>
-                <a:srgbClr val="000000"/>
-              </a:solidFill>
+            <a:pPr algn="ctr">
+              <a:buNone/>
+            </a:pPr>
+            <a:endParaRPr b="0" lang="en-US" sz="4400" spc="-1" strike="noStrike">
               <a:latin typeface="Arial"/>
             </a:endParaRPr>
           </a:p>
@@ -1908,7 +1844,7 @@
         <p:spPr>
           <a:xfrm>
             <a:off x="729360" y="2079000"/>
-            <a:ext cx="3751920" cy="1078200"/>
+            <a:ext cx="3751560" cy="1078200"/>
           </a:xfrm>
           <a:prstGeom prst="rect">
             <a:avLst/>
@@ -1923,10 +1859,7 @@
             <a:normAutofit/>
           </a:bodyPr>
           <a:p>
-            <a:endParaRPr b="0" lang="en-US" sz="1400" spc="-1" strike="noStrike">
-              <a:solidFill>
-                <a:srgbClr val="000000"/>
-              </a:solidFill>
+            <a:endParaRPr b="0" lang="en-US" sz="3200" spc="-1" strike="noStrike">
               <a:latin typeface="Arial"/>
             </a:endParaRPr>
           </a:p>
@@ -1944,8 +1877,8 @@
         </p:nvSpPr>
         <p:spPr>
           <a:xfrm>
-            <a:off x="4669200" y="2079000"/>
-            <a:ext cx="3751920" cy="1078200"/>
+            <a:off x="4668840" y="2079000"/>
+            <a:ext cx="3751560" cy="1078200"/>
           </a:xfrm>
           <a:prstGeom prst="rect">
             <a:avLst/>
@@ -1960,10 +1893,7 @@
             <a:normAutofit/>
           </a:bodyPr>
           <a:p>
-            <a:endParaRPr b="0" lang="en-US" sz="1400" spc="-1" strike="noStrike">
-              <a:solidFill>
-                <a:srgbClr val="000000"/>
-              </a:solidFill>
+            <a:endParaRPr b="0" lang="en-US" sz="3200" spc="-1" strike="noStrike">
               <a:latin typeface="Arial"/>
             </a:endParaRPr>
           </a:p>
@@ -1982,7 +1912,7 @@
         <p:spPr>
           <a:xfrm>
             <a:off x="729360" y="3260160"/>
-            <a:ext cx="7688520" cy="1078200"/>
+            <a:ext cx="7688160" cy="1078200"/>
           </a:xfrm>
           <a:prstGeom prst="rect">
             <a:avLst/>
@@ -1997,10 +1927,7 @@
             <a:normAutofit/>
           </a:bodyPr>
           <a:p>
-            <a:endParaRPr b="0" lang="en-US" sz="1400" spc="-1" strike="noStrike">
-              <a:solidFill>
-                <a:srgbClr val="000000"/>
-              </a:solidFill>
+            <a:endParaRPr b="0" lang="en-US" sz="3200" spc="-1" strike="noStrike">
               <a:latin typeface="Arial"/>
             </a:endParaRPr>
           </a:p>
@@ -2020,7 +1947,7 @@
         <p:txBody>
           <a:bodyPr/>
           <a:p>
-            <a:fld id="{41411979-3DB7-445F-8CF0-98F3C2D69E8F}" type="slidenum">
+            <a:fld id="{FECFB66E-9F03-48D3-8ADB-3E304101F4A7}" type="slidenum">
               <a:t>&lt;#&gt;</a:t>
             </a:fld>
           </a:p>
@@ -2060,8 +1987,8 @@
         </p:nvSpPr>
         <p:spPr>
           <a:xfrm>
-            <a:off x="729360" y="1318680"/>
-            <a:ext cx="7688520" cy="534960"/>
+            <a:off x="729360" y="1273320"/>
+            <a:ext cx="7688160" cy="625320"/>
           </a:xfrm>
           <a:prstGeom prst="rect">
             <a:avLst/>
@@ -2076,10 +2003,10 @@
             <a:noAutofit/>
           </a:bodyPr>
           <a:p>
-            <a:endParaRPr b="0" lang="en-US" sz="1400" spc="-1" strike="noStrike">
-              <a:solidFill>
-                <a:srgbClr val="000000"/>
-              </a:solidFill>
+            <a:pPr algn="ctr">
+              <a:buNone/>
+            </a:pPr>
+            <a:endParaRPr b="0" lang="en-US" sz="4400" spc="-1" strike="noStrike">
               <a:latin typeface="Arial"/>
             </a:endParaRPr>
           </a:p>
@@ -2098,7 +2025,7 @@
         <p:spPr>
           <a:xfrm>
             <a:off x="729360" y="2079000"/>
-            <a:ext cx="7688520" cy="1078200"/>
+            <a:ext cx="7688160" cy="1078200"/>
           </a:xfrm>
           <a:prstGeom prst="rect">
             <a:avLst/>
@@ -2113,10 +2040,7 @@
             <a:normAutofit/>
           </a:bodyPr>
           <a:p>
-            <a:endParaRPr b="0" lang="en-US" sz="1400" spc="-1" strike="noStrike">
-              <a:solidFill>
-                <a:srgbClr val="000000"/>
-              </a:solidFill>
+            <a:endParaRPr b="0" lang="en-US" sz="3200" spc="-1" strike="noStrike">
               <a:latin typeface="Arial"/>
             </a:endParaRPr>
           </a:p>
@@ -2135,7 +2059,7 @@
         <p:spPr>
           <a:xfrm>
             <a:off x="729360" y="3260160"/>
-            <a:ext cx="7688520" cy="1078200"/>
+            <a:ext cx="7688160" cy="1078200"/>
           </a:xfrm>
           <a:prstGeom prst="rect">
             <a:avLst/>
@@ -2150,10 +2074,7 @@
             <a:normAutofit/>
           </a:bodyPr>
           <a:p>
-            <a:endParaRPr b="0" lang="en-US" sz="1400" spc="-1" strike="noStrike">
-              <a:solidFill>
-                <a:srgbClr val="000000"/>
-              </a:solidFill>
+            <a:endParaRPr b="0" lang="en-US" sz="3200" spc="-1" strike="noStrike">
               <a:latin typeface="Arial"/>
             </a:endParaRPr>
           </a:p>
@@ -2173,7 +2094,7 @@
         <p:txBody>
           <a:bodyPr/>
           <a:p>
-            <a:fld id="{45F56DD2-10A5-4BF2-82F3-4FD37BBC7145}" type="slidenum">
+            <a:fld id="{5C457DA8-B4F7-41FF-BA7B-684FB45C373B}" type="slidenum">
               <a:t>&lt;#&gt;</a:t>
             </a:fld>
           </a:p>
@@ -2213,8 +2134,8 @@
         </p:nvSpPr>
         <p:spPr>
           <a:xfrm>
-            <a:off x="729360" y="1318680"/>
-            <a:ext cx="7688520" cy="534960"/>
+            <a:off x="729360" y="1273320"/>
+            <a:ext cx="7688160" cy="625320"/>
           </a:xfrm>
           <a:prstGeom prst="rect">
             <a:avLst/>
@@ -2229,10 +2150,10 @@
             <a:noAutofit/>
           </a:bodyPr>
           <a:p>
-            <a:endParaRPr b="0" lang="en-US" sz="1400" spc="-1" strike="noStrike">
-              <a:solidFill>
-                <a:srgbClr val="000000"/>
-              </a:solidFill>
+            <a:pPr algn="ctr">
+              <a:buNone/>
+            </a:pPr>
+            <a:endParaRPr b="0" lang="en-US" sz="4400" spc="-1" strike="noStrike">
               <a:latin typeface="Arial"/>
             </a:endParaRPr>
           </a:p>
@@ -2251,7 +2172,7 @@
         <p:spPr>
           <a:xfrm>
             <a:off x="729360" y="2079000"/>
-            <a:ext cx="3751920" cy="1078200"/>
+            <a:ext cx="3751560" cy="1078200"/>
           </a:xfrm>
           <a:prstGeom prst="rect">
             <a:avLst/>
@@ -2266,10 +2187,7 @@
             <a:normAutofit/>
           </a:bodyPr>
           <a:p>
-            <a:endParaRPr b="0" lang="en-US" sz="1400" spc="-1" strike="noStrike">
-              <a:solidFill>
-                <a:srgbClr val="000000"/>
-              </a:solidFill>
+            <a:endParaRPr b="0" lang="en-US" sz="3200" spc="-1" strike="noStrike">
               <a:latin typeface="Arial"/>
             </a:endParaRPr>
           </a:p>
@@ -2287,8 +2205,8 @@
         </p:nvSpPr>
         <p:spPr>
           <a:xfrm>
-            <a:off x="4669200" y="2079000"/>
-            <a:ext cx="3751920" cy="1078200"/>
+            <a:off x="4668840" y="2079000"/>
+            <a:ext cx="3751560" cy="1078200"/>
           </a:xfrm>
           <a:prstGeom prst="rect">
             <a:avLst/>
@@ -2303,10 +2221,7 @@
             <a:normAutofit/>
           </a:bodyPr>
           <a:p>
-            <a:endParaRPr b="0" lang="en-US" sz="1400" spc="-1" strike="noStrike">
-              <a:solidFill>
-                <a:srgbClr val="000000"/>
-              </a:solidFill>
+            <a:endParaRPr b="0" lang="en-US" sz="3200" spc="-1" strike="noStrike">
               <a:latin typeface="Arial"/>
             </a:endParaRPr>
           </a:p>
@@ -2325,7 +2240,7 @@
         <p:spPr>
           <a:xfrm>
             <a:off x="729360" y="3260160"/>
-            <a:ext cx="3751920" cy="1078200"/>
+            <a:ext cx="3751560" cy="1078200"/>
           </a:xfrm>
           <a:prstGeom prst="rect">
             <a:avLst/>
@@ -2340,10 +2255,7 @@
             <a:normAutofit/>
           </a:bodyPr>
           <a:p>
-            <a:endParaRPr b="0" lang="en-US" sz="1400" spc="-1" strike="noStrike">
-              <a:solidFill>
-                <a:srgbClr val="000000"/>
-              </a:solidFill>
+            <a:endParaRPr b="0" lang="en-US" sz="3200" spc="-1" strike="noStrike">
               <a:latin typeface="Arial"/>
             </a:endParaRPr>
           </a:p>
@@ -2361,8 +2273,8 @@
         </p:nvSpPr>
         <p:spPr>
           <a:xfrm>
-            <a:off x="4669200" y="3260160"/>
-            <a:ext cx="3751920" cy="1078200"/>
+            <a:off x="4668840" y="3260160"/>
+            <a:ext cx="3751560" cy="1078200"/>
           </a:xfrm>
           <a:prstGeom prst="rect">
             <a:avLst/>
@@ -2377,10 +2289,7 @@
             <a:normAutofit/>
           </a:bodyPr>
           <a:p>
-            <a:endParaRPr b="0" lang="en-US" sz="1400" spc="-1" strike="noStrike">
-              <a:solidFill>
-                <a:srgbClr val="000000"/>
-              </a:solidFill>
+            <a:endParaRPr b="0" lang="en-US" sz="3200" spc="-1" strike="noStrike">
               <a:latin typeface="Arial"/>
             </a:endParaRPr>
           </a:p>
@@ -2400,7 +2309,7 @@
         <p:txBody>
           <a:bodyPr/>
           <a:p>
-            <a:fld id="{1F240393-BB82-462D-B5A8-2849D447BAD0}" type="slidenum">
+            <a:fld id="{AE2B184B-BBFC-4136-9721-FBE63DEEF47E}" type="slidenum">
               <a:t>&lt;#&gt;</a:t>
             </a:fld>
           </a:p>
@@ -2440,8 +2349,8 @@
         </p:nvSpPr>
         <p:spPr>
           <a:xfrm>
-            <a:off x="729360" y="1318680"/>
-            <a:ext cx="7688520" cy="534960"/>
+            <a:off x="729360" y="1273320"/>
+            <a:ext cx="7688160" cy="625320"/>
           </a:xfrm>
           <a:prstGeom prst="rect">
             <a:avLst/>
@@ -2456,10 +2365,10 @@
             <a:noAutofit/>
           </a:bodyPr>
           <a:p>
-            <a:endParaRPr b="0" lang="en-US" sz="1400" spc="-1" strike="noStrike">
-              <a:solidFill>
-                <a:srgbClr val="000000"/>
-              </a:solidFill>
+            <a:pPr algn="ctr">
+              <a:buNone/>
+            </a:pPr>
+            <a:endParaRPr b="0" lang="en-US" sz="4400" spc="-1" strike="noStrike">
               <a:latin typeface="Arial"/>
             </a:endParaRPr>
           </a:p>
@@ -2493,10 +2402,7 @@
             <a:normAutofit/>
           </a:bodyPr>
           <a:p>
-            <a:endParaRPr b="0" lang="en-US" sz="1400" spc="-1" strike="noStrike">
-              <a:solidFill>
-                <a:srgbClr val="000000"/>
-              </a:solidFill>
+            <a:endParaRPr b="0" lang="en-US" sz="3200" spc="-1" strike="noStrike">
               <a:latin typeface="Arial"/>
             </a:endParaRPr>
           </a:p>
@@ -2530,10 +2436,7 @@
             <a:normAutofit/>
           </a:bodyPr>
           <a:p>
-            <a:endParaRPr b="0" lang="en-US" sz="1400" spc="-1" strike="noStrike">
-              <a:solidFill>
-                <a:srgbClr val="000000"/>
-              </a:solidFill>
+            <a:endParaRPr b="0" lang="en-US" sz="3200" spc="-1" strike="noStrike">
               <a:latin typeface="Arial"/>
             </a:endParaRPr>
           </a:p>
@@ -2567,10 +2470,7 @@
             <a:normAutofit/>
           </a:bodyPr>
           <a:p>
-            <a:endParaRPr b="0" lang="en-US" sz="1400" spc="-1" strike="noStrike">
-              <a:solidFill>
-                <a:srgbClr val="000000"/>
-              </a:solidFill>
+            <a:endParaRPr b="0" lang="en-US" sz="3200" spc="-1" strike="noStrike">
               <a:latin typeface="Arial"/>
             </a:endParaRPr>
           </a:p>
@@ -2604,10 +2504,7 @@
             <a:normAutofit/>
           </a:bodyPr>
           <a:p>
-            <a:endParaRPr b="0" lang="en-US" sz="1400" spc="-1" strike="noStrike">
-              <a:solidFill>
-                <a:srgbClr val="000000"/>
-              </a:solidFill>
+            <a:endParaRPr b="0" lang="en-US" sz="3200" spc="-1" strike="noStrike">
               <a:latin typeface="Arial"/>
             </a:endParaRPr>
           </a:p>
@@ -2641,10 +2538,7 @@
             <a:normAutofit/>
           </a:bodyPr>
           <a:p>
-            <a:endParaRPr b="0" lang="en-US" sz="1400" spc="-1" strike="noStrike">
-              <a:solidFill>
-                <a:srgbClr val="000000"/>
-              </a:solidFill>
+            <a:endParaRPr b="0" lang="en-US" sz="3200" spc="-1" strike="noStrike">
               <a:latin typeface="Arial"/>
             </a:endParaRPr>
           </a:p>
@@ -2678,10 +2572,7 @@
             <a:normAutofit/>
           </a:bodyPr>
           <a:p>
-            <a:endParaRPr b="0" lang="en-US" sz="1400" spc="-1" strike="noStrike">
-              <a:solidFill>
-                <a:srgbClr val="000000"/>
-              </a:solidFill>
+            <a:endParaRPr b="0" lang="en-US" sz="3200" spc="-1" strike="noStrike">
               <a:latin typeface="Arial"/>
             </a:endParaRPr>
           </a:p>
@@ -2701,513 +2592,7 @@
         <p:txBody>
           <a:bodyPr/>
           <a:p>
-            <a:fld id="{0671CDBA-336E-466E-8D69-D2799E3082D8}" type="slidenum">
-              <a:t>&lt;#&gt;</a:t>
-            </a:fld>
-          </a:p>
-        </p:txBody>
-      </p:sp>
-    </p:spTree>
-  </p:cSld>
-</p:sldLayout>
-</file>
-
-<file path=ppt/slideLayouts/slideLayout25.xml><?xml version="1.0" encoding="utf-8"?>
-<p:sldLayout xmlns:a="http://schemas.openxmlformats.org/drawingml/2006/main" xmlns:p="http://schemas.openxmlformats.org/presentationml/2006/main" xmlns:r="http://schemas.openxmlformats.org/officeDocument/2006/relationships" xmlns:p14="http://schemas.microsoft.com/office/powerpoint/2010/main" xmlns:p15="http://schemas.microsoft.com/office/powerpoint/2012/main" xmlns:mc="http://schemas.openxmlformats.org/markup-compatibility/2006" type="blank" preserve="1">
-  <p:cSld name="Blank Slide">
-    <p:spTree>
-      <p:nvGrpSpPr>
-        <p:cNvPr id="1" name=""/>
-        <p:cNvGrpSpPr/>
-        <p:nvPr/>
-      </p:nvGrpSpPr>
-      <p:grpSpPr>
-        <a:xfrm>
-          <a:off x="0" y="0"/>
-          <a:ext cx="0" cy="0"/>
-          <a:chOff x="0" y="0"/>
-          <a:chExt cx="0" cy="0"/>
-        </a:xfrm>
-      </p:grpSpPr>
-      <p:sp>
-        <p:nvSpPr>
-          <p:cNvPr id="2" name="PlaceHolder 1"/>
-          <p:cNvSpPr>
-            <a:spLocks noGrp="1"/>
-          </p:cNvSpPr>
-          <p:nvPr>
-            <p:ph type="sldNum" idx="3"/>
-          </p:nvPr>
-        </p:nvSpPr>
-        <p:spPr/>
-        <p:txBody>
-          <a:bodyPr/>
-          <a:p>
-            <a:fld id="{AECDA714-8F95-4C7F-8F1E-3B7F72ECA284}" type="slidenum">
-              <a:t>&lt;#&gt;</a:t>
-            </a:fld>
-          </a:p>
-        </p:txBody>
-      </p:sp>
-    </p:spTree>
-  </p:cSld>
-</p:sldLayout>
-</file>
-
-<file path=ppt/slideLayouts/slideLayout26.xml><?xml version="1.0" encoding="utf-8"?>
-<p:sldLayout xmlns:a="http://schemas.openxmlformats.org/drawingml/2006/main" xmlns:p="http://schemas.openxmlformats.org/presentationml/2006/main" xmlns:r="http://schemas.openxmlformats.org/officeDocument/2006/relationships" xmlns:p14="http://schemas.microsoft.com/office/powerpoint/2010/main" xmlns:p15="http://schemas.microsoft.com/office/powerpoint/2012/main" xmlns:mc="http://schemas.openxmlformats.org/markup-compatibility/2006" type="tx" preserve="1">
-  <p:cSld name="Title Slide">
-    <p:spTree>
-      <p:nvGrpSpPr>
-        <p:cNvPr id="1" name=""/>
-        <p:cNvGrpSpPr/>
-        <p:nvPr/>
-      </p:nvGrpSpPr>
-      <p:grpSpPr>
-        <a:xfrm>
-          <a:off x="0" y="0"/>
-          <a:ext cx="0" cy="0"/>
-          <a:chOff x="0" y="0"/>
-          <a:chExt cx="0" cy="0"/>
-        </a:xfrm>
-      </p:grpSpPr>
-      <p:sp>
-        <p:nvSpPr>
-          <p:cNvPr id="92" name="PlaceHolder 1"/>
-          <p:cNvSpPr>
-            <a:spLocks noGrp="1"/>
-          </p:cNvSpPr>
-          <p:nvPr>
-            <p:ph type="title"/>
-          </p:nvPr>
-        </p:nvSpPr>
-        <p:spPr>
-          <a:xfrm>
-            <a:off x="729360" y="1318680"/>
-            <a:ext cx="7688520" cy="534960"/>
-          </a:xfrm>
-          <a:prstGeom prst="rect">
-            <a:avLst/>
-          </a:prstGeom>
-          <a:noFill/>
-          <a:ln w="0">
-            <a:noFill/>
-          </a:ln>
-        </p:spPr>
-        <p:txBody>
-          <a:bodyPr lIns="0" rIns="0" tIns="0" bIns="0" anchor="ctr">
-            <a:noAutofit/>
-          </a:bodyPr>
-          <a:p>
-            <a:endParaRPr b="0" lang="en-US" sz="1400" spc="-1" strike="noStrike">
-              <a:solidFill>
-                <a:srgbClr val="000000"/>
-              </a:solidFill>
-              <a:latin typeface="Arial"/>
-            </a:endParaRPr>
-          </a:p>
-        </p:txBody>
-      </p:sp>
-      <p:sp>
-        <p:nvSpPr>
-          <p:cNvPr id="93" name="PlaceHolder 2"/>
-          <p:cNvSpPr>
-            <a:spLocks noGrp="1"/>
-          </p:cNvSpPr>
-          <p:nvPr>
-            <p:ph type="subTitle"/>
-          </p:nvPr>
-        </p:nvSpPr>
-        <p:spPr>
-          <a:xfrm>
-            <a:off x="729360" y="2079000"/>
-            <a:ext cx="7688520" cy="2260800"/>
-          </a:xfrm>
-          <a:prstGeom prst="rect">
-            <a:avLst/>
-          </a:prstGeom>
-          <a:noFill/>
-          <a:ln w="0">
-            <a:noFill/>
-          </a:ln>
-        </p:spPr>
-        <p:txBody>
-          <a:bodyPr lIns="0" rIns="0" tIns="0" bIns="0" anchor="ctr">
-            <a:noAutofit/>
-          </a:bodyPr>
-          <a:p>
-            <a:pPr algn="ctr">
-              <a:buNone/>
-            </a:pPr>
-            <a:endParaRPr b="0" lang="en-US" sz="3200" spc="-1" strike="noStrike">
-              <a:latin typeface="Arial"/>
-            </a:endParaRPr>
-          </a:p>
-        </p:txBody>
-      </p:sp>
-      <p:sp>
-        <p:nvSpPr>
-          <p:cNvPr id="4" name="PlaceHolder 3"/>
-          <p:cNvSpPr>
-            <a:spLocks noGrp="1"/>
-          </p:cNvSpPr>
-          <p:nvPr>
-            <p:ph type="sldNum" idx="3"/>
-          </p:nvPr>
-        </p:nvSpPr>
-        <p:spPr/>
-        <p:txBody>
-          <a:bodyPr/>
-          <a:p>
-            <a:fld id="{10DA7C0E-556B-445E-92CC-F3FBD86A006C}" type="slidenum">
-              <a:t>&lt;#&gt;</a:t>
-            </a:fld>
-          </a:p>
-        </p:txBody>
-      </p:sp>
-    </p:spTree>
-  </p:cSld>
-</p:sldLayout>
-</file>
-
-<file path=ppt/slideLayouts/slideLayout27.xml><?xml version="1.0" encoding="utf-8"?>
-<p:sldLayout xmlns:a="http://schemas.openxmlformats.org/drawingml/2006/main" xmlns:p="http://schemas.openxmlformats.org/presentationml/2006/main" xmlns:r="http://schemas.openxmlformats.org/officeDocument/2006/relationships" xmlns:p14="http://schemas.microsoft.com/office/powerpoint/2010/main" xmlns:p15="http://schemas.microsoft.com/office/powerpoint/2012/main" xmlns:mc="http://schemas.openxmlformats.org/markup-compatibility/2006" type="obj" preserve="1">
-  <p:cSld name="Title, Content">
-    <p:spTree>
-      <p:nvGrpSpPr>
-        <p:cNvPr id="1" name=""/>
-        <p:cNvGrpSpPr/>
-        <p:nvPr/>
-      </p:nvGrpSpPr>
-      <p:grpSpPr>
-        <a:xfrm>
-          <a:off x="0" y="0"/>
-          <a:ext cx="0" cy="0"/>
-          <a:chOff x="0" y="0"/>
-          <a:chExt cx="0" cy="0"/>
-        </a:xfrm>
-      </p:grpSpPr>
-      <p:sp>
-        <p:nvSpPr>
-          <p:cNvPr id="94" name="PlaceHolder 1"/>
-          <p:cNvSpPr>
-            <a:spLocks noGrp="1"/>
-          </p:cNvSpPr>
-          <p:nvPr>
-            <p:ph type="title"/>
-          </p:nvPr>
-        </p:nvSpPr>
-        <p:spPr>
-          <a:xfrm>
-            <a:off x="729360" y="1318680"/>
-            <a:ext cx="7688520" cy="534960"/>
-          </a:xfrm>
-          <a:prstGeom prst="rect">
-            <a:avLst/>
-          </a:prstGeom>
-          <a:noFill/>
-          <a:ln w="0">
-            <a:noFill/>
-          </a:ln>
-        </p:spPr>
-        <p:txBody>
-          <a:bodyPr lIns="0" rIns="0" tIns="0" bIns="0" anchor="ctr">
-            <a:noAutofit/>
-          </a:bodyPr>
-          <a:p>
-            <a:endParaRPr b="0" lang="en-US" sz="1400" spc="-1" strike="noStrike">
-              <a:solidFill>
-                <a:srgbClr val="000000"/>
-              </a:solidFill>
-              <a:latin typeface="Arial"/>
-            </a:endParaRPr>
-          </a:p>
-        </p:txBody>
-      </p:sp>
-      <p:sp>
-        <p:nvSpPr>
-          <p:cNvPr id="95" name="PlaceHolder 2"/>
-          <p:cNvSpPr>
-            <a:spLocks noGrp="1"/>
-          </p:cNvSpPr>
-          <p:nvPr>
-            <p:ph/>
-          </p:nvPr>
-        </p:nvSpPr>
-        <p:spPr>
-          <a:xfrm>
-            <a:off x="729360" y="2079000"/>
-            <a:ext cx="7688520" cy="2260800"/>
-          </a:xfrm>
-          <a:prstGeom prst="rect">
-            <a:avLst/>
-          </a:prstGeom>
-          <a:noFill/>
-          <a:ln w="0">
-            <a:noFill/>
-          </a:ln>
-        </p:spPr>
-        <p:txBody>
-          <a:bodyPr lIns="0" rIns="0" tIns="0" bIns="0" anchor="t">
-            <a:normAutofit/>
-          </a:bodyPr>
-          <a:p>
-            <a:endParaRPr b="0" lang="en-US" sz="1400" spc="-1" strike="noStrike">
-              <a:solidFill>
-                <a:srgbClr val="000000"/>
-              </a:solidFill>
-              <a:latin typeface="Arial"/>
-            </a:endParaRPr>
-          </a:p>
-        </p:txBody>
-      </p:sp>
-      <p:sp>
-        <p:nvSpPr>
-          <p:cNvPr id="4" name="PlaceHolder 3"/>
-          <p:cNvSpPr>
-            <a:spLocks noGrp="1"/>
-          </p:cNvSpPr>
-          <p:nvPr>
-            <p:ph type="sldNum" idx="3"/>
-          </p:nvPr>
-        </p:nvSpPr>
-        <p:spPr/>
-        <p:txBody>
-          <a:bodyPr/>
-          <a:p>
-            <a:fld id="{3B2B4C81-9085-464D-A746-8A0227B5F834}" type="slidenum">
-              <a:t>&lt;#&gt;</a:t>
-            </a:fld>
-          </a:p>
-        </p:txBody>
-      </p:sp>
-    </p:spTree>
-  </p:cSld>
-</p:sldLayout>
-</file>
-
-<file path=ppt/slideLayouts/slideLayout28.xml><?xml version="1.0" encoding="utf-8"?>
-<p:sldLayout xmlns:a="http://schemas.openxmlformats.org/drawingml/2006/main" xmlns:p="http://schemas.openxmlformats.org/presentationml/2006/main" xmlns:r="http://schemas.openxmlformats.org/officeDocument/2006/relationships" xmlns:p14="http://schemas.microsoft.com/office/powerpoint/2010/main" xmlns:p15="http://schemas.microsoft.com/office/powerpoint/2012/main" xmlns:mc="http://schemas.openxmlformats.org/markup-compatibility/2006" type="twoObj" preserve="1">
-  <p:cSld name="Title, 2 Content">
-    <p:spTree>
-      <p:nvGrpSpPr>
-        <p:cNvPr id="1" name=""/>
-        <p:cNvGrpSpPr/>
-        <p:nvPr/>
-      </p:nvGrpSpPr>
-      <p:grpSpPr>
-        <a:xfrm>
-          <a:off x="0" y="0"/>
-          <a:ext cx="0" cy="0"/>
-          <a:chOff x="0" y="0"/>
-          <a:chExt cx="0" cy="0"/>
-        </a:xfrm>
-      </p:grpSpPr>
-      <p:sp>
-        <p:nvSpPr>
-          <p:cNvPr id="96" name="PlaceHolder 1"/>
-          <p:cNvSpPr>
-            <a:spLocks noGrp="1"/>
-          </p:cNvSpPr>
-          <p:nvPr>
-            <p:ph type="title"/>
-          </p:nvPr>
-        </p:nvSpPr>
-        <p:spPr>
-          <a:xfrm>
-            <a:off x="729360" y="1318680"/>
-            <a:ext cx="7688520" cy="534960"/>
-          </a:xfrm>
-          <a:prstGeom prst="rect">
-            <a:avLst/>
-          </a:prstGeom>
-          <a:noFill/>
-          <a:ln w="0">
-            <a:noFill/>
-          </a:ln>
-        </p:spPr>
-        <p:txBody>
-          <a:bodyPr lIns="0" rIns="0" tIns="0" bIns="0" anchor="ctr">
-            <a:noAutofit/>
-          </a:bodyPr>
-          <a:p>
-            <a:endParaRPr b="0" lang="en-US" sz="1400" spc="-1" strike="noStrike">
-              <a:solidFill>
-                <a:srgbClr val="000000"/>
-              </a:solidFill>
-              <a:latin typeface="Arial"/>
-            </a:endParaRPr>
-          </a:p>
-        </p:txBody>
-      </p:sp>
-      <p:sp>
-        <p:nvSpPr>
-          <p:cNvPr id="97" name="PlaceHolder 2"/>
-          <p:cNvSpPr>
-            <a:spLocks noGrp="1"/>
-          </p:cNvSpPr>
-          <p:nvPr>
-            <p:ph/>
-          </p:nvPr>
-        </p:nvSpPr>
-        <p:spPr>
-          <a:xfrm>
-            <a:off x="729360" y="2079000"/>
-            <a:ext cx="3751920" cy="2260800"/>
-          </a:xfrm>
-          <a:prstGeom prst="rect">
-            <a:avLst/>
-          </a:prstGeom>
-          <a:noFill/>
-          <a:ln w="0">
-            <a:noFill/>
-          </a:ln>
-        </p:spPr>
-        <p:txBody>
-          <a:bodyPr lIns="0" rIns="0" tIns="0" bIns="0" anchor="t">
-            <a:normAutofit/>
-          </a:bodyPr>
-          <a:p>
-            <a:endParaRPr b="0" lang="en-US" sz="1400" spc="-1" strike="noStrike">
-              <a:solidFill>
-                <a:srgbClr val="000000"/>
-              </a:solidFill>
-              <a:latin typeface="Arial"/>
-            </a:endParaRPr>
-          </a:p>
-        </p:txBody>
-      </p:sp>
-      <p:sp>
-        <p:nvSpPr>
-          <p:cNvPr id="98" name="PlaceHolder 3"/>
-          <p:cNvSpPr>
-            <a:spLocks noGrp="1"/>
-          </p:cNvSpPr>
-          <p:nvPr>
-            <p:ph/>
-          </p:nvPr>
-        </p:nvSpPr>
-        <p:spPr>
-          <a:xfrm>
-            <a:off x="4669200" y="2079000"/>
-            <a:ext cx="3751920" cy="2260800"/>
-          </a:xfrm>
-          <a:prstGeom prst="rect">
-            <a:avLst/>
-          </a:prstGeom>
-          <a:noFill/>
-          <a:ln w="0">
-            <a:noFill/>
-          </a:ln>
-        </p:spPr>
-        <p:txBody>
-          <a:bodyPr lIns="0" rIns="0" tIns="0" bIns="0" anchor="t">
-            <a:normAutofit/>
-          </a:bodyPr>
-          <a:p>
-            <a:endParaRPr b="0" lang="en-US" sz="1400" spc="-1" strike="noStrike">
-              <a:solidFill>
-                <a:srgbClr val="000000"/>
-              </a:solidFill>
-              <a:latin typeface="Arial"/>
-            </a:endParaRPr>
-          </a:p>
-        </p:txBody>
-      </p:sp>
-      <p:sp>
-        <p:nvSpPr>
-          <p:cNvPr id="5" name="PlaceHolder 4"/>
-          <p:cNvSpPr>
-            <a:spLocks noGrp="1"/>
-          </p:cNvSpPr>
-          <p:nvPr>
-            <p:ph type="sldNum" idx="3"/>
-          </p:nvPr>
-        </p:nvSpPr>
-        <p:spPr/>
-        <p:txBody>
-          <a:bodyPr/>
-          <a:p>
-            <a:fld id="{0DCC17C4-5AEE-49D7-8440-CB322723FD95}" type="slidenum">
-              <a:t>&lt;#&gt;</a:t>
-            </a:fld>
-          </a:p>
-        </p:txBody>
-      </p:sp>
-    </p:spTree>
-  </p:cSld>
-</p:sldLayout>
-</file>
-
-<file path=ppt/slideLayouts/slideLayout29.xml><?xml version="1.0" encoding="utf-8"?>
-<p:sldLayout xmlns:a="http://schemas.openxmlformats.org/drawingml/2006/main" xmlns:p="http://schemas.openxmlformats.org/presentationml/2006/main" xmlns:r="http://schemas.openxmlformats.org/officeDocument/2006/relationships" xmlns:p14="http://schemas.microsoft.com/office/powerpoint/2010/main" xmlns:p15="http://schemas.microsoft.com/office/powerpoint/2012/main" xmlns:mc="http://schemas.openxmlformats.org/markup-compatibility/2006" type="titleOnly" preserve="1">
-  <p:cSld name="Title Only">
-    <p:spTree>
-      <p:nvGrpSpPr>
-        <p:cNvPr id="1" name=""/>
-        <p:cNvGrpSpPr/>
-        <p:nvPr/>
-      </p:nvGrpSpPr>
-      <p:grpSpPr>
-        <a:xfrm>
-          <a:off x="0" y="0"/>
-          <a:ext cx="0" cy="0"/>
-          <a:chOff x="0" y="0"/>
-          <a:chExt cx="0" cy="0"/>
-        </a:xfrm>
-      </p:grpSpPr>
-      <p:sp>
-        <p:nvSpPr>
-          <p:cNvPr id="99" name="PlaceHolder 1"/>
-          <p:cNvSpPr>
-            <a:spLocks noGrp="1"/>
-          </p:cNvSpPr>
-          <p:nvPr>
-            <p:ph type="title"/>
-          </p:nvPr>
-        </p:nvSpPr>
-        <p:spPr>
-          <a:xfrm>
-            <a:off x="729360" y="1318680"/>
-            <a:ext cx="7688520" cy="534960"/>
-          </a:xfrm>
-          <a:prstGeom prst="rect">
-            <a:avLst/>
-          </a:prstGeom>
-          <a:noFill/>
-          <a:ln w="0">
-            <a:noFill/>
-          </a:ln>
-        </p:spPr>
-        <p:txBody>
-          <a:bodyPr lIns="0" rIns="0" tIns="0" bIns="0" anchor="ctr">
-            <a:noAutofit/>
-          </a:bodyPr>
-          <a:p>
-            <a:endParaRPr b="0" lang="en-US" sz="1400" spc="-1" strike="noStrike">
-              <a:solidFill>
-                <a:srgbClr val="000000"/>
-              </a:solidFill>
-              <a:latin typeface="Arial"/>
-            </a:endParaRPr>
-          </a:p>
-        </p:txBody>
-      </p:sp>
-      <p:sp>
-        <p:nvSpPr>
-          <p:cNvPr id="3" name="PlaceHolder 2"/>
-          <p:cNvSpPr>
-            <a:spLocks noGrp="1"/>
-          </p:cNvSpPr>
-          <p:nvPr>
-            <p:ph type="sldNum" idx="3"/>
-          </p:nvPr>
-        </p:nvSpPr>
-        <p:spPr/>
-        <p:txBody>
-          <a:bodyPr/>
-          <a:p>
-            <a:fld id="{5C528227-4D38-401E-A401-74EE65ED043B}" type="slidenum">
+            <a:fld id="{08532DB6-49F0-43E9-8613-CB4154340465}" type="slidenum">
               <a:t>&lt;#&gt;</a:t>
             </a:fld>
           </a:p>
@@ -3247,8 +2632,8 @@
         </p:nvSpPr>
         <p:spPr>
           <a:xfrm>
-            <a:off x="729360" y="1318680"/>
-            <a:ext cx="7688520" cy="534960"/>
+            <a:off x="729360" y="1273320"/>
+            <a:ext cx="7688160" cy="625320"/>
           </a:xfrm>
           <a:prstGeom prst="rect">
             <a:avLst/>
@@ -3263,10 +2648,10 @@
             <a:noAutofit/>
           </a:bodyPr>
           <a:p>
-            <a:endParaRPr b="0" lang="en-US" sz="1400" spc="-1" strike="noStrike">
-              <a:solidFill>
-                <a:srgbClr val="000000"/>
-              </a:solidFill>
+            <a:pPr algn="ctr">
+              <a:buNone/>
+            </a:pPr>
+            <a:endParaRPr b="0" lang="en-US" sz="4400" spc="-1" strike="noStrike">
               <a:latin typeface="Arial"/>
             </a:endParaRPr>
           </a:p>
@@ -3285,7 +2670,7 @@
         <p:spPr>
           <a:xfrm>
             <a:off x="729360" y="2079000"/>
-            <a:ext cx="7688520" cy="2260800"/>
+            <a:ext cx="7688160" cy="2260440"/>
           </a:xfrm>
           <a:prstGeom prst="rect">
             <a:avLst/>
@@ -3300,10 +2685,7 @@
             <a:normAutofit/>
           </a:bodyPr>
           <a:p>
-            <a:endParaRPr b="0" lang="en-US" sz="1400" spc="-1" strike="noStrike">
-              <a:solidFill>
-                <a:srgbClr val="000000"/>
-              </a:solidFill>
+            <a:endParaRPr b="0" lang="en-US" sz="3200" spc="-1" strike="noStrike">
               <a:latin typeface="Arial"/>
             </a:endParaRPr>
           </a:p>
@@ -3323,1337 +2705,7 @@
         <p:txBody>
           <a:bodyPr/>
           <a:p>
-            <a:fld id="{F90F3949-2C9D-4508-9B3C-10BFCF5AFADA}" type="slidenum">
-              <a:t>&lt;#&gt;</a:t>
-            </a:fld>
-          </a:p>
-        </p:txBody>
-      </p:sp>
-    </p:spTree>
-  </p:cSld>
-</p:sldLayout>
-</file>
-
-<file path=ppt/slideLayouts/slideLayout30.xml><?xml version="1.0" encoding="utf-8"?>
-<p:sldLayout xmlns:a="http://schemas.openxmlformats.org/drawingml/2006/main" xmlns:p="http://schemas.openxmlformats.org/presentationml/2006/main" xmlns:r="http://schemas.openxmlformats.org/officeDocument/2006/relationships" xmlns:p14="http://schemas.microsoft.com/office/powerpoint/2010/main" xmlns:p15="http://schemas.microsoft.com/office/powerpoint/2012/main" xmlns:mc="http://schemas.openxmlformats.org/markup-compatibility/2006" type="objOnly" preserve="1">
-  <p:cSld name="Centered Text">
-    <p:spTree>
-      <p:nvGrpSpPr>
-        <p:cNvPr id="1" name=""/>
-        <p:cNvGrpSpPr/>
-        <p:nvPr/>
-      </p:nvGrpSpPr>
-      <p:grpSpPr>
-        <a:xfrm>
-          <a:off x="0" y="0"/>
-          <a:ext cx="0" cy="0"/>
-          <a:chOff x="0" y="0"/>
-          <a:chExt cx="0" cy="0"/>
-        </a:xfrm>
-      </p:grpSpPr>
-      <p:sp>
-        <p:nvSpPr>
-          <p:cNvPr id="100" name="PlaceHolder 1"/>
-          <p:cNvSpPr>
-            <a:spLocks noGrp="1"/>
-          </p:cNvSpPr>
-          <p:nvPr>
-            <p:ph type="subTitle"/>
-          </p:nvPr>
-        </p:nvSpPr>
-        <p:spPr>
-          <a:xfrm>
-            <a:off x="729360" y="1318680"/>
-            <a:ext cx="7688520" cy="2481120"/>
-          </a:xfrm>
-          <a:prstGeom prst="rect">
-            <a:avLst/>
-          </a:prstGeom>
-          <a:noFill/>
-          <a:ln w="0">
-            <a:noFill/>
-          </a:ln>
-        </p:spPr>
-        <p:txBody>
-          <a:bodyPr lIns="0" rIns="0" tIns="0" bIns="0" anchor="ctr">
-            <a:noAutofit/>
-          </a:bodyPr>
-          <a:p>
-            <a:pPr algn="ctr">
-              <a:buNone/>
-            </a:pPr>
-            <a:endParaRPr b="0" lang="en-US" sz="3200" spc="-1" strike="noStrike">
-              <a:latin typeface="Arial"/>
-            </a:endParaRPr>
-          </a:p>
-        </p:txBody>
-      </p:sp>
-      <p:sp>
-        <p:nvSpPr>
-          <p:cNvPr id="3" name="PlaceHolder 2"/>
-          <p:cNvSpPr>
-            <a:spLocks noGrp="1"/>
-          </p:cNvSpPr>
-          <p:nvPr>
-            <p:ph type="sldNum" idx="3"/>
-          </p:nvPr>
-        </p:nvSpPr>
-        <p:spPr/>
-        <p:txBody>
-          <a:bodyPr/>
-          <a:p>
-            <a:fld id="{899C09B5-3887-43F2-8666-BE772A7066C4}" type="slidenum">
-              <a:t>&lt;#&gt;</a:t>
-            </a:fld>
-          </a:p>
-        </p:txBody>
-      </p:sp>
-    </p:spTree>
-  </p:cSld>
-</p:sldLayout>
-</file>
-
-<file path=ppt/slideLayouts/slideLayout31.xml><?xml version="1.0" encoding="utf-8"?>
-<p:sldLayout xmlns:a="http://schemas.openxmlformats.org/drawingml/2006/main" xmlns:p="http://schemas.openxmlformats.org/presentationml/2006/main" xmlns:r="http://schemas.openxmlformats.org/officeDocument/2006/relationships" xmlns:p14="http://schemas.microsoft.com/office/powerpoint/2010/main" xmlns:p15="http://schemas.microsoft.com/office/powerpoint/2012/main" xmlns:mc="http://schemas.openxmlformats.org/markup-compatibility/2006" type="twoObjAndObj" preserve="1">
-  <p:cSld name="Title, 2 Content and Content">
-    <p:spTree>
-      <p:nvGrpSpPr>
-        <p:cNvPr id="1" name=""/>
-        <p:cNvGrpSpPr/>
-        <p:nvPr/>
-      </p:nvGrpSpPr>
-      <p:grpSpPr>
-        <a:xfrm>
-          <a:off x="0" y="0"/>
-          <a:ext cx="0" cy="0"/>
-          <a:chOff x="0" y="0"/>
-          <a:chExt cx="0" cy="0"/>
-        </a:xfrm>
-      </p:grpSpPr>
-      <p:sp>
-        <p:nvSpPr>
-          <p:cNvPr id="101" name="PlaceHolder 1"/>
-          <p:cNvSpPr>
-            <a:spLocks noGrp="1"/>
-          </p:cNvSpPr>
-          <p:nvPr>
-            <p:ph type="title"/>
-          </p:nvPr>
-        </p:nvSpPr>
-        <p:spPr>
-          <a:xfrm>
-            <a:off x="729360" y="1318680"/>
-            <a:ext cx="7688520" cy="534960"/>
-          </a:xfrm>
-          <a:prstGeom prst="rect">
-            <a:avLst/>
-          </a:prstGeom>
-          <a:noFill/>
-          <a:ln w="0">
-            <a:noFill/>
-          </a:ln>
-        </p:spPr>
-        <p:txBody>
-          <a:bodyPr lIns="0" rIns="0" tIns="0" bIns="0" anchor="ctr">
-            <a:noAutofit/>
-          </a:bodyPr>
-          <a:p>
-            <a:endParaRPr b="0" lang="en-US" sz="1400" spc="-1" strike="noStrike">
-              <a:solidFill>
-                <a:srgbClr val="000000"/>
-              </a:solidFill>
-              <a:latin typeface="Arial"/>
-            </a:endParaRPr>
-          </a:p>
-        </p:txBody>
-      </p:sp>
-      <p:sp>
-        <p:nvSpPr>
-          <p:cNvPr id="102" name="PlaceHolder 2"/>
-          <p:cNvSpPr>
-            <a:spLocks noGrp="1"/>
-          </p:cNvSpPr>
-          <p:nvPr>
-            <p:ph/>
-          </p:nvPr>
-        </p:nvSpPr>
-        <p:spPr>
-          <a:xfrm>
-            <a:off x="729360" y="2079000"/>
-            <a:ext cx="3751920" cy="1078200"/>
-          </a:xfrm>
-          <a:prstGeom prst="rect">
-            <a:avLst/>
-          </a:prstGeom>
-          <a:noFill/>
-          <a:ln w="0">
-            <a:noFill/>
-          </a:ln>
-        </p:spPr>
-        <p:txBody>
-          <a:bodyPr lIns="0" rIns="0" tIns="0" bIns="0" anchor="t">
-            <a:normAutofit/>
-          </a:bodyPr>
-          <a:p>
-            <a:endParaRPr b="0" lang="en-US" sz="1400" spc="-1" strike="noStrike">
-              <a:solidFill>
-                <a:srgbClr val="000000"/>
-              </a:solidFill>
-              <a:latin typeface="Arial"/>
-            </a:endParaRPr>
-          </a:p>
-        </p:txBody>
-      </p:sp>
-      <p:sp>
-        <p:nvSpPr>
-          <p:cNvPr id="103" name="PlaceHolder 3"/>
-          <p:cNvSpPr>
-            <a:spLocks noGrp="1"/>
-          </p:cNvSpPr>
-          <p:nvPr>
-            <p:ph/>
-          </p:nvPr>
-        </p:nvSpPr>
-        <p:spPr>
-          <a:xfrm>
-            <a:off x="4669200" y="2079000"/>
-            <a:ext cx="3751920" cy="2260800"/>
-          </a:xfrm>
-          <a:prstGeom prst="rect">
-            <a:avLst/>
-          </a:prstGeom>
-          <a:noFill/>
-          <a:ln w="0">
-            <a:noFill/>
-          </a:ln>
-        </p:spPr>
-        <p:txBody>
-          <a:bodyPr lIns="0" rIns="0" tIns="0" bIns="0" anchor="t">
-            <a:normAutofit/>
-          </a:bodyPr>
-          <a:p>
-            <a:endParaRPr b="0" lang="en-US" sz="1400" spc="-1" strike="noStrike">
-              <a:solidFill>
-                <a:srgbClr val="000000"/>
-              </a:solidFill>
-              <a:latin typeface="Arial"/>
-            </a:endParaRPr>
-          </a:p>
-        </p:txBody>
-      </p:sp>
-      <p:sp>
-        <p:nvSpPr>
-          <p:cNvPr id="104" name="PlaceHolder 4"/>
-          <p:cNvSpPr>
-            <a:spLocks noGrp="1"/>
-          </p:cNvSpPr>
-          <p:nvPr>
-            <p:ph/>
-          </p:nvPr>
-        </p:nvSpPr>
-        <p:spPr>
-          <a:xfrm>
-            <a:off x="729360" y="3260160"/>
-            <a:ext cx="3751920" cy="1078200"/>
-          </a:xfrm>
-          <a:prstGeom prst="rect">
-            <a:avLst/>
-          </a:prstGeom>
-          <a:noFill/>
-          <a:ln w="0">
-            <a:noFill/>
-          </a:ln>
-        </p:spPr>
-        <p:txBody>
-          <a:bodyPr lIns="0" rIns="0" tIns="0" bIns="0" anchor="t">
-            <a:normAutofit/>
-          </a:bodyPr>
-          <a:p>
-            <a:endParaRPr b="0" lang="en-US" sz="1400" spc="-1" strike="noStrike">
-              <a:solidFill>
-                <a:srgbClr val="000000"/>
-              </a:solidFill>
-              <a:latin typeface="Arial"/>
-            </a:endParaRPr>
-          </a:p>
-        </p:txBody>
-      </p:sp>
-      <p:sp>
-        <p:nvSpPr>
-          <p:cNvPr id="6" name="PlaceHolder 5"/>
-          <p:cNvSpPr>
-            <a:spLocks noGrp="1"/>
-          </p:cNvSpPr>
-          <p:nvPr>
-            <p:ph type="sldNum" idx="3"/>
-          </p:nvPr>
-        </p:nvSpPr>
-        <p:spPr/>
-        <p:txBody>
-          <a:bodyPr/>
-          <a:p>
-            <a:fld id="{B133E4EE-D353-43D3-A1E5-A78B1A4B3971}" type="slidenum">
-              <a:t>&lt;#&gt;</a:t>
-            </a:fld>
-          </a:p>
-        </p:txBody>
-      </p:sp>
-    </p:spTree>
-  </p:cSld>
-</p:sldLayout>
-</file>
-
-<file path=ppt/slideLayouts/slideLayout32.xml><?xml version="1.0" encoding="utf-8"?>
-<p:sldLayout xmlns:a="http://schemas.openxmlformats.org/drawingml/2006/main" xmlns:p="http://schemas.openxmlformats.org/presentationml/2006/main" xmlns:r="http://schemas.openxmlformats.org/officeDocument/2006/relationships" xmlns:p14="http://schemas.microsoft.com/office/powerpoint/2010/main" xmlns:p15="http://schemas.microsoft.com/office/powerpoint/2012/main" xmlns:mc="http://schemas.openxmlformats.org/markup-compatibility/2006" type="objAndTwoObj" preserve="1">
-  <p:cSld name="Title Content and 2 Content">
-    <p:spTree>
-      <p:nvGrpSpPr>
-        <p:cNvPr id="1" name=""/>
-        <p:cNvGrpSpPr/>
-        <p:nvPr/>
-      </p:nvGrpSpPr>
-      <p:grpSpPr>
-        <a:xfrm>
-          <a:off x="0" y="0"/>
-          <a:ext cx="0" cy="0"/>
-          <a:chOff x="0" y="0"/>
-          <a:chExt cx="0" cy="0"/>
-        </a:xfrm>
-      </p:grpSpPr>
-      <p:sp>
-        <p:nvSpPr>
-          <p:cNvPr id="105" name="PlaceHolder 1"/>
-          <p:cNvSpPr>
-            <a:spLocks noGrp="1"/>
-          </p:cNvSpPr>
-          <p:nvPr>
-            <p:ph type="title"/>
-          </p:nvPr>
-        </p:nvSpPr>
-        <p:spPr>
-          <a:xfrm>
-            <a:off x="729360" y="1318680"/>
-            <a:ext cx="7688520" cy="534960"/>
-          </a:xfrm>
-          <a:prstGeom prst="rect">
-            <a:avLst/>
-          </a:prstGeom>
-          <a:noFill/>
-          <a:ln w="0">
-            <a:noFill/>
-          </a:ln>
-        </p:spPr>
-        <p:txBody>
-          <a:bodyPr lIns="0" rIns="0" tIns="0" bIns="0" anchor="ctr">
-            <a:noAutofit/>
-          </a:bodyPr>
-          <a:p>
-            <a:endParaRPr b="0" lang="en-US" sz="1400" spc="-1" strike="noStrike">
-              <a:solidFill>
-                <a:srgbClr val="000000"/>
-              </a:solidFill>
-              <a:latin typeface="Arial"/>
-            </a:endParaRPr>
-          </a:p>
-        </p:txBody>
-      </p:sp>
-      <p:sp>
-        <p:nvSpPr>
-          <p:cNvPr id="106" name="PlaceHolder 2"/>
-          <p:cNvSpPr>
-            <a:spLocks noGrp="1"/>
-          </p:cNvSpPr>
-          <p:nvPr>
-            <p:ph/>
-          </p:nvPr>
-        </p:nvSpPr>
-        <p:spPr>
-          <a:xfrm>
-            <a:off x="729360" y="2079000"/>
-            <a:ext cx="3751920" cy="2260800"/>
-          </a:xfrm>
-          <a:prstGeom prst="rect">
-            <a:avLst/>
-          </a:prstGeom>
-          <a:noFill/>
-          <a:ln w="0">
-            <a:noFill/>
-          </a:ln>
-        </p:spPr>
-        <p:txBody>
-          <a:bodyPr lIns="0" rIns="0" tIns="0" bIns="0" anchor="t">
-            <a:normAutofit/>
-          </a:bodyPr>
-          <a:p>
-            <a:endParaRPr b="0" lang="en-US" sz="1400" spc="-1" strike="noStrike">
-              <a:solidFill>
-                <a:srgbClr val="000000"/>
-              </a:solidFill>
-              <a:latin typeface="Arial"/>
-            </a:endParaRPr>
-          </a:p>
-        </p:txBody>
-      </p:sp>
-      <p:sp>
-        <p:nvSpPr>
-          <p:cNvPr id="107" name="PlaceHolder 3"/>
-          <p:cNvSpPr>
-            <a:spLocks noGrp="1"/>
-          </p:cNvSpPr>
-          <p:nvPr>
-            <p:ph/>
-          </p:nvPr>
-        </p:nvSpPr>
-        <p:spPr>
-          <a:xfrm>
-            <a:off x="4669200" y="2079000"/>
-            <a:ext cx="3751920" cy="1078200"/>
-          </a:xfrm>
-          <a:prstGeom prst="rect">
-            <a:avLst/>
-          </a:prstGeom>
-          <a:noFill/>
-          <a:ln w="0">
-            <a:noFill/>
-          </a:ln>
-        </p:spPr>
-        <p:txBody>
-          <a:bodyPr lIns="0" rIns="0" tIns="0" bIns="0" anchor="t">
-            <a:normAutofit/>
-          </a:bodyPr>
-          <a:p>
-            <a:endParaRPr b="0" lang="en-US" sz="1400" spc="-1" strike="noStrike">
-              <a:solidFill>
-                <a:srgbClr val="000000"/>
-              </a:solidFill>
-              <a:latin typeface="Arial"/>
-            </a:endParaRPr>
-          </a:p>
-        </p:txBody>
-      </p:sp>
-      <p:sp>
-        <p:nvSpPr>
-          <p:cNvPr id="108" name="PlaceHolder 4"/>
-          <p:cNvSpPr>
-            <a:spLocks noGrp="1"/>
-          </p:cNvSpPr>
-          <p:nvPr>
-            <p:ph/>
-          </p:nvPr>
-        </p:nvSpPr>
-        <p:spPr>
-          <a:xfrm>
-            <a:off x="4669200" y="3260160"/>
-            <a:ext cx="3751920" cy="1078200"/>
-          </a:xfrm>
-          <a:prstGeom prst="rect">
-            <a:avLst/>
-          </a:prstGeom>
-          <a:noFill/>
-          <a:ln w="0">
-            <a:noFill/>
-          </a:ln>
-        </p:spPr>
-        <p:txBody>
-          <a:bodyPr lIns="0" rIns="0" tIns="0" bIns="0" anchor="t">
-            <a:normAutofit/>
-          </a:bodyPr>
-          <a:p>
-            <a:endParaRPr b="0" lang="en-US" sz="1400" spc="-1" strike="noStrike">
-              <a:solidFill>
-                <a:srgbClr val="000000"/>
-              </a:solidFill>
-              <a:latin typeface="Arial"/>
-            </a:endParaRPr>
-          </a:p>
-        </p:txBody>
-      </p:sp>
-      <p:sp>
-        <p:nvSpPr>
-          <p:cNvPr id="6" name="PlaceHolder 5"/>
-          <p:cNvSpPr>
-            <a:spLocks noGrp="1"/>
-          </p:cNvSpPr>
-          <p:nvPr>
-            <p:ph type="sldNum" idx="3"/>
-          </p:nvPr>
-        </p:nvSpPr>
-        <p:spPr/>
-        <p:txBody>
-          <a:bodyPr/>
-          <a:p>
-            <a:fld id="{96D58B75-D874-4AFF-85DF-62C45810AEC4}" type="slidenum">
-              <a:t>&lt;#&gt;</a:t>
-            </a:fld>
-          </a:p>
-        </p:txBody>
-      </p:sp>
-    </p:spTree>
-  </p:cSld>
-</p:sldLayout>
-</file>
-
-<file path=ppt/slideLayouts/slideLayout33.xml><?xml version="1.0" encoding="utf-8"?>
-<p:sldLayout xmlns:a="http://schemas.openxmlformats.org/drawingml/2006/main" xmlns:p="http://schemas.openxmlformats.org/presentationml/2006/main" xmlns:r="http://schemas.openxmlformats.org/officeDocument/2006/relationships" xmlns:p14="http://schemas.microsoft.com/office/powerpoint/2010/main" xmlns:p15="http://schemas.microsoft.com/office/powerpoint/2012/main" xmlns:mc="http://schemas.openxmlformats.org/markup-compatibility/2006" type="twoObjOverTx" preserve="1">
-  <p:cSld name="Title, 2 Content over Content">
-    <p:spTree>
-      <p:nvGrpSpPr>
-        <p:cNvPr id="1" name=""/>
-        <p:cNvGrpSpPr/>
-        <p:nvPr/>
-      </p:nvGrpSpPr>
-      <p:grpSpPr>
-        <a:xfrm>
-          <a:off x="0" y="0"/>
-          <a:ext cx="0" cy="0"/>
-          <a:chOff x="0" y="0"/>
-          <a:chExt cx="0" cy="0"/>
-        </a:xfrm>
-      </p:grpSpPr>
-      <p:sp>
-        <p:nvSpPr>
-          <p:cNvPr id="109" name="PlaceHolder 1"/>
-          <p:cNvSpPr>
-            <a:spLocks noGrp="1"/>
-          </p:cNvSpPr>
-          <p:nvPr>
-            <p:ph type="title"/>
-          </p:nvPr>
-        </p:nvSpPr>
-        <p:spPr>
-          <a:xfrm>
-            <a:off x="729360" y="1318680"/>
-            <a:ext cx="7688520" cy="534960"/>
-          </a:xfrm>
-          <a:prstGeom prst="rect">
-            <a:avLst/>
-          </a:prstGeom>
-          <a:noFill/>
-          <a:ln w="0">
-            <a:noFill/>
-          </a:ln>
-        </p:spPr>
-        <p:txBody>
-          <a:bodyPr lIns="0" rIns="0" tIns="0" bIns="0" anchor="ctr">
-            <a:noAutofit/>
-          </a:bodyPr>
-          <a:p>
-            <a:endParaRPr b="0" lang="en-US" sz="1400" spc="-1" strike="noStrike">
-              <a:solidFill>
-                <a:srgbClr val="000000"/>
-              </a:solidFill>
-              <a:latin typeface="Arial"/>
-            </a:endParaRPr>
-          </a:p>
-        </p:txBody>
-      </p:sp>
-      <p:sp>
-        <p:nvSpPr>
-          <p:cNvPr id="110" name="PlaceHolder 2"/>
-          <p:cNvSpPr>
-            <a:spLocks noGrp="1"/>
-          </p:cNvSpPr>
-          <p:nvPr>
-            <p:ph/>
-          </p:nvPr>
-        </p:nvSpPr>
-        <p:spPr>
-          <a:xfrm>
-            <a:off x="729360" y="2079000"/>
-            <a:ext cx="3751920" cy="1078200"/>
-          </a:xfrm>
-          <a:prstGeom prst="rect">
-            <a:avLst/>
-          </a:prstGeom>
-          <a:noFill/>
-          <a:ln w="0">
-            <a:noFill/>
-          </a:ln>
-        </p:spPr>
-        <p:txBody>
-          <a:bodyPr lIns="0" rIns="0" tIns="0" bIns="0" anchor="t">
-            <a:normAutofit/>
-          </a:bodyPr>
-          <a:p>
-            <a:endParaRPr b="0" lang="en-US" sz="1400" spc="-1" strike="noStrike">
-              <a:solidFill>
-                <a:srgbClr val="000000"/>
-              </a:solidFill>
-              <a:latin typeface="Arial"/>
-            </a:endParaRPr>
-          </a:p>
-        </p:txBody>
-      </p:sp>
-      <p:sp>
-        <p:nvSpPr>
-          <p:cNvPr id="111" name="PlaceHolder 3"/>
-          <p:cNvSpPr>
-            <a:spLocks noGrp="1"/>
-          </p:cNvSpPr>
-          <p:nvPr>
-            <p:ph/>
-          </p:nvPr>
-        </p:nvSpPr>
-        <p:spPr>
-          <a:xfrm>
-            <a:off x="4669200" y="2079000"/>
-            <a:ext cx="3751920" cy="1078200"/>
-          </a:xfrm>
-          <a:prstGeom prst="rect">
-            <a:avLst/>
-          </a:prstGeom>
-          <a:noFill/>
-          <a:ln w="0">
-            <a:noFill/>
-          </a:ln>
-        </p:spPr>
-        <p:txBody>
-          <a:bodyPr lIns="0" rIns="0" tIns="0" bIns="0" anchor="t">
-            <a:normAutofit/>
-          </a:bodyPr>
-          <a:p>
-            <a:endParaRPr b="0" lang="en-US" sz="1400" spc="-1" strike="noStrike">
-              <a:solidFill>
-                <a:srgbClr val="000000"/>
-              </a:solidFill>
-              <a:latin typeface="Arial"/>
-            </a:endParaRPr>
-          </a:p>
-        </p:txBody>
-      </p:sp>
-      <p:sp>
-        <p:nvSpPr>
-          <p:cNvPr id="112" name="PlaceHolder 4"/>
-          <p:cNvSpPr>
-            <a:spLocks noGrp="1"/>
-          </p:cNvSpPr>
-          <p:nvPr>
-            <p:ph/>
-          </p:nvPr>
-        </p:nvSpPr>
-        <p:spPr>
-          <a:xfrm>
-            <a:off x="729360" y="3260160"/>
-            <a:ext cx="7688520" cy="1078200"/>
-          </a:xfrm>
-          <a:prstGeom prst="rect">
-            <a:avLst/>
-          </a:prstGeom>
-          <a:noFill/>
-          <a:ln w="0">
-            <a:noFill/>
-          </a:ln>
-        </p:spPr>
-        <p:txBody>
-          <a:bodyPr lIns="0" rIns="0" tIns="0" bIns="0" anchor="t">
-            <a:normAutofit/>
-          </a:bodyPr>
-          <a:p>
-            <a:endParaRPr b="0" lang="en-US" sz="1400" spc="-1" strike="noStrike">
-              <a:solidFill>
-                <a:srgbClr val="000000"/>
-              </a:solidFill>
-              <a:latin typeface="Arial"/>
-            </a:endParaRPr>
-          </a:p>
-        </p:txBody>
-      </p:sp>
-      <p:sp>
-        <p:nvSpPr>
-          <p:cNvPr id="6" name="PlaceHolder 5"/>
-          <p:cNvSpPr>
-            <a:spLocks noGrp="1"/>
-          </p:cNvSpPr>
-          <p:nvPr>
-            <p:ph type="sldNum" idx="3"/>
-          </p:nvPr>
-        </p:nvSpPr>
-        <p:spPr/>
-        <p:txBody>
-          <a:bodyPr/>
-          <a:p>
-            <a:fld id="{DFB5E31B-EB8D-4147-AC64-22F66999DF74}" type="slidenum">
-              <a:t>&lt;#&gt;</a:t>
-            </a:fld>
-          </a:p>
-        </p:txBody>
-      </p:sp>
-    </p:spTree>
-  </p:cSld>
-</p:sldLayout>
-</file>
-
-<file path=ppt/slideLayouts/slideLayout34.xml><?xml version="1.0" encoding="utf-8"?>
-<p:sldLayout xmlns:a="http://schemas.openxmlformats.org/drawingml/2006/main" xmlns:p="http://schemas.openxmlformats.org/presentationml/2006/main" xmlns:r="http://schemas.openxmlformats.org/officeDocument/2006/relationships" xmlns:p14="http://schemas.microsoft.com/office/powerpoint/2010/main" xmlns:p15="http://schemas.microsoft.com/office/powerpoint/2012/main" xmlns:mc="http://schemas.openxmlformats.org/markup-compatibility/2006" type="objOverTx" preserve="1">
-  <p:cSld name="Title, Content over Content">
-    <p:spTree>
-      <p:nvGrpSpPr>
-        <p:cNvPr id="1" name=""/>
-        <p:cNvGrpSpPr/>
-        <p:nvPr/>
-      </p:nvGrpSpPr>
-      <p:grpSpPr>
-        <a:xfrm>
-          <a:off x="0" y="0"/>
-          <a:ext cx="0" cy="0"/>
-          <a:chOff x="0" y="0"/>
-          <a:chExt cx="0" cy="0"/>
-        </a:xfrm>
-      </p:grpSpPr>
-      <p:sp>
-        <p:nvSpPr>
-          <p:cNvPr id="113" name="PlaceHolder 1"/>
-          <p:cNvSpPr>
-            <a:spLocks noGrp="1"/>
-          </p:cNvSpPr>
-          <p:nvPr>
-            <p:ph type="title"/>
-          </p:nvPr>
-        </p:nvSpPr>
-        <p:spPr>
-          <a:xfrm>
-            <a:off x="729360" y="1318680"/>
-            <a:ext cx="7688520" cy="534960"/>
-          </a:xfrm>
-          <a:prstGeom prst="rect">
-            <a:avLst/>
-          </a:prstGeom>
-          <a:noFill/>
-          <a:ln w="0">
-            <a:noFill/>
-          </a:ln>
-        </p:spPr>
-        <p:txBody>
-          <a:bodyPr lIns="0" rIns="0" tIns="0" bIns="0" anchor="ctr">
-            <a:noAutofit/>
-          </a:bodyPr>
-          <a:p>
-            <a:endParaRPr b="0" lang="en-US" sz="1400" spc="-1" strike="noStrike">
-              <a:solidFill>
-                <a:srgbClr val="000000"/>
-              </a:solidFill>
-              <a:latin typeface="Arial"/>
-            </a:endParaRPr>
-          </a:p>
-        </p:txBody>
-      </p:sp>
-      <p:sp>
-        <p:nvSpPr>
-          <p:cNvPr id="114" name="PlaceHolder 2"/>
-          <p:cNvSpPr>
-            <a:spLocks noGrp="1"/>
-          </p:cNvSpPr>
-          <p:nvPr>
-            <p:ph/>
-          </p:nvPr>
-        </p:nvSpPr>
-        <p:spPr>
-          <a:xfrm>
-            <a:off x="729360" y="2079000"/>
-            <a:ext cx="7688520" cy="1078200"/>
-          </a:xfrm>
-          <a:prstGeom prst="rect">
-            <a:avLst/>
-          </a:prstGeom>
-          <a:noFill/>
-          <a:ln w="0">
-            <a:noFill/>
-          </a:ln>
-        </p:spPr>
-        <p:txBody>
-          <a:bodyPr lIns="0" rIns="0" tIns="0" bIns="0" anchor="t">
-            <a:normAutofit/>
-          </a:bodyPr>
-          <a:p>
-            <a:endParaRPr b="0" lang="en-US" sz="1400" spc="-1" strike="noStrike">
-              <a:solidFill>
-                <a:srgbClr val="000000"/>
-              </a:solidFill>
-              <a:latin typeface="Arial"/>
-            </a:endParaRPr>
-          </a:p>
-        </p:txBody>
-      </p:sp>
-      <p:sp>
-        <p:nvSpPr>
-          <p:cNvPr id="115" name="PlaceHolder 3"/>
-          <p:cNvSpPr>
-            <a:spLocks noGrp="1"/>
-          </p:cNvSpPr>
-          <p:nvPr>
-            <p:ph/>
-          </p:nvPr>
-        </p:nvSpPr>
-        <p:spPr>
-          <a:xfrm>
-            <a:off x="729360" y="3260160"/>
-            <a:ext cx="7688520" cy="1078200"/>
-          </a:xfrm>
-          <a:prstGeom prst="rect">
-            <a:avLst/>
-          </a:prstGeom>
-          <a:noFill/>
-          <a:ln w="0">
-            <a:noFill/>
-          </a:ln>
-        </p:spPr>
-        <p:txBody>
-          <a:bodyPr lIns="0" rIns="0" tIns="0" bIns="0" anchor="t">
-            <a:normAutofit/>
-          </a:bodyPr>
-          <a:p>
-            <a:endParaRPr b="0" lang="en-US" sz="1400" spc="-1" strike="noStrike">
-              <a:solidFill>
-                <a:srgbClr val="000000"/>
-              </a:solidFill>
-              <a:latin typeface="Arial"/>
-            </a:endParaRPr>
-          </a:p>
-        </p:txBody>
-      </p:sp>
-      <p:sp>
-        <p:nvSpPr>
-          <p:cNvPr id="5" name="PlaceHolder 4"/>
-          <p:cNvSpPr>
-            <a:spLocks noGrp="1"/>
-          </p:cNvSpPr>
-          <p:nvPr>
-            <p:ph type="sldNum" idx="3"/>
-          </p:nvPr>
-        </p:nvSpPr>
-        <p:spPr/>
-        <p:txBody>
-          <a:bodyPr/>
-          <a:p>
-            <a:fld id="{762F5B2C-7713-4C45-A058-A68678EE30A7}" type="slidenum">
-              <a:t>&lt;#&gt;</a:t>
-            </a:fld>
-          </a:p>
-        </p:txBody>
-      </p:sp>
-    </p:spTree>
-  </p:cSld>
-</p:sldLayout>
-</file>
-
-<file path=ppt/slideLayouts/slideLayout35.xml><?xml version="1.0" encoding="utf-8"?>
-<p:sldLayout xmlns:a="http://schemas.openxmlformats.org/drawingml/2006/main" xmlns:p="http://schemas.openxmlformats.org/presentationml/2006/main" xmlns:r="http://schemas.openxmlformats.org/officeDocument/2006/relationships" xmlns:p14="http://schemas.microsoft.com/office/powerpoint/2010/main" xmlns:p15="http://schemas.microsoft.com/office/powerpoint/2012/main" xmlns:mc="http://schemas.openxmlformats.org/markup-compatibility/2006" type="fourObj" preserve="1">
-  <p:cSld name="Title, 4 Content">
-    <p:spTree>
-      <p:nvGrpSpPr>
-        <p:cNvPr id="1" name=""/>
-        <p:cNvGrpSpPr/>
-        <p:nvPr/>
-      </p:nvGrpSpPr>
-      <p:grpSpPr>
-        <a:xfrm>
-          <a:off x="0" y="0"/>
-          <a:ext cx="0" cy="0"/>
-          <a:chOff x="0" y="0"/>
-          <a:chExt cx="0" cy="0"/>
-        </a:xfrm>
-      </p:grpSpPr>
-      <p:sp>
-        <p:nvSpPr>
-          <p:cNvPr id="116" name="PlaceHolder 1"/>
-          <p:cNvSpPr>
-            <a:spLocks noGrp="1"/>
-          </p:cNvSpPr>
-          <p:nvPr>
-            <p:ph type="title"/>
-          </p:nvPr>
-        </p:nvSpPr>
-        <p:spPr>
-          <a:xfrm>
-            <a:off x="729360" y="1318680"/>
-            <a:ext cx="7688520" cy="534960"/>
-          </a:xfrm>
-          <a:prstGeom prst="rect">
-            <a:avLst/>
-          </a:prstGeom>
-          <a:noFill/>
-          <a:ln w="0">
-            <a:noFill/>
-          </a:ln>
-        </p:spPr>
-        <p:txBody>
-          <a:bodyPr lIns="0" rIns="0" tIns="0" bIns="0" anchor="ctr">
-            <a:noAutofit/>
-          </a:bodyPr>
-          <a:p>
-            <a:endParaRPr b="0" lang="en-US" sz="1400" spc="-1" strike="noStrike">
-              <a:solidFill>
-                <a:srgbClr val="000000"/>
-              </a:solidFill>
-              <a:latin typeface="Arial"/>
-            </a:endParaRPr>
-          </a:p>
-        </p:txBody>
-      </p:sp>
-      <p:sp>
-        <p:nvSpPr>
-          <p:cNvPr id="117" name="PlaceHolder 2"/>
-          <p:cNvSpPr>
-            <a:spLocks noGrp="1"/>
-          </p:cNvSpPr>
-          <p:nvPr>
-            <p:ph/>
-          </p:nvPr>
-        </p:nvSpPr>
-        <p:spPr>
-          <a:xfrm>
-            <a:off x="729360" y="2079000"/>
-            <a:ext cx="3751920" cy="1078200"/>
-          </a:xfrm>
-          <a:prstGeom prst="rect">
-            <a:avLst/>
-          </a:prstGeom>
-          <a:noFill/>
-          <a:ln w="0">
-            <a:noFill/>
-          </a:ln>
-        </p:spPr>
-        <p:txBody>
-          <a:bodyPr lIns="0" rIns="0" tIns="0" bIns="0" anchor="t">
-            <a:normAutofit/>
-          </a:bodyPr>
-          <a:p>
-            <a:endParaRPr b="0" lang="en-US" sz="1400" spc="-1" strike="noStrike">
-              <a:solidFill>
-                <a:srgbClr val="000000"/>
-              </a:solidFill>
-              <a:latin typeface="Arial"/>
-            </a:endParaRPr>
-          </a:p>
-        </p:txBody>
-      </p:sp>
-      <p:sp>
-        <p:nvSpPr>
-          <p:cNvPr id="118" name="PlaceHolder 3"/>
-          <p:cNvSpPr>
-            <a:spLocks noGrp="1"/>
-          </p:cNvSpPr>
-          <p:nvPr>
-            <p:ph/>
-          </p:nvPr>
-        </p:nvSpPr>
-        <p:spPr>
-          <a:xfrm>
-            <a:off x="4669200" y="2079000"/>
-            <a:ext cx="3751920" cy="1078200"/>
-          </a:xfrm>
-          <a:prstGeom prst="rect">
-            <a:avLst/>
-          </a:prstGeom>
-          <a:noFill/>
-          <a:ln w="0">
-            <a:noFill/>
-          </a:ln>
-        </p:spPr>
-        <p:txBody>
-          <a:bodyPr lIns="0" rIns="0" tIns="0" bIns="0" anchor="t">
-            <a:normAutofit/>
-          </a:bodyPr>
-          <a:p>
-            <a:endParaRPr b="0" lang="en-US" sz="1400" spc="-1" strike="noStrike">
-              <a:solidFill>
-                <a:srgbClr val="000000"/>
-              </a:solidFill>
-              <a:latin typeface="Arial"/>
-            </a:endParaRPr>
-          </a:p>
-        </p:txBody>
-      </p:sp>
-      <p:sp>
-        <p:nvSpPr>
-          <p:cNvPr id="119" name="PlaceHolder 4"/>
-          <p:cNvSpPr>
-            <a:spLocks noGrp="1"/>
-          </p:cNvSpPr>
-          <p:nvPr>
-            <p:ph/>
-          </p:nvPr>
-        </p:nvSpPr>
-        <p:spPr>
-          <a:xfrm>
-            <a:off x="729360" y="3260160"/>
-            <a:ext cx="3751920" cy="1078200"/>
-          </a:xfrm>
-          <a:prstGeom prst="rect">
-            <a:avLst/>
-          </a:prstGeom>
-          <a:noFill/>
-          <a:ln w="0">
-            <a:noFill/>
-          </a:ln>
-        </p:spPr>
-        <p:txBody>
-          <a:bodyPr lIns="0" rIns="0" tIns="0" bIns="0" anchor="t">
-            <a:normAutofit/>
-          </a:bodyPr>
-          <a:p>
-            <a:endParaRPr b="0" lang="en-US" sz="1400" spc="-1" strike="noStrike">
-              <a:solidFill>
-                <a:srgbClr val="000000"/>
-              </a:solidFill>
-              <a:latin typeface="Arial"/>
-            </a:endParaRPr>
-          </a:p>
-        </p:txBody>
-      </p:sp>
-      <p:sp>
-        <p:nvSpPr>
-          <p:cNvPr id="120" name="PlaceHolder 5"/>
-          <p:cNvSpPr>
-            <a:spLocks noGrp="1"/>
-          </p:cNvSpPr>
-          <p:nvPr>
-            <p:ph/>
-          </p:nvPr>
-        </p:nvSpPr>
-        <p:spPr>
-          <a:xfrm>
-            <a:off x="4669200" y="3260160"/>
-            <a:ext cx="3751920" cy="1078200"/>
-          </a:xfrm>
-          <a:prstGeom prst="rect">
-            <a:avLst/>
-          </a:prstGeom>
-          <a:noFill/>
-          <a:ln w="0">
-            <a:noFill/>
-          </a:ln>
-        </p:spPr>
-        <p:txBody>
-          <a:bodyPr lIns="0" rIns="0" tIns="0" bIns="0" anchor="t">
-            <a:normAutofit/>
-          </a:bodyPr>
-          <a:p>
-            <a:endParaRPr b="0" lang="en-US" sz="1400" spc="-1" strike="noStrike">
-              <a:solidFill>
-                <a:srgbClr val="000000"/>
-              </a:solidFill>
-              <a:latin typeface="Arial"/>
-            </a:endParaRPr>
-          </a:p>
-        </p:txBody>
-      </p:sp>
-      <p:sp>
-        <p:nvSpPr>
-          <p:cNvPr id="7" name="PlaceHolder 6"/>
-          <p:cNvSpPr>
-            <a:spLocks noGrp="1"/>
-          </p:cNvSpPr>
-          <p:nvPr>
-            <p:ph type="sldNum" idx="3"/>
-          </p:nvPr>
-        </p:nvSpPr>
-        <p:spPr/>
-        <p:txBody>
-          <a:bodyPr/>
-          <a:p>
-            <a:fld id="{1BBA50D0-0C9B-474E-B07B-AF24F2CA2F42}" type="slidenum">
-              <a:t>&lt;#&gt;</a:t>
-            </a:fld>
-          </a:p>
-        </p:txBody>
-      </p:sp>
-    </p:spTree>
-  </p:cSld>
-</p:sldLayout>
-</file>
-
-<file path=ppt/slideLayouts/slideLayout36.xml><?xml version="1.0" encoding="utf-8"?>
-<p:sldLayout xmlns:a="http://schemas.openxmlformats.org/drawingml/2006/main" xmlns:p="http://schemas.openxmlformats.org/presentationml/2006/main" xmlns:r="http://schemas.openxmlformats.org/officeDocument/2006/relationships" xmlns:p14="http://schemas.microsoft.com/office/powerpoint/2010/main" xmlns:p15="http://schemas.microsoft.com/office/powerpoint/2012/main" xmlns:mc="http://schemas.openxmlformats.org/markup-compatibility/2006" type="blank" preserve="1">
-  <p:cSld name="Title, 6 Content">
-    <p:spTree>
-      <p:nvGrpSpPr>
-        <p:cNvPr id="1" name=""/>
-        <p:cNvGrpSpPr/>
-        <p:nvPr/>
-      </p:nvGrpSpPr>
-      <p:grpSpPr>
-        <a:xfrm>
-          <a:off x="0" y="0"/>
-          <a:ext cx="0" cy="0"/>
-          <a:chOff x="0" y="0"/>
-          <a:chExt cx="0" cy="0"/>
-        </a:xfrm>
-      </p:grpSpPr>
-      <p:sp>
-        <p:nvSpPr>
-          <p:cNvPr id="121" name="PlaceHolder 1"/>
-          <p:cNvSpPr>
-            <a:spLocks noGrp="1"/>
-          </p:cNvSpPr>
-          <p:nvPr>
-            <p:ph type="title"/>
-          </p:nvPr>
-        </p:nvSpPr>
-        <p:spPr>
-          <a:xfrm>
-            <a:off x="729360" y="1318680"/>
-            <a:ext cx="7688520" cy="534960"/>
-          </a:xfrm>
-          <a:prstGeom prst="rect">
-            <a:avLst/>
-          </a:prstGeom>
-          <a:noFill/>
-          <a:ln w="0">
-            <a:noFill/>
-          </a:ln>
-        </p:spPr>
-        <p:txBody>
-          <a:bodyPr lIns="0" rIns="0" tIns="0" bIns="0" anchor="ctr">
-            <a:noAutofit/>
-          </a:bodyPr>
-          <a:p>
-            <a:endParaRPr b="0" lang="en-US" sz="1400" spc="-1" strike="noStrike">
-              <a:solidFill>
-                <a:srgbClr val="000000"/>
-              </a:solidFill>
-              <a:latin typeface="Arial"/>
-            </a:endParaRPr>
-          </a:p>
-        </p:txBody>
-      </p:sp>
-      <p:sp>
-        <p:nvSpPr>
-          <p:cNvPr id="122" name="PlaceHolder 2"/>
-          <p:cNvSpPr>
-            <a:spLocks noGrp="1"/>
-          </p:cNvSpPr>
-          <p:nvPr>
-            <p:ph/>
-          </p:nvPr>
-        </p:nvSpPr>
-        <p:spPr>
-          <a:xfrm>
-            <a:off x="729360" y="2079000"/>
-            <a:ext cx="2475360" cy="1078200"/>
-          </a:xfrm>
-          <a:prstGeom prst="rect">
-            <a:avLst/>
-          </a:prstGeom>
-          <a:noFill/>
-          <a:ln w="0">
-            <a:noFill/>
-          </a:ln>
-        </p:spPr>
-        <p:txBody>
-          <a:bodyPr lIns="0" rIns="0" tIns="0" bIns="0" anchor="t">
-            <a:normAutofit/>
-          </a:bodyPr>
-          <a:p>
-            <a:endParaRPr b="0" lang="en-US" sz="1400" spc="-1" strike="noStrike">
-              <a:solidFill>
-                <a:srgbClr val="000000"/>
-              </a:solidFill>
-              <a:latin typeface="Arial"/>
-            </a:endParaRPr>
-          </a:p>
-        </p:txBody>
-      </p:sp>
-      <p:sp>
-        <p:nvSpPr>
-          <p:cNvPr id="123" name="PlaceHolder 3"/>
-          <p:cNvSpPr>
-            <a:spLocks noGrp="1"/>
-          </p:cNvSpPr>
-          <p:nvPr>
-            <p:ph/>
-          </p:nvPr>
-        </p:nvSpPr>
-        <p:spPr>
-          <a:xfrm>
-            <a:off x="3328920" y="2079000"/>
-            <a:ext cx="2475360" cy="1078200"/>
-          </a:xfrm>
-          <a:prstGeom prst="rect">
-            <a:avLst/>
-          </a:prstGeom>
-          <a:noFill/>
-          <a:ln w="0">
-            <a:noFill/>
-          </a:ln>
-        </p:spPr>
-        <p:txBody>
-          <a:bodyPr lIns="0" rIns="0" tIns="0" bIns="0" anchor="t">
-            <a:normAutofit/>
-          </a:bodyPr>
-          <a:p>
-            <a:endParaRPr b="0" lang="en-US" sz="1400" spc="-1" strike="noStrike">
-              <a:solidFill>
-                <a:srgbClr val="000000"/>
-              </a:solidFill>
-              <a:latin typeface="Arial"/>
-            </a:endParaRPr>
-          </a:p>
-        </p:txBody>
-      </p:sp>
-      <p:sp>
-        <p:nvSpPr>
-          <p:cNvPr id="124" name="PlaceHolder 4"/>
-          <p:cNvSpPr>
-            <a:spLocks noGrp="1"/>
-          </p:cNvSpPr>
-          <p:nvPr>
-            <p:ph/>
-          </p:nvPr>
-        </p:nvSpPr>
-        <p:spPr>
-          <a:xfrm>
-            <a:off x="5928480" y="2079000"/>
-            <a:ext cx="2475360" cy="1078200"/>
-          </a:xfrm>
-          <a:prstGeom prst="rect">
-            <a:avLst/>
-          </a:prstGeom>
-          <a:noFill/>
-          <a:ln w="0">
-            <a:noFill/>
-          </a:ln>
-        </p:spPr>
-        <p:txBody>
-          <a:bodyPr lIns="0" rIns="0" tIns="0" bIns="0" anchor="t">
-            <a:normAutofit/>
-          </a:bodyPr>
-          <a:p>
-            <a:endParaRPr b="0" lang="en-US" sz="1400" spc="-1" strike="noStrike">
-              <a:solidFill>
-                <a:srgbClr val="000000"/>
-              </a:solidFill>
-              <a:latin typeface="Arial"/>
-            </a:endParaRPr>
-          </a:p>
-        </p:txBody>
-      </p:sp>
-      <p:sp>
-        <p:nvSpPr>
-          <p:cNvPr id="125" name="PlaceHolder 5"/>
-          <p:cNvSpPr>
-            <a:spLocks noGrp="1"/>
-          </p:cNvSpPr>
-          <p:nvPr>
-            <p:ph/>
-          </p:nvPr>
-        </p:nvSpPr>
-        <p:spPr>
-          <a:xfrm>
-            <a:off x="729360" y="3260160"/>
-            <a:ext cx="2475360" cy="1078200"/>
-          </a:xfrm>
-          <a:prstGeom prst="rect">
-            <a:avLst/>
-          </a:prstGeom>
-          <a:noFill/>
-          <a:ln w="0">
-            <a:noFill/>
-          </a:ln>
-        </p:spPr>
-        <p:txBody>
-          <a:bodyPr lIns="0" rIns="0" tIns="0" bIns="0" anchor="t">
-            <a:normAutofit/>
-          </a:bodyPr>
-          <a:p>
-            <a:endParaRPr b="0" lang="en-US" sz="1400" spc="-1" strike="noStrike">
-              <a:solidFill>
-                <a:srgbClr val="000000"/>
-              </a:solidFill>
-              <a:latin typeface="Arial"/>
-            </a:endParaRPr>
-          </a:p>
-        </p:txBody>
-      </p:sp>
-      <p:sp>
-        <p:nvSpPr>
-          <p:cNvPr id="126" name="PlaceHolder 6"/>
-          <p:cNvSpPr>
-            <a:spLocks noGrp="1"/>
-          </p:cNvSpPr>
-          <p:nvPr>
-            <p:ph/>
-          </p:nvPr>
-        </p:nvSpPr>
-        <p:spPr>
-          <a:xfrm>
-            <a:off x="3328920" y="3260160"/>
-            <a:ext cx="2475360" cy="1078200"/>
-          </a:xfrm>
-          <a:prstGeom prst="rect">
-            <a:avLst/>
-          </a:prstGeom>
-          <a:noFill/>
-          <a:ln w="0">
-            <a:noFill/>
-          </a:ln>
-        </p:spPr>
-        <p:txBody>
-          <a:bodyPr lIns="0" rIns="0" tIns="0" bIns="0" anchor="t">
-            <a:normAutofit/>
-          </a:bodyPr>
-          <a:p>
-            <a:endParaRPr b="0" lang="en-US" sz="1400" spc="-1" strike="noStrike">
-              <a:solidFill>
-                <a:srgbClr val="000000"/>
-              </a:solidFill>
-              <a:latin typeface="Arial"/>
-            </a:endParaRPr>
-          </a:p>
-        </p:txBody>
-      </p:sp>
-      <p:sp>
-        <p:nvSpPr>
-          <p:cNvPr id="127" name="PlaceHolder 7"/>
-          <p:cNvSpPr>
-            <a:spLocks noGrp="1"/>
-          </p:cNvSpPr>
-          <p:nvPr>
-            <p:ph/>
-          </p:nvPr>
-        </p:nvSpPr>
-        <p:spPr>
-          <a:xfrm>
-            <a:off x="5928480" y="3260160"/>
-            <a:ext cx="2475360" cy="1078200"/>
-          </a:xfrm>
-          <a:prstGeom prst="rect">
-            <a:avLst/>
-          </a:prstGeom>
-          <a:noFill/>
-          <a:ln w="0">
-            <a:noFill/>
-          </a:ln>
-        </p:spPr>
-        <p:txBody>
-          <a:bodyPr lIns="0" rIns="0" tIns="0" bIns="0" anchor="t">
-            <a:normAutofit/>
-          </a:bodyPr>
-          <a:p>
-            <a:endParaRPr b="0" lang="en-US" sz="1400" spc="-1" strike="noStrike">
-              <a:solidFill>
-                <a:srgbClr val="000000"/>
-              </a:solidFill>
-              <a:latin typeface="Arial"/>
-            </a:endParaRPr>
-          </a:p>
-        </p:txBody>
-      </p:sp>
-      <p:sp>
-        <p:nvSpPr>
-          <p:cNvPr id="9" name="PlaceHolder 8"/>
-          <p:cNvSpPr>
-            <a:spLocks noGrp="1"/>
-          </p:cNvSpPr>
-          <p:nvPr>
-            <p:ph type="sldNum" idx="3"/>
-          </p:nvPr>
-        </p:nvSpPr>
-        <p:spPr/>
-        <p:txBody>
-          <a:bodyPr/>
-          <a:p>
-            <a:fld id="{91C59BE6-0BF7-4497-AEE7-A286174AE335}" type="slidenum">
+            <a:fld id="{01683A0F-2F2B-41C7-8BCF-BF068AF4C543}" type="slidenum">
               <a:t>&lt;#&gt;</a:t>
             </a:fld>
           </a:p>
@@ -4693,8 +2745,8 @@
         </p:nvSpPr>
         <p:spPr>
           <a:xfrm>
-            <a:off x="729360" y="1318680"/>
-            <a:ext cx="7688520" cy="534960"/>
+            <a:off x="729360" y="1273320"/>
+            <a:ext cx="7688160" cy="625320"/>
           </a:xfrm>
           <a:prstGeom prst="rect">
             <a:avLst/>
@@ -4709,10 +2761,10 @@
             <a:noAutofit/>
           </a:bodyPr>
           <a:p>
-            <a:endParaRPr b="0" lang="en-US" sz="1400" spc="-1" strike="noStrike">
-              <a:solidFill>
-                <a:srgbClr val="000000"/>
-              </a:solidFill>
+            <a:pPr algn="ctr">
+              <a:buNone/>
+            </a:pPr>
+            <a:endParaRPr b="0" lang="en-US" sz="4400" spc="-1" strike="noStrike">
               <a:latin typeface="Arial"/>
             </a:endParaRPr>
           </a:p>
@@ -4731,7 +2783,7 @@
         <p:spPr>
           <a:xfrm>
             <a:off x="729360" y="2079000"/>
-            <a:ext cx="3751920" cy="2260800"/>
+            <a:ext cx="3751560" cy="2260440"/>
           </a:xfrm>
           <a:prstGeom prst="rect">
             <a:avLst/>
@@ -4746,10 +2798,7 @@
             <a:normAutofit/>
           </a:bodyPr>
           <a:p>
-            <a:endParaRPr b="0" lang="en-US" sz="1400" spc="-1" strike="noStrike">
-              <a:solidFill>
-                <a:srgbClr val="000000"/>
-              </a:solidFill>
+            <a:endParaRPr b="0" lang="en-US" sz="3200" spc="-1" strike="noStrike">
               <a:latin typeface="Arial"/>
             </a:endParaRPr>
           </a:p>
@@ -4767,8 +2816,8 @@
         </p:nvSpPr>
         <p:spPr>
           <a:xfrm>
-            <a:off x="4669200" y="2079000"/>
-            <a:ext cx="3751920" cy="2260800"/>
+            <a:off x="4668840" y="2079000"/>
+            <a:ext cx="3751560" cy="2260440"/>
           </a:xfrm>
           <a:prstGeom prst="rect">
             <a:avLst/>
@@ -4783,10 +2832,7 @@
             <a:normAutofit/>
           </a:bodyPr>
           <a:p>
-            <a:endParaRPr b="0" lang="en-US" sz="1400" spc="-1" strike="noStrike">
-              <a:solidFill>
-                <a:srgbClr val="000000"/>
-              </a:solidFill>
+            <a:endParaRPr b="0" lang="en-US" sz="3200" spc="-1" strike="noStrike">
               <a:latin typeface="Arial"/>
             </a:endParaRPr>
           </a:p>
@@ -4806,7 +2852,7 @@
         <p:txBody>
           <a:bodyPr/>
           <a:p>
-            <a:fld id="{D1368D53-E1DF-4A43-8E57-0557DA52770E}" type="slidenum">
+            <a:fld id="{B721E78F-BFB8-4DB2-BD31-9B2241732D34}" type="slidenum">
               <a:t>&lt;#&gt;</a:t>
             </a:fld>
           </a:p>
@@ -4846,8 +2892,8 @@
         </p:nvSpPr>
         <p:spPr>
           <a:xfrm>
-            <a:off x="729360" y="1318680"/>
-            <a:ext cx="7688520" cy="534960"/>
+            <a:off x="729360" y="1273320"/>
+            <a:ext cx="7688160" cy="625320"/>
           </a:xfrm>
           <a:prstGeom prst="rect">
             <a:avLst/>
@@ -4862,10 +2908,10 @@
             <a:noAutofit/>
           </a:bodyPr>
           <a:p>
-            <a:endParaRPr b="0" lang="en-US" sz="1400" spc="-1" strike="noStrike">
-              <a:solidFill>
-                <a:srgbClr val="000000"/>
-              </a:solidFill>
+            <a:pPr algn="ctr">
+              <a:buNone/>
+            </a:pPr>
+            <a:endParaRPr b="0" lang="en-US" sz="4400" spc="-1" strike="noStrike">
               <a:latin typeface="Arial"/>
             </a:endParaRPr>
           </a:p>
@@ -4885,7 +2931,7 @@
         <p:txBody>
           <a:bodyPr/>
           <a:p>
-            <a:fld id="{5E6BEAED-FB15-4894-8FB8-A7E702012B00}" type="slidenum">
+            <a:fld id="{821A17F0-BEAA-463F-9DFE-1A2B3C72A09E}" type="slidenum">
               <a:t>&lt;#&gt;</a:t>
             </a:fld>
           </a:p>
@@ -4926,7 +2972,7 @@
         <p:spPr>
           <a:xfrm>
             <a:off x="729360" y="1318680"/>
-            <a:ext cx="7688520" cy="2481120"/>
+            <a:ext cx="7688160" cy="2479320"/>
           </a:xfrm>
           <a:prstGeom prst="rect">
             <a:avLst/>
@@ -4964,7 +3010,7 @@
         <p:txBody>
           <a:bodyPr/>
           <a:p>
-            <a:fld id="{4D2946F7-D2F2-4542-9CDF-188CE59B08ED}" type="slidenum">
+            <a:fld id="{50FD862F-4467-4D3E-880C-D9EA318176C1}" type="slidenum">
               <a:t>&lt;#&gt;</a:t>
             </a:fld>
           </a:p>
@@ -5004,8 +3050,8 @@
         </p:nvSpPr>
         <p:spPr>
           <a:xfrm>
-            <a:off x="729360" y="1318680"/>
-            <a:ext cx="7688520" cy="534960"/>
+            <a:off x="729360" y="1273320"/>
+            <a:ext cx="7688160" cy="625320"/>
           </a:xfrm>
           <a:prstGeom prst="rect">
             <a:avLst/>
@@ -5020,10 +3066,10 @@
             <a:noAutofit/>
           </a:bodyPr>
           <a:p>
-            <a:endParaRPr b="0" lang="en-US" sz="1400" spc="-1" strike="noStrike">
-              <a:solidFill>
-                <a:srgbClr val="000000"/>
-              </a:solidFill>
+            <a:pPr algn="ctr">
+              <a:buNone/>
+            </a:pPr>
+            <a:endParaRPr b="0" lang="en-US" sz="4400" spc="-1" strike="noStrike">
               <a:latin typeface="Arial"/>
             </a:endParaRPr>
           </a:p>
@@ -5042,7 +3088,7 @@
         <p:spPr>
           <a:xfrm>
             <a:off x="729360" y="2079000"/>
-            <a:ext cx="3751920" cy="1078200"/>
+            <a:ext cx="3751560" cy="1078200"/>
           </a:xfrm>
           <a:prstGeom prst="rect">
             <a:avLst/>
@@ -5057,10 +3103,7 @@
             <a:normAutofit/>
           </a:bodyPr>
           <a:p>
-            <a:endParaRPr b="0" lang="en-US" sz="1400" spc="-1" strike="noStrike">
-              <a:solidFill>
-                <a:srgbClr val="000000"/>
-              </a:solidFill>
+            <a:endParaRPr b="0" lang="en-US" sz="3200" spc="-1" strike="noStrike">
               <a:latin typeface="Arial"/>
             </a:endParaRPr>
           </a:p>
@@ -5078,8 +3121,8 @@
         </p:nvSpPr>
         <p:spPr>
           <a:xfrm>
-            <a:off x="4669200" y="2079000"/>
-            <a:ext cx="3751920" cy="2260800"/>
+            <a:off x="4668840" y="2079000"/>
+            <a:ext cx="3751560" cy="2260440"/>
           </a:xfrm>
           <a:prstGeom prst="rect">
             <a:avLst/>
@@ -5094,10 +3137,7 @@
             <a:normAutofit/>
           </a:bodyPr>
           <a:p>
-            <a:endParaRPr b="0" lang="en-US" sz="1400" spc="-1" strike="noStrike">
-              <a:solidFill>
-                <a:srgbClr val="000000"/>
-              </a:solidFill>
+            <a:endParaRPr b="0" lang="en-US" sz="3200" spc="-1" strike="noStrike">
               <a:latin typeface="Arial"/>
             </a:endParaRPr>
           </a:p>
@@ -5116,7 +3156,7 @@
         <p:spPr>
           <a:xfrm>
             <a:off x="729360" y="3260160"/>
-            <a:ext cx="3751920" cy="1078200"/>
+            <a:ext cx="3751560" cy="1078200"/>
           </a:xfrm>
           <a:prstGeom prst="rect">
             <a:avLst/>
@@ -5131,10 +3171,7 @@
             <a:normAutofit/>
           </a:bodyPr>
           <a:p>
-            <a:endParaRPr b="0" lang="en-US" sz="1400" spc="-1" strike="noStrike">
-              <a:solidFill>
-                <a:srgbClr val="000000"/>
-              </a:solidFill>
+            <a:endParaRPr b="0" lang="en-US" sz="3200" spc="-1" strike="noStrike">
               <a:latin typeface="Arial"/>
             </a:endParaRPr>
           </a:p>
@@ -5154,7 +3191,7 @@
         <p:txBody>
           <a:bodyPr/>
           <a:p>
-            <a:fld id="{6D6AF7D9-A017-474E-B74C-D5451EB2FCB6}" type="slidenum">
+            <a:fld id="{9EE9CA7A-0871-474C-A44A-6607C5216F3A}" type="slidenum">
               <a:t>&lt;#&gt;</a:t>
             </a:fld>
           </a:p>
@@ -5194,8 +3231,8 @@
         </p:nvSpPr>
         <p:spPr>
           <a:xfrm>
-            <a:off x="729360" y="1318680"/>
-            <a:ext cx="7688520" cy="534960"/>
+            <a:off x="729360" y="1273320"/>
+            <a:ext cx="7688160" cy="625320"/>
           </a:xfrm>
           <a:prstGeom prst="rect">
             <a:avLst/>
@@ -5210,10 +3247,10 @@
             <a:noAutofit/>
           </a:bodyPr>
           <a:p>
-            <a:endParaRPr b="0" lang="en-US" sz="1400" spc="-1" strike="noStrike">
-              <a:solidFill>
-                <a:srgbClr val="000000"/>
-              </a:solidFill>
+            <a:pPr algn="ctr">
+              <a:buNone/>
+            </a:pPr>
+            <a:endParaRPr b="0" lang="en-US" sz="4400" spc="-1" strike="noStrike">
               <a:latin typeface="Arial"/>
             </a:endParaRPr>
           </a:p>
@@ -5232,7 +3269,7 @@
         <p:spPr>
           <a:xfrm>
             <a:off x="729360" y="2079000"/>
-            <a:ext cx="3751920" cy="2260800"/>
+            <a:ext cx="3751560" cy="2260440"/>
           </a:xfrm>
           <a:prstGeom prst="rect">
             <a:avLst/>
@@ -5247,10 +3284,7 @@
             <a:normAutofit/>
           </a:bodyPr>
           <a:p>
-            <a:endParaRPr b="0" lang="en-US" sz="1400" spc="-1" strike="noStrike">
-              <a:solidFill>
-                <a:srgbClr val="000000"/>
-              </a:solidFill>
+            <a:endParaRPr b="0" lang="en-US" sz="3200" spc="-1" strike="noStrike">
               <a:latin typeface="Arial"/>
             </a:endParaRPr>
           </a:p>
@@ -5268,8 +3302,8 @@
         </p:nvSpPr>
         <p:spPr>
           <a:xfrm>
-            <a:off x="4669200" y="2079000"/>
-            <a:ext cx="3751920" cy="1078200"/>
+            <a:off x="4668840" y="2079000"/>
+            <a:ext cx="3751560" cy="1078200"/>
           </a:xfrm>
           <a:prstGeom prst="rect">
             <a:avLst/>
@@ -5284,10 +3318,7 @@
             <a:normAutofit/>
           </a:bodyPr>
           <a:p>
-            <a:endParaRPr b="0" lang="en-US" sz="1400" spc="-1" strike="noStrike">
-              <a:solidFill>
-                <a:srgbClr val="000000"/>
-              </a:solidFill>
+            <a:endParaRPr b="0" lang="en-US" sz="3200" spc="-1" strike="noStrike">
               <a:latin typeface="Arial"/>
             </a:endParaRPr>
           </a:p>
@@ -5305,8 +3336,8 @@
         </p:nvSpPr>
         <p:spPr>
           <a:xfrm>
-            <a:off x="4669200" y="3260160"/>
-            <a:ext cx="3751920" cy="1078200"/>
+            <a:off x="4668840" y="3260160"/>
+            <a:ext cx="3751560" cy="1078200"/>
           </a:xfrm>
           <a:prstGeom prst="rect">
             <a:avLst/>
@@ -5321,10 +3352,7 @@
             <a:normAutofit/>
           </a:bodyPr>
           <a:p>
-            <a:endParaRPr b="0" lang="en-US" sz="1400" spc="-1" strike="noStrike">
-              <a:solidFill>
-                <a:srgbClr val="000000"/>
-              </a:solidFill>
+            <a:endParaRPr b="0" lang="en-US" sz="3200" spc="-1" strike="noStrike">
               <a:latin typeface="Arial"/>
             </a:endParaRPr>
           </a:p>
@@ -5344,7 +3372,7 @@
         <p:txBody>
           <a:bodyPr/>
           <a:p>
-            <a:fld id="{81D3E40A-CF27-4C24-943C-48ED4B1DCB6E}" type="slidenum">
+            <a:fld id="{E43CA021-54CA-45E3-BD37-C47588DF93B9}" type="slidenum">
               <a:t>&lt;#&gt;</a:t>
             </a:fld>
           </a:p>
@@ -5384,8 +3412,8 @@
         </p:nvSpPr>
         <p:spPr>
           <a:xfrm>
-            <a:off x="729360" y="1318680"/>
-            <a:ext cx="7688520" cy="534960"/>
+            <a:off x="729360" y="1273320"/>
+            <a:ext cx="7688160" cy="625320"/>
           </a:xfrm>
           <a:prstGeom prst="rect">
             <a:avLst/>
@@ -5400,10 +3428,10 @@
             <a:noAutofit/>
           </a:bodyPr>
           <a:p>
-            <a:endParaRPr b="0" lang="en-US" sz="1400" spc="-1" strike="noStrike">
-              <a:solidFill>
-                <a:srgbClr val="000000"/>
-              </a:solidFill>
+            <a:pPr algn="ctr">
+              <a:buNone/>
+            </a:pPr>
+            <a:endParaRPr b="0" lang="en-US" sz="4400" spc="-1" strike="noStrike">
               <a:latin typeface="Arial"/>
             </a:endParaRPr>
           </a:p>
@@ -5422,7 +3450,7 @@
         <p:spPr>
           <a:xfrm>
             <a:off x="729360" y="2079000"/>
-            <a:ext cx="3751920" cy="1078200"/>
+            <a:ext cx="3751560" cy="1078200"/>
           </a:xfrm>
           <a:prstGeom prst="rect">
             <a:avLst/>
@@ -5437,10 +3465,7 @@
             <a:normAutofit/>
           </a:bodyPr>
           <a:p>
-            <a:endParaRPr b="0" lang="en-US" sz="1400" spc="-1" strike="noStrike">
-              <a:solidFill>
-                <a:srgbClr val="000000"/>
-              </a:solidFill>
+            <a:endParaRPr b="0" lang="en-US" sz="3200" spc="-1" strike="noStrike">
               <a:latin typeface="Arial"/>
             </a:endParaRPr>
           </a:p>
@@ -5458,8 +3483,8 @@
         </p:nvSpPr>
         <p:spPr>
           <a:xfrm>
-            <a:off x="4669200" y="2079000"/>
-            <a:ext cx="3751920" cy="1078200"/>
+            <a:off x="4668840" y="2079000"/>
+            <a:ext cx="3751560" cy="1078200"/>
           </a:xfrm>
           <a:prstGeom prst="rect">
             <a:avLst/>
@@ -5474,10 +3499,7 @@
             <a:normAutofit/>
           </a:bodyPr>
           <a:p>
-            <a:endParaRPr b="0" lang="en-US" sz="1400" spc="-1" strike="noStrike">
-              <a:solidFill>
-                <a:srgbClr val="000000"/>
-              </a:solidFill>
+            <a:endParaRPr b="0" lang="en-US" sz="3200" spc="-1" strike="noStrike">
               <a:latin typeface="Arial"/>
             </a:endParaRPr>
           </a:p>
@@ -5496,7 +3518,7 @@
         <p:spPr>
           <a:xfrm>
             <a:off x="729360" y="3260160"/>
-            <a:ext cx="7688520" cy="1078200"/>
+            <a:ext cx="7688160" cy="1078200"/>
           </a:xfrm>
           <a:prstGeom prst="rect">
             <a:avLst/>
@@ -5511,10 +3533,7 @@
             <a:normAutofit/>
           </a:bodyPr>
           <a:p>
-            <a:endParaRPr b="0" lang="en-US" sz="1400" spc="-1" strike="noStrike">
-              <a:solidFill>
-                <a:srgbClr val="000000"/>
-              </a:solidFill>
+            <a:endParaRPr b="0" lang="en-US" sz="3200" spc="-1" strike="noStrike">
               <a:latin typeface="Arial"/>
             </a:endParaRPr>
           </a:p>
@@ -5534,7 +3553,7 @@
         <p:txBody>
           <a:bodyPr/>
           <a:p>
-            <a:fld id="{36FCDE60-2EFA-4996-B7DE-88B14E4F3D11}" type="slidenum">
+            <a:fld id="{EFF4E6A3-7DBA-4848-AC3D-988C1EC908FC}" type="slidenum">
               <a:t>&lt;#&gt;</a:t>
             </a:fld>
           </a:p>
@@ -5578,13 +3597,13 @@
         <p:spPr>
           <a:xfrm>
             <a:off x="0" y="0"/>
-            <a:ext cx="9143640" cy="487440"/>
+            <a:ext cx="9143280" cy="487080"/>
           </a:xfrm>
           <a:prstGeom prst="rect">
             <a:avLst/>
           </a:prstGeom>
           <a:solidFill>
-            <a:schemeClr val="lt1"/>
+            <a:srgbClr val="ffffff"/>
           </a:solidFill>
           <a:ln w="0">
             <a:noFill/>
@@ -5605,10 +3624,10 @@
         </p:nvGrpSpPr>
         <p:grpSpPr>
           <a:xfrm>
-            <a:off x="530280" y="1205640"/>
-            <a:ext cx="1342800" cy="17280"/>
-            <a:chOff x="530280" y="1205640"/>
-            <a:chExt cx="1342800" cy="17280"/>
+            <a:off x="530280" y="1206000"/>
+            <a:ext cx="1342440" cy="16920"/>
+            <a:chOff x="530280" y="1206000"/>
+            <a:chExt cx="1342440" cy="16920"/>
           </a:xfrm>
         </p:grpSpPr>
         <p:sp>
@@ -5619,14 +3638,14 @@
           </p:nvSpPr>
           <p:spPr>
             <a:xfrm rot="16200000">
-              <a:off x="1380600" y="730440"/>
-              <a:ext cx="17280" cy="967320"/>
+              <a:off x="1380600" y="730800"/>
+              <a:ext cx="16920" cy="966960"/>
             </a:xfrm>
             <a:prstGeom prst="rect">
               <a:avLst/>
             </a:prstGeom>
             <a:solidFill>
-              <a:schemeClr val="accent3"/>
+              <a:srgbClr val="eb5600"/>
             </a:solidFill>
             <a:ln w="0">
               <a:noFill/>
@@ -5647,14 +3666,14 @@
           </p:nvSpPr>
           <p:spPr>
             <a:xfrm rot="16200000">
-              <a:off x="1009440" y="726480"/>
-              <a:ext cx="17280" cy="975600"/>
+              <a:off x="1009440" y="726840"/>
+              <a:ext cx="16920" cy="975240"/>
             </a:xfrm>
             <a:prstGeom prst="rect">
               <a:avLst/>
             </a:prstGeom>
             <a:solidFill>
-              <a:schemeClr val="dk1"/>
+              <a:srgbClr val="000000"/>
             </a:solidFill>
             <a:ln w="0">
               <a:noFill/>
@@ -5680,35 +3699,32 @@
         </p:nvSpPr>
         <p:spPr>
           <a:xfrm>
-            <a:off x="729360" y="1322280"/>
-            <a:ext cx="7687800" cy="1664280"/>
-          </a:xfrm>
-          <a:prstGeom prst="rect">
-            <a:avLst/>
-          </a:prstGeom>
-          <a:noFill/>
-          <a:ln w="0">
-            <a:noFill/>
-          </a:ln>
-        </p:spPr>
-        <p:txBody>
-          <a:bodyPr tIns="91440" bIns="91440" anchor="t">
-            <a:normAutofit/>
-          </a:bodyPr>
-          <a:p>
-            <a:r>
-              <a:rPr b="0" lang="en-US" sz="4200" spc="-1" strike="noStrike">
-                <a:solidFill>
-                  <a:srgbClr val="000000"/>
-                </a:solidFill>
+            <a:off x="729360" y="1318680"/>
+            <a:ext cx="7688160" cy="534600"/>
+          </a:xfrm>
+          <a:prstGeom prst="rect">
+            <a:avLst/>
+          </a:prstGeom>
+          <a:noFill/>
+          <a:ln w="0">
+            <a:noFill/>
+          </a:ln>
+        </p:spPr>
+        <p:txBody>
+          <a:bodyPr lIns="0" rIns="0" tIns="0" bIns="0" anchor="ctr">
+            <a:noAutofit/>
+          </a:bodyPr>
+          <a:p>
+            <a:pPr algn="ctr">
+              <a:buNone/>
+            </a:pPr>
+            <a:r>
+              <a:rPr b="0" lang="en-US" sz="4400" spc="-1" strike="noStrike">
                 <a:latin typeface="Arial"/>
               </a:rPr>
               <a:t>Click to edit the title text format</a:t>
             </a:r>
-            <a:endParaRPr b="0" lang="en-US" sz="4200" spc="-1" strike="noStrike">
-              <a:solidFill>
-                <a:srgbClr val="000000"/>
-              </a:solidFill>
+            <a:endParaRPr b="0" lang="en-US" sz="4400" spc="-1" strike="noStrike">
               <a:latin typeface="Arial"/>
             </a:endParaRPr>
           </a:p>
@@ -5727,19 +3743,19 @@
         <p:spPr>
           <a:xfrm>
             <a:off x="8536320" y="4749840"/>
-            <a:ext cx="548280" cy="393120"/>
-          </a:xfrm>
-          <a:prstGeom prst="rect">
-            <a:avLst/>
-          </a:prstGeom>
-          <a:noFill/>
-          <a:ln w="0">
-            <a:noFill/>
-          </a:ln>
-        </p:spPr>
-        <p:txBody>
-          <a:bodyPr tIns="91440" bIns="91440" anchor="ctr">
-            <a:normAutofit/>
+            <a:ext cx="547920" cy="392760"/>
+          </a:xfrm>
+          <a:prstGeom prst="rect">
+            <a:avLst/>
+          </a:prstGeom>
+          <a:noFill/>
+          <a:ln w="0">
+            <a:noFill/>
+          </a:ln>
+        </p:spPr>
+        <p:txBody>
+          <a:bodyPr lIns="90000" rIns="90000" tIns="91440" bIns="91440" anchor="ctr">
+            <a:noAutofit/>
           </a:bodyPr>
           <a:lstStyle>
             <a:lvl1pPr algn="r">
@@ -5769,7 +3785,7 @@
                 <a:tab algn="l" pos="0"/>
               </a:tabLst>
             </a:pPr>
-            <a:fld id="{257F0B78-48EE-4E4C-A71D-E4EE8CE5884A}" type="slidenum">
+            <a:fld id="{C837F8C1-60F0-40D1-8346-E658677501A9}" type="slidenum">
               <a:rPr b="0" lang="en-GB" sz="1000" spc="-1" strike="noStrike">
                 <a:solidFill>
                   <a:srgbClr val="595959"/>
@@ -5777,7 +3793,7 @@
                 <a:latin typeface="Lato"/>
                 <a:ea typeface="Lato"/>
               </a:rPr>
-              <a:t>&lt;number&gt;</a:t>
+              <a:t>17</a:t>
             </a:fld>
             <a:endParaRPr b="0" lang="en-US" sz="1000" spc="-1" strike="noStrike">
               <a:latin typeface="Times New Roman"/>
@@ -5825,18 +3841,12 @@
               <a:buChar char=""/>
             </a:pPr>
             <a:r>
-              <a:rPr b="0" lang="en-US" sz="1400" spc="-1" strike="noStrike">
-                <a:solidFill>
-                  <a:srgbClr val="000000"/>
-                </a:solidFill>
+              <a:rPr b="0" lang="en-US" sz="3200" spc="-1" strike="noStrike">
                 <a:latin typeface="Arial"/>
               </a:rPr>
               <a:t>Click to edit the outline text format</a:t>
             </a:r>
-            <a:endParaRPr b="0" lang="en-US" sz="1400" spc="-1" strike="noStrike">
-              <a:solidFill>
-                <a:srgbClr val="000000"/>
-              </a:solidFill>
+            <a:endParaRPr b="0" lang="en-US" sz="3200" spc="-1" strike="noStrike">
               <a:latin typeface="Arial"/>
             </a:endParaRPr>
           </a:p>
@@ -5853,18 +3863,12 @@
               <a:buChar char=""/>
             </a:pPr>
             <a:r>
-              <a:rPr b="0" lang="en-US" sz="1400" spc="-1" strike="noStrike">
-                <a:solidFill>
-                  <a:srgbClr val="000000"/>
-                </a:solidFill>
+              <a:rPr b="0" lang="en-US" sz="2800" spc="-1" strike="noStrike">
                 <a:latin typeface="Arial"/>
               </a:rPr>
               <a:t>Second Outline Level</a:t>
             </a:r>
-            <a:endParaRPr b="0" lang="en-US" sz="1400" spc="-1" strike="noStrike">
-              <a:solidFill>
-                <a:srgbClr val="000000"/>
-              </a:solidFill>
+            <a:endParaRPr b="0" lang="en-US" sz="2800" spc="-1" strike="noStrike">
               <a:latin typeface="Arial"/>
             </a:endParaRPr>
           </a:p>
@@ -5881,18 +3885,12 @@
               <a:buChar char=""/>
             </a:pPr>
             <a:r>
-              <a:rPr b="0" lang="en-US" sz="1400" spc="-1" strike="noStrike">
-                <a:solidFill>
-                  <a:srgbClr val="000000"/>
-                </a:solidFill>
+              <a:rPr b="0" lang="en-US" sz="2400" spc="-1" strike="noStrike">
                 <a:latin typeface="Arial"/>
               </a:rPr>
               <a:t>Third Outline Level</a:t>
             </a:r>
-            <a:endParaRPr b="0" lang="en-US" sz="1400" spc="-1" strike="noStrike">
-              <a:solidFill>
-                <a:srgbClr val="000000"/>
-              </a:solidFill>
+            <a:endParaRPr b="0" lang="en-US" sz="2400" spc="-1" strike="noStrike">
               <a:latin typeface="Arial"/>
             </a:endParaRPr>
           </a:p>
@@ -5909,18 +3907,12 @@
               <a:buChar char=""/>
             </a:pPr>
             <a:r>
-              <a:rPr b="0" lang="en-US" sz="1400" spc="-1" strike="noStrike">
-                <a:solidFill>
-                  <a:srgbClr val="000000"/>
-                </a:solidFill>
+              <a:rPr b="0" lang="en-US" sz="2000" spc="-1" strike="noStrike">
                 <a:latin typeface="Arial"/>
               </a:rPr>
               <a:t>Fourth Outline Level</a:t>
             </a:r>
-            <a:endParaRPr b="0" lang="en-US" sz="1400" spc="-1" strike="noStrike">
-              <a:solidFill>
-                <a:srgbClr val="000000"/>
-              </a:solidFill>
+            <a:endParaRPr b="0" lang="en-US" sz="2000" spc="-1" strike="noStrike">
               <a:latin typeface="Arial"/>
             </a:endParaRPr>
           </a:p>
@@ -5938,17 +3930,11 @@
             </a:pPr>
             <a:r>
               <a:rPr b="0" lang="en-US" sz="2000" spc="-1" strike="noStrike">
-                <a:solidFill>
-                  <a:srgbClr val="000000"/>
-                </a:solidFill>
                 <a:latin typeface="Arial"/>
               </a:rPr>
               <a:t>Fifth Outline Level</a:t>
             </a:r>
             <a:endParaRPr b="0" lang="en-US" sz="2000" spc="-1" strike="noStrike">
-              <a:solidFill>
-                <a:srgbClr val="000000"/>
-              </a:solidFill>
               <a:latin typeface="Arial"/>
             </a:endParaRPr>
           </a:p>
@@ -5966,17 +3952,11 @@
             </a:pPr>
             <a:r>
               <a:rPr b="0" lang="en-US" sz="2000" spc="-1" strike="noStrike">
-                <a:solidFill>
-                  <a:srgbClr val="000000"/>
-                </a:solidFill>
                 <a:latin typeface="Arial"/>
               </a:rPr>
               <a:t>Sixth Outline Level</a:t>
             </a:r>
             <a:endParaRPr b="0" lang="en-US" sz="2000" spc="-1" strike="noStrike">
-              <a:solidFill>
-                <a:srgbClr val="000000"/>
-              </a:solidFill>
               <a:latin typeface="Arial"/>
             </a:endParaRPr>
           </a:p>
@@ -5994,17 +3974,11 @@
             </a:pPr>
             <a:r>
               <a:rPr b="0" lang="en-US" sz="2000" spc="-1" strike="noStrike">
-                <a:solidFill>
-                  <a:srgbClr val="000000"/>
-                </a:solidFill>
                 <a:latin typeface="Arial"/>
               </a:rPr>
               <a:t>Seventh Outline Level</a:t>
             </a:r>
             <a:endParaRPr b="0" lang="en-US" sz="2000" spc="-1" strike="noStrike">
-              <a:solidFill>
-                <a:srgbClr val="000000"/>
-              </a:solidFill>
               <a:latin typeface="Arial"/>
             </a:endParaRPr>
           </a:p>
@@ -6063,13 +4037,13 @@
         <p:spPr>
           <a:xfrm>
             <a:off x="0" y="0"/>
-            <a:ext cx="9143640" cy="487440"/>
+            <a:ext cx="9143280" cy="487080"/>
           </a:xfrm>
           <a:prstGeom prst="rect">
             <a:avLst/>
           </a:prstGeom>
           <a:solidFill>
-            <a:schemeClr val="lt2"/>
+            <a:srgbClr val="e9edee"/>
           </a:solidFill>
           <a:ln w="0">
             <a:noFill/>
@@ -6090,10 +4064,10 @@
         </p:nvGrpSpPr>
         <p:grpSpPr>
           <a:xfrm>
-            <a:off x="530280" y="1205640"/>
-            <a:ext cx="1342800" cy="17280"/>
-            <a:chOff x="530280" y="1205640"/>
-            <a:chExt cx="1342800" cy="17280"/>
+            <a:off x="530280" y="1206000"/>
+            <a:ext cx="1342440" cy="16920"/>
+            <a:chOff x="530280" y="1206000"/>
+            <a:chExt cx="1342440" cy="16920"/>
           </a:xfrm>
         </p:grpSpPr>
         <p:sp>
@@ -6104,14 +4078,14 @@
           </p:nvSpPr>
           <p:spPr>
             <a:xfrm rot="16200000">
-              <a:off x="1380600" y="730440"/>
-              <a:ext cx="17280" cy="967320"/>
+              <a:off x="1380600" y="730800"/>
+              <a:ext cx="16920" cy="966960"/>
             </a:xfrm>
             <a:prstGeom prst="rect">
               <a:avLst/>
             </a:prstGeom>
             <a:solidFill>
-              <a:schemeClr val="accent3"/>
+              <a:srgbClr val="eb5600"/>
             </a:solidFill>
             <a:ln w="0">
               <a:noFill/>
@@ -6132,14 +4106,14 @@
           </p:nvSpPr>
           <p:spPr>
             <a:xfrm rot="16200000">
-              <a:off x="1009440" y="726480"/>
-              <a:ext cx="17280" cy="975600"/>
+              <a:off x="1009440" y="726840"/>
+              <a:ext cx="16920" cy="975240"/>
             </a:xfrm>
             <a:prstGeom prst="rect">
               <a:avLst/>
             </a:prstGeom>
             <a:solidFill>
-              <a:schemeClr val="dk1"/>
+              <a:srgbClr val="000000"/>
             </a:solidFill>
             <a:ln w="0">
               <a:noFill/>
@@ -6166,169 +4140,31 @@
         <p:spPr>
           <a:xfrm>
             <a:off x="729360" y="1318680"/>
-            <a:ext cx="7688520" cy="534960"/>
-          </a:xfrm>
-          <a:prstGeom prst="rect">
-            <a:avLst/>
-          </a:prstGeom>
-          <a:noFill/>
-          <a:ln w="0">
-            <a:noFill/>
-          </a:ln>
-        </p:spPr>
-        <p:txBody>
-          <a:bodyPr tIns="91440" bIns="91440" anchor="t">
-            <a:normAutofit fontScale="88000"/>
-          </a:bodyPr>
-          <a:p>
-            <a:r>
-              <a:rPr b="0" lang="en-US" sz="2600" spc="-1" strike="noStrike">
-                <a:solidFill>
-                  <a:srgbClr val="000000"/>
-                </a:solidFill>
+            <a:ext cx="7688160" cy="534600"/>
+          </a:xfrm>
+          <a:prstGeom prst="rect">
+            <a:avLst/>
+          </a:prstGeom>
+          <a:noFill/>
+          <a:ln w="0">
+            <a:noFill/>
+          </a:ln>
+        </p:spPr>
+        <p:txBody>
+          <a:bodyPr lIns="0" rIns="0" tIns="0" bIns="0" anchor="ctr">
+            <a:noAutofit/>
+          </a:bodyPr>
+          <a:p>
+            <a:pPr algn="ctr">
+              <a:buNone/>
+            </a:pPr>
+            <a:r>
+              <a:rPr b="0" lang="en-US" sz="4400" spc="-1" strike="noStrike">
                 <a:latin typeface="Arial"/>
               </a:rPr>
-              <a:t>Cl</a:t>
-            </a:r>
-            <a:r>
-              <a:rPr b="0" lang="en-US" sz="2600" spc="-1" strike="noStrike">
-                <a:solidFill>
-                  <a:srgbClr val="000000"/>
-                </a:solidFill>
-                <a:latin typeface="Arial"/>
-              </a:rPr>
-              <a:t>ic</a:t>
-            </a:r>
-            <a:r>
-              <a:rPr b="0" lang="en-US" sz="2600" spc="-1" strike="noStrike">
-                <a:solidFill>
-                  <a:srgbClr val="000000"/>
-                </a:solidFill>
-                <a:latin typeface="Arial"/>
-              </a:rPr>
-              <a:t>k </a:t>
-            </a:r>
-            <a:r>
-              <a:rPr b="0" lang="en-US" sz="2600" spc="-1" strike="noStrike">
-                <a:solidFill>
-                  <a:srgbClr val="000000"/>
-                </a:solidFill>
-                <a:latin typeface="Arial"/>
-              </a:rPr>
-              <a:t>to </a:t>
-            </a:r>
-            <a:r>
-              <a:rPr b="0" lang="en-US" sz="2600" spc="-1" strike="noStrike">
-                <a:solidFill>
-                  <a:srgbClr val="000000"/>
-                </a:solidFill>
-                <a:latin typeface="Arial"/>
-              </a:rPr>
-              <a:t>ed</a:t>
-            </a:r>
-            <a:r>
-              <a:rPr b="0" lang="en-US" sz="2600" spc="-1" strike="noStrike">
-                <a:solidFill>
-                  <a:srgbClr val="000000"/>
-                </a:solidFill>
-                <a:latin typeface="Arial"/>
-              </a:rPr>
-              <a:t>it </a:t>
-            </a:r>
-            <a:r>
-              <a:rPr b="0" lang="en-US" sz="2600" spc="-1" strike="noStrike">
-                <a:solidFill>
-                  <a:srgbClr val="000000"/>
-                </a:solidFill>
-                <a:latin typeface="Arial"/>
-              </a:rPr>
-              <a:t>th</a:t>
-            </a:r>
-            <a:r>
-              <a:rPr b="0" lang="en-US" sz="2600" spc="-1" strike="noStrike">
-                <a:solidFill>
-                  <a:srgbClr val="000000"/>
-                </a:solidFill>
-                <a:latin typeface="Arial"/>
-              </a:rPr>
-              <a:t>e </a:t>
-            </a:r>
-            <a:r>
-              <a:rPr b="0" lang="en-US" sz="2600" spc="-1" strike="noStrike">
-                <a:solidFill>
-                  <a:srgbClr val="000000"/>
-                </a:solidFill>
-                <a:latin typeface="Arial"/>
-              </a:rPr>
-              <a:t>titl</a:t>
-            </a:r>
-            <a:r>
-              <a:rPr b="0" lang="en-US" sz="2600" spc="-1" strike="noStrike">
-                <a:solidFill>
-                  <a:srgbClr val="000000"/>
-                </a:solidFill>
-                <a:latin typeface="Arial"/>
-              </a:rPr>
-              <a:t>e </a:t>
-            </a:r>
-            <a:r>
-              <a:rPr b="0" lang="en-US" sz="2600" spc="-1" strike="noStrike">
-                <a:solidFill>
-                  <a:srgbClr val="000000"/>
-                </a:solidFill>
-                <a:latin typeface="Arial"/>
-              </a:rPr>
-              <a:t>te</a:t>
-            </a:r>
-            <a:r>
-              <a:rPr b="0" lang="en-US" sz="2600" spc="-1" strike="noStrike">
-                <a:solidFill>
-                  <a:srgbClr val="000000"/>
-                </a:solidFill>
-                <a:latin typeface="Arial"/>
-              </a:rPr>
-              <a:t>xt </a:t>
-            </a:r>
-            <a:r>
-              <a:rPr b="0" lang="en-US" sz="2600" spc="-1" strike="noStrike">
-                <a:solidFill>
-                  <a:srgbClr val="000000"/>
-                </a:solidFill>
-                <a:latin typeface="Arial"/>
-              </a:rPr>
-              <a:t>fo</a:t>
-            </a:r>
-            <a:r>
-              <a:rPr b="0" lang="en-US" sz="2600" spc="-1" strike="noStrike">
-                <a:solidFill>
-                  <a:srgbClr val="000000"/>
-                </a:solidFill>
-                <a:latin typeface="Arial"/>
-              </a:rPr>
-              <a:t>r</a:t>
-            </a:r>
-            <a:r>
-              <a:rPr b="0" lang="en-US" sz="2600" spc="-1" strike="noStrike">
-                <a:solidFill>
-                  <a:srgbClr val="000000"/>
-                </a:solidFill>
-                <a:latin typeface="Arial"/>
-              </a:rPr>
-              <a:t>m</a:t>
-            </a:r>
-            <a:r>
-              <a:rPr b="0" lang="en-US" sz="2600" spc="-1" strike="noStrike">
-                <a:solidFill>
-                  <a:srgbClr val="000000"/>
-                </a:solidFill>
-                <a:latin typeface="Arial"/>
-              </a:rPr>
-              <a:t>at</a:t>
-            </a:r>
-            <a:endParaRPr b="0" lang="en-US" sz="2600" spc="-1" strike="noStrike">
-              <a:solidFill>
-                <a:srgbClr val="000000"/>
-              </a:solidFill>
+              <a:t>Click to edit the title text format</a:t>
+            </a:r>
+            <a:endParaRPr b="0" lang="en-US" sz="4400" spc="-1" strike="noStrike">
               <a:latin typeface="Arial"/>
             </a:endParaRPr>
           </a:p>
@@ -6347,19 +4183,19 @@
         <p:spPr>
           <a:xfrm>
             <a:off x="729360" y="2079000"/>
-            <a:ext cx="7688520" cy="2260800"/>
-          </a:xfrm>
-          <a:prstGeom prst="rect">
-            <a:avLst/>
-          </a:prstGeom>
-          <a:noFill/>
-          <a:ln w="0">
-            <a:noFill/>
-          </a:ln>
-        </p:spPr>
-        <p:txBody>
-          <a:bodyPr tIns="91440" bIns="91440" anchor="t">
-            <a:normAutofit/>
+            <a:ext cx="7688160" cy="2260440"/>
+          </a:xfrm>
+          <a:prstGeom prst="rect">
+            <a:avLst/>
+          </a:prstGeom>
+          <a:noFill/>
+          <a:ln w="0">
+            <a:noFill/>
+          </a:ln>
+        </p:spPr>
+        <p:txBody>
+          <a:bodyPr lIns="0" rIns="0" tIns="0" bIns="0" anchor="t">
+            <a:normAutofit fontScale="81000"/>
           </a:bodyPr>
           <a:p>
             <a:pPr marL="432000" indent="-324000">
@@ -6374,18 +4210,12 @@
               <a:buChar char=""/>
             </a:pPr>
             <a:r>
-              <a:rPr b="0" lang="en-US" sz="1300" spc="-1" strike="noStrike">
-                <a:solidFill>
-                  <a:srgbClr val="000000"/>
-                </a:solidFill>
+              <a:rPr b="0" lang="en-US" sz="3200" spc="-1" strike="noStrike">
                 <a:latin typeface="Arial"/>
               </a:rPr>
               <a:t>Click to edit the outline text format</a:t>
             </a:r>
-            <a:endParaRPr b="0" lang="en-US" sz="1300" spc="-1" strike="noStrike">
-              <a:solidFill>
-                <a:srgbClr val="000000"/>
-              </a:solidFill>
+            <a:endParaRPr b="0" lang="en-US" sz="3200" spc="-1" strike="noStrike">
               <a:latin typeface="Arial"/>
             </a:endParaRPr>
           </a:p>
@@ -6402,18 +4232,12 @@
               <a:buChar char=""/>
             </a:pPr>
             <a:r>
-              <a:rPr b="0" lang="en-US" sz="1300" spc="-1" strike="noStrike">
-                <a:solidFill>
-                  <a:srgbClr val="000000"/>
-                </a:solidFill>
+              <a:rPr b="0" lang="en-US" sz="2800" spc="-1" strike="noStrike">
                 <a:latin typeface="Arial"/>
               </a:rPr>
               <a:t>Second Outline Level</a:t>
             </a:r>
-            <a:endParaRPr b="0" lang="en-US" sz="1300" spc="-1" strike="noStrike">
-              <a:solidFill>
-                <a:srgbClr val="000000"/>
-              </a:solidFill>
+            <a:endParaRPr b="0" lang="en-US" sz="2800" spc="-1" strike="noStrike">
               <a:latin typeface="Arial"/>
             </a:endParaRPr>
           </a:p>
@@ -6430,18 +4254,12 @@
               <a:buChar char=""/>
             </a:pPr>
             <a:r>
-              <a:rPr b="0" lang="en-US" sz="1300" spc="-1" strike="noStrike">
-                <a:solidFill>
-                  <a:srgbClr val="000000"/>
-                </a:solidFill>
+              <a:rPr b="0" lang="en-US" sz="2400" spc="-1" strike="noStrike">
                 <a:latin typeface="Arial"/>
               </a:rPr>
               <a:t>Third Outline Level</a:t>
             </a:r>
-            <a:endParaRPr b="0" lang="en-US" sz="1300" spc="-1" strike="noStrike">
-              <a:solidFill>
-                <a:srgbClr val="000000"/>
-              </a:solidFill>
+            <a:endParaRPr b="0" lang="en-US" sz="2400" spc="-1" strike="noStrike">
               <a:latin typeface="Arial"/>
             </a:endParaRPr>
           </a:p>
@@ -6458,18 +4276,12 @@
               <a:buChar char=""/>
             </a:pPr>
             <a:r>
-              <a:rPr b="0" lang="en-US" sz="1300" spc="-1" strike="noStrike">
-                <a:solidFill>
-                  <a:srgbClr val="000000"/>
-                </a:solidFill>
+              <a:rPr b="0" lang="en-US" sz="2000" spc="-1" strike="noStrike">
                 <a:latin typeface="Arial"/>
               </a:rPr>
               <a:t>Fourth Outline Level</a:t>
             </a:r>
-            <a:endParaRPr b="0" lang="en-US" sz="1300" spc="-1" strike="noStrike">
-              <a:solidFill>
-                <a:srgbClr val="000000"/>
-              </a:solidFill>
+            <a:endParaRPr b="0" lang="en-US" sz="2000" spc="-1" strike="noStrike">
               <a:latin typeface="Arial"/>
             </a:endParaRPr>
           </a:p>
@@ -6486,18 +4298,12 @@
               <a:buChar char=""/>
             </a:pPr>
             <a:r>
-              <a:rPr b="0" lang="en-US" sz="1300" spc="-1" strike="noStrike">
-                <a:solidFill>
-                  <a:srgbClr val="000000"/>
-                </a:solidFill>
+              <a:rPr b="0" lang="en-US" sz="2000" spc="-1" strike="noStrike">
                 <a:latin typeface="Arial"/>
               </a:rPr>
               <a:t>Fifth Outline Level</a:t>
             </a:r>
-            <a:endParaRPr b="0" lang="en-US" sz="1300" spc="-1" strike="noStrike">
-              <a:solidFill>
-                <a:srgbClr val="000000"/>
-              </a:solidFill>
+            <a:endParaRPr b="0" lang="en-US" sz="2000" spc="-1" strike="noStrike">
               <a:latin typeface="Arial"/>
             </a:endParaRPr>
           </a:p>
@@ -6514,18 +4320,12 @@
               <a:buChar char=""/>
             </a:pPr>
             <a:r>
-              <a:rPr b="0" lang="en-US" sz="1300" spc="-1" strike="noStrike">
-                <a:solidFill>
-                  <a:srgbClr val="000000"/>
-                </a:solidFill>
+              <a:rPr b="0" lang="en-US" sz="2000" spc="-1" strike="noStrike">
                 <a:latin typeface="Arial"/>
               </a:rPr>
               <a:t>Sixth Outline Level</a:t>
             </a:r>
-            <a:endParaRPr b="0" lang="en-US" sz="1300" spc="-1" strike="noStrike">
-              <a:solidFill>
-                <a:srgbClr val="000000"/>
-              </a:solidFill>
+            <a:endParaRPr b="0" lang="en-US" sz="2000" spc="-1" strike="noStrike">
               <a:latin typeface="Arial"/>
             </a:endParaRPr>
           </a:p>
@@ -6542,18 +4342,12 @@
               <a:buChar char=""/>
             </a:pPr>
             <a:r>
-              <a:rPr b="0" lang="en-US" sz="1300" spc="-1" strike="noStrike">
-                <a:solidFill>
-                  <a:srgbClr val="000000"/>
-                </a:solidFill>
+              <a:rPr b="0" lang="en-US" sz="2000" spc="-1" strike="noStrike">
                 <a:latin typeface="Arial"/>
               </a:rPr>
               <a:t>Seventh Outline Level</a:t>
             </a:r>
-            <a:endParaRPr b="0" lang="en-US" sz="1300" spc="-1" strike="noStrike">
-              <a:solidFill>
-                <a:srgbClr val="000000"/>
-              </a:solidFill>
+            <a:endParaRPr b="0" lang="en-US" sz="2000" spc="-1" strike="noStrike">
               <a:latin typeface="Arial"/>
             </a:endParaRPr>
           </a:p>
@@ -6572,19 +4366,19 @@
         <p:spPr>
           <a:xfrm>
             <a:off x="8536320" y="4749840"/>
-            <a:ext cx="548280" cy="393120"/>
-          </a:xfrm>
-          <a:prstGeom prst="rect">
-            <a:avLst/>
-          </a:prstGeom>
-          <a:noFill/>
-          <a:ln w="0">
-            <a:noFill/>
-          </a:ln>
-        </p:spPr>
-        <p:txBody>
-          <a:bodyPr tIns="91440" bIns="91440" anchor="ctr">
-            <a:normAutofit/>
+            <a:ext cx="547920" cy="392760"/>
+          </a:xfrm>
+          <a:prstGeom prst="rect">
+            <a:avLst/>
+          </a:prstGeom>
+          <a:noFill/>
+          <a:ln w="0">
+            <a:noFill/>
+          </a:ln>
+        </p:spPr>
+        <p:txBody>
+          <a:bodyPr lIns="90000" rIns="90000" tIns="91440" bIns="91440" anchor="ctr">
+            <a:noAutofit/>
           </a:bodyPr>
           <a:lstStyle>
             <a:lvl1pPr algn="r">
@@ -6614,7 +4408,7 @@
                 <a:tab algn="l" pos="0"/>
               </a:tabLst>
             </a:pPr>
-            <a:fld id="{984FDF2D-EE0F-460C-A9B7-82F4E454E457}" type="slidenum">
+            <a:fld id="{E9153F0C-C855-4301-8E22-46E2ECA80881}" type="slidenum">
               <a:rPr b="0" lang="en-GB" sz="1000" spc="-1" strike="noStrike">
                 <a:solidFill>
                   <a:srgbClr val="595959"/>
@@ -6646,463 +4440,6 @@
     <p:sldLayoutId id="2147483671" r:id="rId11"/>
     <p:sldLayoutId id="2147483672" r:id="rId12"/>
     <p:sldLayoutId id="2147483673" r:id="rId13"/>
-  </p:sldLayoutIdLst>
-</p:sldMaster>
-</file>
-
-<file path=ppt/slideMasters/slideMaster3.xml><?xml version="1.0" encoding="utf-8"?>
-<p:sldMaster xmlns:a="http://schemas.openxmlformats.org/drawingml/2006/main" xmlns:p="http://schemas.openxmlformats.org/presentationml/2006/main" xmlns:r="http://schemas.openxmlformats.org/officeDocument/2006/relationships" xmlns:p14="http://schemas.microsoft.com/office/powerpoint/2010/main" xmlns:p15="http://schemas.microsoft.com/office/powerpoint/2012/main" xmlns:mc="http://schemas.openxmlformats.org/markup-compatibility/2006">
-  <p:cSld>
-    <p:bg>
-      <p:bgPr>
-        <a:solidFill>
-          <a:srgbClr val="1a9988"/>
-        </a:solidFill>
-      </p:bgPr>
-    </p:bg>
-    <p:spTree>
-      <p:nvGrpSpPr>
-        <p:cNvPr id="1" name=""/>
-        <p:cNvGrpSpPr/>
-        <p:nvPr/>
-      </p:nvGrpSpPr>
-      <p:grpSpPr>
-        <a:xfrm>
-          <a:off x="0" y="0"/>
-          <a:ext cx="0" cy="0"/>
-          <a:chOff x="0" y="0"/>
-          <a:chExt cx="0" cy="0"/>
-        </a:xfrm>
-      </p:grpSpPr>
-      <p:grpSp>
-        <p:nvGrpSpPr>
-          <p:cNvPr id="86" name="Google Shape;18;p3"/>
-          <p:cNvGrpSpPr/>
-          <p:nvPr/>
-        </p:nvGrpSpPr>
-        <p:grpSpPr>
-          <a:xfrm>
-            <a:off x="530280" y="1205640"/>
-            <a:ext cx="1342800" cy="17280"/>
-            <a:chOff x="530280" y="1205640"/>
-            <a:chExt cx="1342800" cy="17280"/>
-          </a:xfrm>
-        </p:grpSpPr>
-        <p:sp>
-          <p:nvSpPr>
-            <p:cNvPr id="87" name="Google Shape;19;p3"/>
-            <p:cNvSpPr/>
-            <p:nvPr/>
-          </p:nvSpPr>
-          <p:spPr>
-            <a:xfrm rot="16200000">
-              <a:off x="1380600" y="730440"/>
-              <a:ext cx="17280" cy="967320"/>
-            </a:xfrm>
-            <a:prstGeom prst="rect">
-              <a:avLst/>
-            </a:prstGeom>
-            <a:solidFill>
-              <a:schemeClr val="lt1"/>
-            </a:solidFill>
-            <a:ln w="0">
-              <a:noFill/>
-            </a:ln>
-          </p:spPr>
-          <p:style>
-            <a:lnRef idx="0"/>
-            <a:fillRef idx="0"/>
-            <a:effectRef idx="0"/>
-            <a:fontRef idx="minor"/>
-          </p:style>
-        </p:sp>
-        <p:sp>
-          <p:nvSpPr>
-            <p:cNvPr id="88" name="Google Shape;20;p3"/>
-            <p:cNvSpPr/>
-            <p:nvPr/>
-          </p:nvSpPr>
-          <p:spPr>
-            <a:xfrm rot="16200000">
-              <a:off x="1009440" y="726480"/>
-              <a:ext cx="17280" cy="975600"/>
-            </a:xfrm>
-            <a:prstGeom prst="rect">
-              <a:avLst/>
-            </a:prstGeom>
-            <a:solidFill>
-              <a:schemeClr val="lt1"/>
-            </a:solidFill>
-            <a:ln w="0">
-              <a:noFill/>
-            </a:ln>
-          </p:spPr>
-          <p:style>
-            <a:lnRef idx="0"/>
-            <a:fillRef idx="0"/>
-            <a:effectRef idx="0"/>
-            <a:fontRef idx="minor"/>
-          </p:style>
-        </p:sp>
-      </p:grpSp>
-      <p:sp>
-        <p:nvSpPr>
-          <p:cNvPr id="89" name="PlaceHolder 1"/>
-          <p:cNvSpPr>
-            <a:spLocks noGrp="1"/>
-          </p:cNvSpPr>
-          <p:nvPr>
-            <p:ph type="title"/>
-          </p:nvPr>
-        </p:nvSpPr>
-        <p:spPr>
-          <a:xfrm>
-            <a:off x="729360" y="1322280"/>
-            <a:ext cx="7688160" cy="1518120"/>
-          </a:xfrm>
-          <a:prstGeom prst="rect">
-            <a:avLst/>
-          </a:prstGeom>
-          <a:noFill/>
-          <a:ln w="0">
-            <a:noFill/>
-          </a:ln>
-        </p:spPr>
-        <p:txBody>
-          <a:bodyPr tIns="91440" bIns="91440" anchor="t">
-            <a:normAutofit/>
-          </a:bodyPr>
-          <a:p>
-            <a:r>
-              <a:rPr b="0" lang="en-US" sz="3600" spc="-1" strike="noStrike">
-                <a:solidFill>
-                  <a:srgbClr val="000000"/>
-                </a:solidFill>
-                <a:latin typeface="Arial"/>
-              </a:rPr>
-              <a:t>Click to edit the title text format</a:t>
-            </a:r>
-            <a:endParaRPr b="0" lang="en-US" sz="3600" spc="-1" strike="noStrike">
-              <a:solidFill>
-                <a:srgbClr val="000000"/>
-              </a:solidFill>
-              <a:latin typeface="Arial"/>
-            </a:endParaRPr>
-          </a:p>
-        </p:txBody>
-      </p:sp>
-      <p:sp>
-        <p:nvSpPr>
-          <p:cNvPr id="90" name="PlaceHolder 2"/>
-          <p:cNvSpPr>
-            <a:spLocks noGrp="1"/>
-          </p:cNvSpPr>
-          <p:nvPr>
-            <p:ph type="sldNum" idx="3"/>
-          </p:nvPr>
-        </p:nvSpPr>
-        <p:spPr>
-          <a:xfrm>
-            <a:off x="8536320" y="4749840"/>
-            <a:ext cx="548280" cy="393120"/>
-          </a:xfrm>
-          <a:prstGeom prst="rect">
-            <a:avLst/>
-          </a:prstGeom>
-          <a:noFill/>
-          <a:ln w="0">
-            <a:noFill/>
-          </a:ln>
-        </p:spPr>
-        <p:txBody>
-          <a:bodyPr tIns="91440" bIns="91440" anchor="ctr">
-            <a:normAutofit/>
-          </a:bodyPr>
-          <a:lstStyle>
-            <a:lvl1pPr algn="r">
-              <a:lnSpc>
-                <a:spcPct val="100000"/>
-              </a:lnSpc>
-              <a:buNone/>
-              <a:tabLst>
-                <a:tab algn="l" pos="0"/>
-              </a:tabLst>
-              <a:defRPr b="0" lang="en-GB" sz="1000" spc="-1" strike="noStrike">
-                <a:solidFill>
-                  <a:srgbClr val="ffffff"/>
-                </a:solidFill>
-                <a:latin typeface="Lato"/>
-                <a:ea typeface="Lato"/>
-              </a:defRPr>
-            </a:lvl1pPr>
-          </a:lstStyle>
-          <a:p>
-            <a:pPr algn="r">
-              <a:lnSpc>
-                <a:spcPct val="100000"/>
-              </a:lnSpc>
-              <a:buNone/>
-              <a:tabLst>
-                <a:tab algn="l" pos="0"/>
-              </a:tabLst>
-            </a:pPr>
-            <a:fld id="{9EBE7AA6-3094-48DE-A37C-A0348B54375F}" type="slidenum">
-              <a:rPr b="0" lang="en-GB" sz="1000" spc="-1" strike="noStrike">
-                <a:solidFill>
-                  <a:srgbClr val="ffffff"/>
-                </a:solidFill>
-                <a:latin typeface="Lato"/>
-                <a:ea typeface="Lato"/>
-              </a:rPr>
-              <a:t>&lt;number&gt;</a:t>
-            </a:fld>
-            <a:endParaRPr b="0" lang="en-US" sz="1000" spc="-1" strike="noStrike">
-              <a:latin typeface="Times New Roman"/>
-            </a:endParaRPr>
-          </a:p>
-        </p:txBody>
-      </p:sp>
-      <p:sp>
-        <p:nvSpPr>
-          <p:cNvPr id="91" name="PlaceHolder 3"/>
-          <p:cNvSpPr>
-            <a:spLocks noGrp="1"/>
-          </p:cNvSpPr>
-          <p:nvPr>
-            <p:ph type="body"/>
-          </p:nvPr>
-        </p:nvSpPr>
-        <p:spPr>
-          <a:xfrm>
-            <a:off x="457200" y="1203480"/>
-            <a:ext cx="8229240" cy="2982960"/>
-          </a:xfrm>
-          <a:prstGeom prst="rect">
-            <a:avLst/>
-          </a:prstGeom>
-          <a:noFill/>
-          <a:ln w="0">
-            <a:noFill/>
-          </a:ln>
-        </p:spPr>
-        <p:txBody>
-          <a:bodyPr lIns="0" rIns="0" tIns="0" bIns="0" anchor="t">
-            <a:normAutofit/>
-          </a:bodyPr>
-          <a:p>
-            <a:pPr marL="432000" indent="-324000">
-              <a:spcBef>
-                <a:spcPts val="1417"/>
-              </a:spcBef>
-              <a:buClr>
-                <a:srgbClr val="000000"/>
-              </a:buClr>
-              <a:buSzPct val="45000"/>
-              <a:buFont typeface="Wingdings" charset="2"/>
-              <a:buChar char=""/>
-            </a:pPr>
-            <a:r>
-              <a:rPr b="0" lang="en-US" sz="1400" spc="-1" strike="noStrike">
-                <a:solidFill>
-                  <a:srgbClr val="000000"/>
-                </a:solidFill>
-                <a:latin typeface="Arial"/>
-              </a:rPr>
-              <a:t>Click to edit the outline text format</a:t>
-            </a:r>
-            <a:endParaRPr b="0" lang="en-US" sz="1400" spc="-1" strike="noStrike">
-              <a:solidFill>
-                <a:srgbClr val="000000"/>
-              </a:solidFill>
-              <a:latin typeface="Arial"/>
-            </a:endParaRPr>
-          </a:p>
-          <a:p>
-            <a:pPr lvl="1" marL="864000" indent="-324000">
-              <a:spcBef>
-                <a:spcPts val="1134"/>
-              </a:spcBef>
-              <a:buClr>
-                <a:srgbClr val="000000"/>
-              </a:buClr>
-              <a:buSzPct val="75000"/>
-              <a:buFont typeface="Symbol" charset="2"/>
-              <a:buChar char=""/>
-            </a:pPr>
-            <a:r>
-              <a:rPr b="0" lang="en-US" sz="1400" spc="-1" strike="noStrike">
-                <a:solidFill>
-                  <a:srgbClr val="000000"/>
-                </a:solidFill>
-                <a:latin typeface="Arial"/>
-              </a:rPr>
-              <a:t>Second Outline Level</a:t>
-            </a:r>
-            <a:endParaRPr b="0" lang="en-US" sz="1400" spc="-1" strike="noStrike">
-              <a:solidFill>
-                <a:srgbClr val="000000"/>
-              </a:solidFill>
-              <a:latin typeface="Arial"/>
-            </a:endParaRPr>
-          </a:p>
-          <a:p>
-            <a:pPr lvl="2" marL="1296000" indent="-288000">
-              <a:spcBef>
-                <a:spcPts val="850"/>
-              </a:spcBef>
-              <a:buClr>
-                <a:srgbClr val="000000"/>
-              </a:buClr>
-              <a:buSzPct val="45000"/>
-              <a:buFont typeface="Wingdings" charset="2"/>
-              <a:buChar char=""/>
-            </a:pPr>
-            <a:r>
-              <a:rPr b="0" lang="en-US" sz="1400" spc="-1" strike="noStrike">
-                <a:solidFill>
-                  <a:srgbClr val="000000"/>
-                </a:solidFill>
-                <a:latin typeface="Arial"/>
-              </a:rPr>
-              <a:t>Third Outline Level</a:t>
-            </a:r>
-            <a:endParaRPr b="0" lang="en-US" sz="1400" spc="-1" strike="noStrike">
-              <a:solidFill>
-                <a:srgbClr val="000000"/>
-              </a:solidFill>
-              <a:latin typeface="Arial"/>
-            </a:endParaRPr>
-          </a:p>
-          <a:p>
-            <a:pPr lvl="3" marL="1728000" indent="-216000">
-              <a:spcBef>
-                <a:spcPts val="567"/>
-              </a:spcBef>
-              <a:buClr>
-                <a:srgbClr val="000000"/>
-              </a:buClr>
-              <a:buSzPct val="75000"/>
-              <a:buFont typeface="Symbol" charset="2"/>
-              <a:buChar char=""/>
-            </a:pPr>
-            <a:r>
-              <a:rPr b="0" lang="en-US" sz="1400" spc="-1" strike="noStrike">
-                <a:solidFill>
-                  <a:srgbClr val="000000"/>
-                </a:solidFill>
-                <a:latin typeface="Arial"/>
-              </a:rPr>
-              <a:t>Fourth Outline Level</a:t>
-            </a:r>
-            <a:endParaRPr b="0" lang="en-US" sz="1400" spc="-1" strike="noStrike">
-              <a:solidFill>
-                <a:srgbClr val="000000"/>
-              </a:solidFill>
-              <a:latin typeface="Arial"/>
-            </a:endParaRPr>
-          </a:p>
-          <a:p>
-            <a:pPr lvl="4" marL="2160000" indent="-216000">
-              <a:spcBef>
-                <a:spcPts val="283"/>
-              </a:spcBef>
-              <a:buClr>
-                <a:srgbClr val="000000"/>
-              </a:buClr>
-              <a:buSzPct val="45000"/>
-              <a:buFont typeface="Wingdings" charset="2"/>
-              <a:buChar char=""/>
-            </a:pPr>
-            <a:r>
-              <a:rPr b="0" lang="en-US" sz="2000" spc="-1" strike="noStrike">
-                <a:solidFill>
-                  <a:srgbClr val="000000"/>
-                </a:solidFill>
-                <a:latin typeface="Arial"/>
-              </a:rPr>
-              <a:t>Fifth Outline Level</a:t>
-            </a:r>
-            <a:endParaRPr b="0" lang="en-US" sz="2000" spc="-1" strike="noStrike">
-              <a:solidFill>
-                <a:srgbClr val="000000"/>
-              </a:solidFill>
-              <a:latin typeface="Arial"/>
-            </a:endParaRPr>
-          </a:p>
-          <a:p>
-            <a:pPr lvl="5" marL="2592000" indent="-216000">
-              <a:spcBef>
-                <a:spcPts val="283"/>
-              </a:spcBef>
-              <a:buClr>
-                <a:srgbClr val="000000"/>
-              </a:buClr>
-              <a:buSzPct val="45000"/>
-              <a:buFont typeface="Wingdings" charset="2"/>
-              <a:buChar char=""/>
-            </a:pPr>
-            <a:r>
-              <a:rPr b="0" lang="en-US" sz="2000" spc="-1" strike="noStrike">
-                <a:solidFill>
-                  <a:srgbClr val="000000"/>
-                </a:solidFill>
-                <a:latin typeface="Arial"/>
-              </a:rPr>
-              <a:t>Sixth Outline Level</a:t>
-            </a:r>
-            <a:endParaRPr b="0" lang="en-US" sz="2000" spc="-1" strike="noStrike">
-              <a:solidFill>
-                <a:srgbClr val="000000"/>
-              </a:solidFill>
-              <a:latin typeface="Arial"/>
-            </a:endParaRPr>
-          </a:p>
-          <a:p>
-            <a:pPr lvl="6" marL="3024000" indent="-216000">
-              <a:spcBef>
-                <a:spcPts val="283"/>
-              </a:spcBef>
-              <a:buClr>
-                <a:srgbClr val="000000"/>
-              </a:buClr>
-              <a:buSzPct val="45000"/>
-              <a:buFont typeface="Wingdings" charset="2"/>
-              <a:buChar char=""/>
-            </a:pPr>
-            <a:r>
-              <a:rPr b="0" lang="en-US" sz="2000" spc="-1" strike="noStrike">
-                <a:solidFill>
-                  <a:srgbClr val="000000"/>
-                </a:solidFill>
-                <a:latin typeface="Arial"/>
-              </a:rPr>
-              <a:t>Seventh Outline Level</a:t>
-            </a:r>
-            <a:endParaRPr b="0" lang="en-US" sz="2000" spc="-1" strike="noStrike">
-              <a:solidFill>
-                <a:srgbClr val="000000"/>
-              </a:solidFill>
-              <a:latin typeface="Arial"/>
-            </a:endParaRPr>
-          </a:p>
-        </p:txBody>
-      </p:sp>
-    </p:spTree>
-  </p:cSld>
-  <p:clrMap bg1="lt1" bg2="lt2" tx1="dk1" tx2="dk2" accent1="accent1" accent2="accent2" accent3="accent3" accent4="accent4" accent5="accent5" accent6="accent6" hlink="hlink" folHlink="folHlink"/>
-  <p:sldLayoutIdLst>
-    <p:sldLayoutId id="2147483675" r:id="rId2"/>
-    <p:sldLayoutId id="2147483676" r:id="rId3"/>
-    <p:sldLayoutId id="2147483677" r:id="rId4"/>
-    <p:sldLayoutId id="2147483678" r:id="rId5"/>
-    <p:sldLayoutId id="2147483679" r:id="rId6"/>
-    <p:sldLayoutId id="2147483680" r:id="rId7"/>
-    <p:sldLayoutId id="2147483681" r:id="rId8"/>
-    <p:sldLayoutId id="2147483682" r:id="rId9"/>
-    <p:sldLayoutId id="2147483683" r:id="rId10"/>
-    <p:sldLayoutId id="2147483684" r:id="rId11"/>
-    <p:sldLayoutId id="2147483685" r:id="rId12"/>
-    <p:sldLayoutId id="2147483686" r:id="rId13"/>
   </p:sldLayoutIdLst>
 </p:sldMaster>
 </file>
@@ -7126,7 +4463,7 @@
       </p:grpSpPr>
       <p:sp>
         <p:nvSpPr>
-          <p:cNvPr id="128" name="PlaceHolder 1"/>
+          <p:cNvPr id="86" name="PlaceHolder 1"/>
           <p:cNvSpPr>
             <a:spLocks noGrp="1"/>
           </p:cNvSpPr>
@@ -7137,18 +4474,18 @@
         <p:spPr>
           <a:xfrm>
             <a:off x="729360" y="1322280"/>
-            <a:ext cx="7687800" cy="1664280"/>
-          </a:xfrm>
-          <a:prstGeom prst="rect">
-            <a:avLst/>
-          </a:prstGeom>
-          <a:noFill/>
-          <a:ln w="0">
-            <a:noFill/>
-          </a:ln>
-        </p:spPr>
-        <p:txBody>
-          <a:bodyPr tIns="91440" bIns="91440" anchor="t">
+            <a:ext cx="7687440" cy="1663920"/>
+          </a:xfrm>
+          <a:prstGeom prst="rect">
+            <a:avLst/>
+          </a:prstGeom>
+          <a:noFill/>
+          <a:ln w="0">
+            <a:noFill/>
+          </a:ln>
+        </p:spPr>
+        <p:txBody>
+          <a:bodyPr lIns="0" rIns="0" tIns="91440" bIns="91440" anchor="t">
             <a:normAutofit/>
           </a:bodyPr>
           <a:p>
@@ -7172,9 +4509,6 @@
               <a:t>Clustering</a:t>
             </a:r>
             <a:endParaRPr b="0" lang="en-US" sz="4200" spc="-1" strike="noStrike">
-              <a:solidFill>
-                <a:srgbClr val="000000"/>
-              </a:solidFill>
               <a:latin typeface="Arial"/>
             </a:endParaRPr>
           </a:p>
@@ -7212,7 +4546,7 @@
       </p:grpSpPr>
       <p:sp>
         <p:nvSpPr>
-          <p:cNvPr id="146" name="PlaceHolder 1"/>
+          <p:cNvPr id="104" name="PlaceHolder 1"/>
           <p:cNvSpPr>
             <a:spLocks noGrp="1"/>
           </p:cNvSpPr>
@@ -7223,18 +4557,18 @@
         <p:spPr>
           <a:xfrm>
             <a:off x="729360" y="1318680"/>
-            <a:ext cx="7688520" cy="534960"/>
-          </a:xfrm>
-          <a:prstGeom prst="rect">
-            <a:avLst/>
-          </a:prstGeom>
-          <a:noFill/>
-          <a:ln w="0">
-            <a:noFill/>
-          </a:ln>
-        </p:spPr>
-        <p:txBody>
-          <a:bodyPr tIns="91440" bIns="91440" anchor="t">
+            <a:ext cx="7688160" cy="534600"/>
+          </a:xfrm>
+          <a:prstGeom prst="rect">
+            <a:avLst/>
+          </a:prstGeom>
+          <a:noFill/>
+          <a:ln w="0">
+            <a:noFill/>
+          </a:ln>
+        </p:spPr>
+        <p:txBody>
+          <a:bodyPr lIns="0" rIns="0" tIns="91440" bIns="91440" anchor="t">
             <a:noAutofit/>
           </a:bodyPr>
           <a:p>
@@ -7258,17 +4592,14 @@
               <a:t>Что нужно сделать с данными для успешного успеха, возможного…</a:t>
             </a:r>
             <a:endParaRPr b="0" lang="en-US" sz="1740" spc="-1" strike="noStrike">
-              <a:solidFill>
-                <a:srgbClr val="000000"/>
-              </a:solidFill>
-              <a:latin typeface="Arial"/>
-            </a:endParaRPr>
-          </a:p>
-        </p:txBody>
-      </p:sp>
-      <p:sp>
-        <p:nvSpPr>
-          <p:cNvPr id="147" name="PlaceHolder 2"/>
+              <a:latin typeface="Arial"/>
+            </a:endParaRPr>
+          </a:p>
+        </p:txBody>
+      </p:sp>
+      <p:sp>
+        <p:nvSpPr>
+          <p:cNvPr id="105" name="PlaceHolder 2"/>
           <p:cNvSpPr>
             <a:spLocks noGrp="1"/>
           </p:cNvSpPr>
@@ -7279,18 +4610,18 @@
         <p:spPr>
           <a:xfrm>
             <a:off x="729360" y="1752120"/>
-            <a:ext cx="7688520" cy="2260800"/>
-          </a:xfrm>
-          <a:prstGeom prst="rect">
-            <a:avLst/>
-          </a:prstGeom>
-          <a:noFill/>
-          <a:ln w="0">
-            <a:noFill/>
-          </a:ln>
-        </p:spPr>
-        <p:txBody>
-          <a:bodyPr tIns="91440" bIns="91440" anchor="t">
+            <a:ext cx="7688160" cy="2260440"/>
+          </a:xfrm>
+          <a:prstGeom prst="rect">
+            <a:avLst/>
+          </a:prstGeom>
+          <a:noFill/>
+          <a:ln w="0">
+            <a:noFill/>
+          </a:ln>
+        </p:spPr>
+        <p:txBody>
+          <a:bodyPr lIns="0" rIns="0" tIns="91440" bIns="91440" anchor="t">
             <a:normAutofit/>
           </a:bodyPr>
           <a:p>
@@ -7301,7 +4632,7 @@
               <a:buClr>
                 <a:srgbClr val="595959"/>
               </a:buClr>
-              <a:buFont typeface="Lato"/>
+              <a:buFont typeface="StarSymbol"/>
               <a:buAutoNum type="arabicPeriod"/>
             </a:pPr>
             <a:r>
@@ -7315,9 +4646,6 @@
               <a:t>Cleaning</a:t>
             </a:r>
             <a:endParaRPr b="0" lang="en-US" sz="1300" spc="-1" strike="noStrike">
-              <a:solidFill>
-                <a:srgbClr val="000000"/>
-              </a:solidFill>
               <a:latin typeface="Arial"/>
             </a:endParaRPr>
           </a:p>
@@ -7329,7 +4657,7 @@
               <a:buClr>
                 <a:srgbClr val="595959"/>
               </a:buClr>
-              <a:buFont typeface="Lato"/>
+              <a:buFont typeface="StarSymbol"/>
               <a:buAutoNum type="arabicPeriod"/>
             </a:pPr>
             <a:r>
@@ -7343,9 +4671,6 @@
               <a:t>Imputation</a:t>
             </a:r>
             <a:endParaRPr b="0" lang="en-US" sz="1300" spc="-1" strike="noStrike">
-              <a:solidFill>
-                <a:srgbClr val="000000"/>
-              </a:solidFill>
               <a:latin typeface="Arial"/>
             </a:endParaRPr>
           </a:p>
@@ -7357,7 +4682,7 @@
               <a:buClr>
                 <a:srgbClr val="595959"/>
               </a:buClr>
-              <a:buFont typeface="Lato"/>
+              <a:buFont typeface="StarSymbol"/>
               <a:buAutoNum type="arabicPeriod"/>
             </a:pPr>
             <a:r>
@@ -7371,9 +4696,6 @@
               <a:t>Scale</a:t>
             </a:r>
             <a:endParaRPr b="0" lang="en-US" sz="1300" spc="-1" strike="noStrike">
-              <a:solidFill>
-                <a:srgbClr val="000000"/>
-              </a:solidFill>
               <a:latin typeface="Arial"/>
             </a:endParaRPr>
           </a:p>
@@ -7385,7 +4707,7 @@
               <a:buClr>
                 <a:srgbClr val="595959"/>
               </a:buClr>
-              <a:buFont typeface="Lato"/>
+              <a:buFont typeface="StarSymbol"/>
               <a:buAutoNum type="arabicPeriod"/>
             </a:pPr>
             <a:r>
@@ -7399,9 +4721,6 @@
               <a:t>Reduction</a:t>
             </a:r>
             <a:endParaRPr b="0" lang="en-US" sz="1300" spc="-1" strike="noStrike">
-              <a:solidFill>
-                <a:srgbClr val="000000"/>
-              </a:solidFill>
               <a:latin typeface="Arial"/>
             </a:endParaRPr>
           </a:p>
@@ -7439,7 +4758,7 @@
       </p:grpSpPr>
       <p:sp>
         <p:nvSpPr>
-          <p:cNvPr id="148" name="PlaceHolder 1"/>
+          <p:cNvPr id="106" name="PlaceHolder 1"/>
           <p:cNvSpPr>
             <a:spLocks noGrp="1"/>
           </p:cNvSpPr>
@@ -7450,18 +4769,18 @@
         <p:spPr>
           <a:xfrm>
             <a:off x="729360" y="1318680"/>
-            <a:ext cx="7688520" cy="534960"/>
-          </a:xfrm>
-          <a:prstGeom prst="rect">
-            <a:avLst/>
-          </a:prstGeom>
-          <a:noFill/>
-          <a:ln w="0">
-            <a:noFill/>
-          </a:ln>
-        </p:spPr>
-        <p:txBody>
-          <a:bodyPr tIns="91440" bIns="91440" anchor="t">
+            <a:ext cx="7688160" cy="534600"/>
+          </a:xfrm>
+          <a:prstGeom prst="rect">
+            <a:avLst/>
+          </a:prstGeom>
+          <a:noFill/>
+          <a:ln w="0">
+            <a:noFill/>
+          </a:ln>
+        </p:spPr>
+        <p:txBody>
+          <a:bodyPr lIns="0" rIns="0" tIns="91440" bIns="91440" anchor="t">
             <a:normAutofit fontScale="88000"/>
           </a:bodyPr>
           <a:p>
@@ -7485,17 +4804,14 @@
               <a:t>Hierarchical clustering</a:t>
             </a:r>
             <a:endParaRPr b="0" lang="en-US" sz="2600" spc="-1" strike="noStrike">
-              <a:solidFill>
-                <a:srgbClr val="000000"/>
-              </a:solidFill>
-              <a:latin typeface="Arial"/>
-            </a:endParaRPr>
-          </a:p>
-        </p:txBody>
-      </p:sp>
-      <p:sp>
-        <p:nvSpPr>
-          <p:cNvPr id="149" name="PlaceHolder 2"/>
+              <a:latin typeface="Arial"/>
+            </a:endParaRPr>
+          </a:p>
+        </p:txBody>
+      </p:sp>
+      <p:sp>
+        <p:nvSpPr>
+          <p:cNvPr id="107" name="PlaceHolder 2"/>
           <p:cNvSpPr>
             <a:spLocks noGrp="1"/>
           </p:cNvSpPr>
@@ -7506,18 +4822,18 @@
         <p:spPr>
           <a:xfrm>
             <a:off x="729360" y="2079000"/>
-            <a:ext cx="7688520" cy="2260800"/>
-          </a:xfrm>
-          <a:prstGeom prst="rect">
-            <a:avLst/>
-          </a:prstGeom>
-          <a:noFill/>
-          <a:ln w="0">
-            <a:noFill/>
-          </a:ln>
-        </p:spPr>
-        <p:txBody>
-          <a:bodyPr tIns="91440" bIns="91440" anchor="t">
+            <a:ext cx="7688160" cy="2260440"/>
+          </a:xfrm>
+          <a:prstGeom prst="rect">
+            <a:avLst/>
+          </a:prstGeom>
+          <a:noFill/>
+          <a:ln w="0">
+            <a:noFill/>
+          </a:ln>
+        </p:spPr>
+        <p:txBody>
+          <a:bodyPr lIns="0" rIns="0" tIns="91440" bIns="91440" anchor="t">
             <a:normAutofit/>
           </a:bodyPr>
           <a:p>
@@ -7542,9 +4858,6 @@
               <a:t>Agglomerative</a:t>
             </a:r>
             <a:endParaRPr b="0" lang="en-US" sz="1300" spc="-1" strike="noStrike">
-              <a:solidFill>
-                <a:srgbClr val="000000"/>
-              </a:solidFill>
               <a:latin typeface="Arial"/>
             </a:endParaRPr>
           </a:p>
@@ -7570,9 +4883,6 @@
               <a:t>Divisive </a:t>
             </a:r>
             <a:endParaRPr b="0" lang="en-US" sz="1300" spc="-1" strike="noStrike">
-              <a:solidFill>
-                <a:srgbClr val="000000"/>
-              </a:solidFill>
               <a:latin typeface="Arial"/>
             </a:endParaRPr>
           </a:p>
@@ -7610,7 +4920,7 @@
       </p:grpSpPr>
       <p:sp>
         <p:nvSpPr>
-          <p:cNvPr id="150" name="PlaceHolder 1"/>
+          <p:cNvPr id="108" name="PlaceHolder 1"/>
           <p:cNvSpPr>
             <a:spLocks noGrp="1"/>
           </p:cNvSpPr>
@@ -7621,18 +4931,18 @@
         <p:spPr>
           <a:xfrm>
             <a:off x="729360" y="1318680"/>
-            <a:ext cx="7688520" cy="534960"/>
-          </a:xfrm>
-          <a:prstGeom prst="rect">
-            <a:avLst/>
-          </a:prstGeom>
-          <a:noFill/>
-          <a:ln w="0">
-            <a:noFill/>
-          </a:ln>
-        </p:spPr>
-        <p:txBody>
-          <a:bodyPr tIns="91440" bIns="91440" anchor="t">
+            <a:ext cx="7688160" cy="534600"/>
+          </a:xfrm>
+          <a:prstGeom prst="rect">
+            <a:avLst/>
+          </a:prstGeom>
+          <a:noFill/>
+          <a:ln w="0">
+            <a:noFill/>
+          </a:ln>
+        </p:spPr>
+        <p:txBody>
+          <a:bodyPr lIns="0" rIns="0" tIns="91440" bIns="91440" anchor="t">
             <a:normAutofit fontScale="88000"/>
           </a:bodyPr>
           <a:p>
@@ -7656,17 +4966,14 @@
               <a:t>Agglomerative Hierarchical clustering</a:t>
             </a:r>
             <a:endParaRPr b="0" lang="en-US" sz="2600" spc="-1" strike="noStrike">
-              <a:solidFill>
-                <a:srgbClr val="000000"/>
-              </a:solidFill>
-              <a:latin typeface="Arial"/>
-            </a:endParaRPr>
-          </a:p>
-        </p:txBody>
-      </p:sp>
-      <p:sp>
-        <p:nvSpPr>
-          <p:cNvPr id="151" name="PlaceHolder 2"/>
+              <a:latin typeface="Arial"/>
+            </a:endParaRPr>
+          </a:p>
+        </p:txBody>
+      </p:sp>
+      <p:sp>
+        <p:nvSpPr>
+          <p:cNvPr id="109" name="PlaceHolder 2"/>
           <p:cNvSpPr>
             <a:spLocks noGrp="1"/>
           </p:cNvSpPr>
@@ -7677,18 +4984,18 @@
         <p:spPr>
           <a:xfrm>
             <a:off x="729360" y="2079000"/>
-            <a:ext cx="7688520" cy="2260800"/>
-          </a:xfrm>
-          <a:prstGeom prst="rect">
-            <a:avLst/>
-          </a:prstGeom>
-          <a:noFill/>
-          <a:ln w="0">
-            <a:noFill/>
-          </a:ln>
-        </p:spPr>
-        <p:txBody>
-          <a:bodyPr tIns="91440" bIns="91440" anchor="t">
+            <a:ext cx="7688160" cy="2260440"/>
+          </a:xfrm>
+          <a:prstGeom prst="rect">
+            <a:avLst/>
+          </a:prstGeom>
+          <a:noFill/>
+          <a:ln w="0">
+            <a:noFill/>
+          </a:ln>
+        </p:spPr>
+        <p:txBody>
+          <a:bodyPr lIns="0" rIns="0" tIns="91440" bIns="91440" anchor="t">
             <a:normAutofit/>
           </a:bodyPr>
           <a:p>
@@ -7699,7 +5006,7 @@
               <a:buClr>
                 <a:srgbClr val="595959"/>
               </a:buClr>
-              <a:buFont typeface="Lato"/>
+              <a:buFont typeface="StarSymbol"/>
               <a:buAutoNum type="arabicPeriod"/>
             </a:pPr>
             <a:r>
@@ -7713,9 +5020,6 @@
               <a:t>Первым шагом рассчитаем матрицу  расстояний между каждым объектом выборки</a:t>
             </a:r>
             <a:endParaRPr b="0" lang="en-US" sz="1300" spc="-1" strike="noStrike">
-              <a:solidFill>
-                <a:srgbClr val="000000"/>
-              </a:solidFill>
               <a:latin typeface="Arial"/>
             </a:endParaRPr>
           </a:p>
@@ -7727,7 +5031,7 @@
               <a:buClr>
                 <a:srgbClr val="595959"/>
               </a:buClr>
-              <a:buFont typeface="Lato"/>
+              <a:buFont typeface="StarSymbol"/>
               <a:buAutoNum type="arabicPeriod"/>
             </a:pPr>
             <a:r>
@@ -7741,9 +5045,6 @@
               <a:t>Будем исходить из того что каждый объект является кластером</a:t>
             </a:r>
             <a:endParaRPr b="0" lang="en-US" sz="1300" spc="-1" strike="noStrike">
-              <a:solidFill>
-                <a:srgbClr val="000000"/>
-              </a:solidFill>
               <a:latin typeface="Arial"/>
             </a:endParaRPr>
           </a:p>
@@ -7755,7 +5056,7 @@
               <a:buClr>
                 <a:srgbClr val="595959"/>
               </a:buClr>
-              <a:buFont typeface="Lato"/>
+              <a:buFont typeface="StarSymbol"/>
               <a:buAutoNum type="arabicPeriod"/>
             </a:pPr>
             <a:r>
@@ -7769,9 +5070,6 @@
               <a:t>Сливаем ближайшие кластеры в один </a:t>
             </a:r>
             <a:endParaRPr b="0" lang="en-US" sz="1300" spc="-1" strike="noStrike">
-              <a:solidFill>
-                <a:srgbClr val="000000"/>
-              </a:solidFill>
               <a:latin typeface="Arial"/>
             </a:endParaRPr>
           </a:p>
@@ -7783,7 +5081,7 @@
               <a:buClr>
                 <a:srgbClr val="595959"/>
               </a:buClr>
-              <a:buFont typeface="Lato"/>
+              <a:buFont typeface="StarSymbol"/>
               <a:buAutoNum type="arabicPeriod"/>
             </a:pPr>
             <a:r>
@@ -7797,9 +5095,6 @@
               <a:t>Повторяем 3 шаг пока все наши объекты не превратятся в одно большое дерево</a:t>
             </a:r>
             <a:endParaRPr b="0" lang="en-US" sz="1300" spc="-1" strike="noStrike">
-              <a:solidFill>
-                <a:srgbClr val="000000"/>
-              </a:solidFill>
               <a:latin typeface="Arial"/>
             </a:endParaRPr>
           </a:p>
@@ -7811,7 +5106,7 @@
               <a:buClr>
                 <a:srgbClr val="595959"/>
               </a:buClr>
-              <a:buFont typeface="Lato"/>
+              <a:buFont typeface="StarSymbol"/>
               <a:buAutoNum type="arabicPeriod"/>
             </a:pPr>
             <a:r>
@@ -7825,9 +5120,6 @@
               <a:t>Потом анализируем дерево</a:t>
             </a:r>
             <a:endParaRPr b="0" lang="en-US" sz="1300" spc="-1" strike="noStrike">
-              <a:solidFill>
-                <a:srgbClr val="000000"/>
-              </a:solidFill>
               <a:latin typeface="Arial"/>
             </a:endParaRPr>
           </a:p>
@@ -7865,7 +5157,7 @@
       </p:grpSpPr>
       <p:sp>
         <p:nvSpPr>
-          <p:cNvPr id="152" name="PlaceHolder 1"/>
+          <p:cNvPr id="110" name="PlaceHolder 1"/>
           <p:cNvSpPr>
             <a:spLocks noGrp="1"/>
           </p:cNvSpPr>
@@ -7876,33 +5168,33 @@
         <p:spPr>
           <a:xfrm>
             <a:off x="729360" y="1318680"/>
-            <a:ext cx="7688520" cy="534960"/>
-          </a:xfrm>
-          <a:prstGeom prst="rect">
-            <a:avLst/>
-          </a:prstGeom>
-          <a:noFill/>
-          <a:ln w="0">
-            <a:noFill/>
-          </a:ln>
-        </p:spPr>
-        <p:txBody>
-          <a:bodyPr tIns="91440" bIns="91440" anchor="t">
-            <a:normAutofit fontScale="88000"/>
-          </a:bodyPr>
-          <a:p>
-            <a:endParaRPr b="0" lang="en-US" sz="1400" spc="-1" strike="noStrike">
-              <a:solidFill>
-                <a:srgbClr val="000000"/>
-              </a:solidFill>
-              <a:latin typeface="Arial"/>
-            </a:endParaRPr>
-          </a:p>
-        </p:txBody>
-      </p:sp>
-      <p:sp>
-        <p:nvSpPr>
-          <p:cNvPr id="153" name="PlaceHolder 2"/>
+            <a:ext cx="7688160" cy="534600"/>
+          </a:xfrm>
+          <a:prstGeom prst="rect">
+            <a:avLst/>
+          </a:prstGeom>
+          <a:noFill/>
+          <a:ln w="0">
+            <a:noFill/>
+          </a:ln>
+        </p:spPr>
+        <p:txBody>
+          <a:bodyPr lIns="0" rIns="0" tIns="91440" bIns="91440" anchor="t">
+            <a:normAutofit/>
+          </a:bodyPr>
+          <a:p>
+            <a:pPr algn="ctr">
+              <a:buNone/>
+            </a:pPr>
+            <a:endParaRPr b="0" lang="en-US" sz="4400" spc="-1" strike="noStrike">
+              <a:latin typeface="Arial"/>
+            </a:endParaRPr>
+          </a:p>
+        </p:txBody>
+      </p:sp>
+      <p:sp>
+        <p:nvSpPr>
+          <p:cNvPr id="111" name="PlaceHolder 2"/>
           <p:cNvSpPr>
             <a:spLocks noGrp="1"/>
           </p:cNvSpPr>
@@ -7913,25 +5205,22 @@
         <p:spPr>
           <a:xfrm>
             <a:off x="729360" y="2079000"/>
-            <a:ext cx="7688520" cy="2260800"/>
-          </a:xfrm>
-          <a:prstGeom prst="rect">
-            <a:avLst/>
-          </a:prstGeom>
-          <a:noFill/>
-          <a:ln w="0">
-            <a:noFill/>
-          </a:ln>
-        </p:spPr>
-        <p:txBody>
-          <a:bodyPr tIns="91440" bIns="91440" anchor="t">
+            <a:ext cx="7688160" cy="2260440"/>
+          </a:xfrm>
+          <a:prstGeom prst="rect">
+            <a:avLst/>
+          </a:prstGeom>
+          <a:noFill/>
+          <a:ln w="0">
+            <a:noFill/>
+          </a:ln>
+        </p:spPr>
+        <p:txBody>
+          <a:bodyPr lIns="0" rIns="0" tIns="91440" bIns="91440" anchor="t">
             <a:normAutofit/>
           </a:bodyPr>
           <a:p>
-            <a:endParaRPr b="0" lang="en-US" sz="1400" spc="-1" strike="noStrike">
-              <a:solidFill>
-                <a:srgbClr val="000000"/>
-              </a:solidFill>
+            <a:endParaRPr b="0" lang="en-US" sz="3200" spc="-1" strike="noStrike">
               <a:latin typeface="Arial"/>
             </a:endParaRPr>
           </a:p>
@@ -7939,7 +5228,7 @@
       </p:sp>
       <p:pic>
         <p:nvPicPr>
-          <p:cNvPr id="154" name="Google Shape;193;p30" descr=""/>
+          <p:cNvPr id="112" name="Google Shape;193;p30" descr=""/>
           <p:cNvPicPr/>
           <p:nvPr/>
         </p:nvPicPr>
@@ -7950,7 +5239,7 @@
         <p:spPr>
           <a:xfrm>
             <a:off x="614880" y="1928520"/>
-            <a:ext cx="7143480" cy="2914200"/>
+            <a:ext cx="7143120" cy="2913840"/>
           </a:xfrm>
           <a:prstGeom prst="rect">
             <a:avLst/>
@@ -7992,7 +5281,7 @@
       </p:grpSpPr>
       <p:sp>
         <p:nvSpPr>
-          <p:cNvPr id="155" name="PlaceHolder 1"/>
+          <p:cNvPr id="113" name="PlaceHolder 1"/>
           <p:cNvSpPr>
             <a:spLocks noGrp="1"/>
           </p:cNvSpPr>
@@ -8003,18 +5292,18 @@
         <p:spPr>
           <a:xfrm>
             <a:off x="729360" y="1318680"/>
-            <a:ext cx="7688520" cy="534960"/>
-          </a:xfrm>
-          <a:prstGeom prst="rect">
-            <a:avLst/>
-          </a:prstGeom>
-          <a:noFill/>
-          <a:ln w="0">
-            <a:noFill/>
-          </a:ln>
-        </p:spPr>
-        <p:txBody>
-          <a:bodyPr tIns="91440" bIns="91440" anchor="t">
+            <a:ext cx="7688160" cy="534600"/>
+          </a:xfrm>
+          <a:prstGeom prst="rect">
+            <a:avLst/>
+          </a:prstGeom>
+          <a:noFill/>
+          <a:ln w="0">
+            <a:noFill/>
+          </a:ln>
+        </p:spPr>
+        <p:txBody>
+          <a:bodyPr lIns="0" rIns="0" tIns="91440" bIns="91440" anchor="t">
             <a:normAutofit fontScale="88000"/>
           </a:bodyPr>
           <a:p>
@@ -8038,17 +5327,14 @@
               <a:t>DBSCAN</a:t>
             </a:r>
             <a:endParaRPr b="0" lang="en-US" sz="2600" spc="-1" strike="noStrike">
-              <a:solidFill>
-                <a:srgbClr val="000000"/>
-              </a:solidFill>
-              <a:latin typeface="Arial"/>
-            </a:endParaRPr>
-          </a:p>
-        </p:txBody>
-      </p:sp>
-      <p:sp>
-        <p:nvSpPr>
-          <p:cNvPr id="156" name="PlaceHolder 2"/>
+              <a:latin typeface="Arial"/>
+            </a:endParaRPr>
+          </a:p>
+        </p:txBody>
+      </p:sp>
+      <p:sp>
+        <p:nvSpPr>
+          <p:cNvPr id="114" name="PlaceHolder 2"/>
           <p:cNvSpPr>
             <a:spLocks noGrp="1"/>
           </p:cNvSpPr>
@@ -8059,18 +5345,18 @@
         <p:spPr>
           <a:xfrm>
             <a:off x="729360" y="2079000"/>
-            <a:ext cx="7688520" cy="2260800"/>
-          </a:xfrm>
-          <a:prstGeom prst="rect">
-            <a:avLst/>
-          </a:prstGeom>
-          <a:noFill/>
-          <a:ln w="0">
-            <a:noFill/>
-          </a:ln>
-        </p:spPr>
-        <p:txBody>
-          <a:bodyPr tIns="91440" bIns="91440" anchor="t">
+            <a:ext cx="7688160" cy="2260440"/>
+          </a:xfrm>
+          <a:prstGeom prst="rect">
+            <a:avLst/>
+          </a:prstGeom>
+          <a:noFill/>
+          <a:ln w="0">
+            <a:noFill/>
+          </a:ln>
+        </p:spPr>
+        <p:txBody>
+          <a:bodyPr lIns="0" rIns="0" tIns="91440" bIns="91440" anchor="t">
             <a:normAutofit/>
           </a:bodyPr>
           <a:p>
@@ -8094,9 +5380,6 @@
               <a:t>Ключевая мысль в том, что алгоритм по заданным параметрам присваивает каждому из наших объектов определённую метку:</a:t>
             </a:r>
             <a:endParaRPr b="0" lang="en-US" sz="1300" spc="-1" strike="noStrike">
-              <a:solidFill>
-                <a:srgbClr val="000000"/>
-              </a:solidFill>
               <a:latin typeface="Arial"/>
             </a:endParaRPr>
           </a:p>
@@ -8111,7 +5394,7 @@
               <a:buClr>
                 <a:srgbClr val="595959"/>
               </a:buClr>
-              <a:buFont typeface="Lato"/>
+              <a:buFont typeface="StarSymbol"/>
               <a:buAutoNum type="arabicPeriod"/>
               <a:tabLst>
                 <a:tab algn="l" pos="0"/>
@@ -8128,9 +5411,6 @@
               <a:t>Noise</a:t>
             </a:r>
             <a:endParaRPr b="0" lang="en-US" sz="1300" spc="-1" strike="noStrike">
-              <a:solidFill>
-                <a:srgbClr val="000000"/>
-              </a:solidFill>
               <a:latin typeface="Arial"/>
             </a:endParaRPr>
           </a:p>
@@ -8142,7 +5422,7 @@
               <a:buClr>
                 <a:srgbClr val="595959"/>
               </a:buClr>
-              <a:buFont typeface="Lato"/>
+              <a:buFont typeface="StarSymbol"/>
               <a:buAutoNum type="arabicPeriod"/>
               <a:tabLst>
                 <a:tab algn="l" pos="0"/>
@@ -8159,9 +5439,6 @@
               <a:t>Edge</a:t>
             </a:r>
             <a:endParaRPr b="0" lang="en-US" sz="1300" spc="-1" strike="noStrike">
-              <a:solidFill>
-                <a:srgbClr val="000000"/>
-              </a:solidFill>
               <a:latin typeface="Arial"/>
             </a:endParaRPr>
           </a:p>
@@ -8173,7 +5450,7 @@
               <a:buClr>
                 <a:srgbClr val="595959"/>
               </a:buClr>
-              <a:buFont typeface="Lato"/>
+              <a:buFont typeface="StarSymbol"/>
               <a:buAutoNum type="arabicPeriod"/>
               <a:tabLst>
                 <a:tab algn="l" pos="0"/>
@@ -8190,9 +5467,6 @@
               <a:t>Core</a:t>
             </a:r>
             <a:endParaRPr b="0" lang="en-US" sz="1300" spc="-1" strike="noStrike">
-              <a:solidFill>
-                <a:srgbClr val="000000"/>
-              </a:solidFill>
               <a:latin typeface="Arial"/>
             </a:endParaRPr>
           </a:p>
@@ -8230,7 +5504,7 @@
       </p:grpSpPr>
       <p:sp>
         <p:nvSpPr>
-          <p:cNvPr id="157" name="PlaceHolder 1"/>
+          <p:cNvPr id="115" name="PlaceHolder 1"/>
           <p:cNvSpPr>
             <a:spLocks noGrp="1"/>
           </p:cNvSpPr>
@@ -8241,18 +5515,18 @@
         <p:spPr>
           <a:xfrm>
             <a:off x="729360" y="1318680"/>
-            <a:ext cx="7688520" cy="534960"/>
-          </a:xfrm>
-          <a:prstGeom prst="rect">
-            <a:avLst/>
-          </a:prstGeom>
-          <a:noFill/>
-          <a:ln w="0">
-            <a:noFill/>
-          </a:ln>
-        </p:spPr>
-        <p:txBody>
-          <a:bodyPr tIns="91440" bIns="91440" anchor="t">
+            <a:ext cx="7688160" cy="534600"/>
+          </a:xfrm>
+          <a:prstGeom prst="rect">
+            <a:avLst/>
+          </a:prstGeom>
+          <a:noFill/>
+          <a:ln w="0">
+            <a:noFill/>
+          </a:ln>
+        </p:spPr>
+        <p:txBody>
+          <a:bodyPr lIns="0" rIns="0" tIns="91440" bIns="91440" anchor="t">
             <a:normAutofit fontScale="88000"/>
           </a:bodyPr>
           <a:p>
@@ -8276,17 +5550,14 @@
               <a:t>Гиперпараметры:</a:t>
             </a:r>
             <a:endParaRPr b="0" lang="en-US" sz="2600" spc="-1" strike="noStrike">
-              <a:solidFill>
-                <a:srgbClr val="000000"/>
-              </a:solidFill>
-              <a:latin typeface="Arial"/>
-            </a:endParaRPr>
-          </a:p>
-        </p:txBody>
-      </p:sp>
-      <p:sp>
-        <p:nvSpPr>
-          <p:cNvPr id="158" name="PlaceHolder 2"/>
+              <a:latin typeface="Arial"/>
+            </a:endParaRPr>
+          </a:p>
+        </p:txBody>
+      </p:sp>
+      <p:sp>
+        <p:nvSpPr>
+          <p:cNvPr id="116" name="PlaceHolder 2"/>
           <p:cNvSpPr>
             <a:spLocks noGrp="1"/>
           </p:cNvSpPr>
@@ -8297,18 +5568,18 @@
         <p:spPr>
           <a:xfrm>
             <a:off x="729360" y="2079000"/>
-            <a:ext cx="7688520" cy="2260800"/>
-          </a:xfrm>
-          <a:prstGeom prst="rect">
-            <a:avLst/>
-          </a:prstGeom>
-          <a:noFill/>
-          <a:ln w="0">
-            <a:noFill/>
-          </a:ln>
-        </p:spPr>
-        <p:txBody>
-          <a:bodyPr tIns="91440" bIns="91440" anchor="t">
+            <a:ext cx="7688160" cy="2260440"/>
+          </a:xfrm>
+          <a:prstGeom prst="rect">
+            <a:avLst/>
+          </a:prstGeom>
+          <a:noFill/>
+          <a:ln w="0">
+            <a:noFill/>
+          </a:ln>
+        </p:spPr>
+        <p:txBody>
+          <a:bodyPr lIns="0" rIns="0" tIns="91440" bIns="91440" anchor="t">
             <a:normAutofit/>
           </a:bodyPr>
           <a:p>
@@ -8319,7 +5590,7 @@
               <a:buClr>
                 <a:srgbClr val="595959"/>
               </a:buClr>
-              <a:buFont typeface="Lato"/>
+              <a:buFont typeface="StarSymbol"/>
               <a:buAutoNum type="arabicPeriod"/>
             </a:pPr>
             <a:r>
@@ -8333,9 +5604,6 @@
               <a:t>eps</a:t>
             </a:r>
             <a:endParaRPr b="0" lang="en-US" sz="1300" spc="-1" strike="noStrike">
-              <a:solidFill>
-                <a:srgbClr val="000000"/>
-              </a:solidFill>
               <a:latin typeface="Arial"/>
             </a:endParaRPr>
           </a:p>
@@ -8347,7 +5615,7 @@
               <a:buClr>
                 <a:srgbClr val="595959"/>
               </a:buClr>
-              <a:buFont typeface="Lato"/>
+              <a:buFont typeface="StarSymbol"/>
               <a:buAutoNum type="arabicPeriod"/>
             </a:pPr>
             <a:r>
@@ -8361,9 +5629,6 @@
               <a:t>min_samples</a:t>
             </a:r>
             <a:endParaRPr b="0" lang="en-US" sz="1300" spc="-1" strike="noStrike">
-              <a:solidFill>
-                <a:srgbClr val="000000"/>
-              </a:solidFill>
               <a:latin typeface="Arial"/>
             </a:endParaRPr>
           </a:p>
@@ -8375,7 +5640,7 @@
               <a:buClr>
                 <a:srgbClr val="595959"/>
               </a:buClr>
-              <a:buFont typeface="Lato"/>
+              <a:buFont typeface="StarSymbol"/>
               <a:buAutoNum type="arabicPeriod"/>
             </a:pPr>
             <a:r>
@@ -8389,9 +5654,6 @@
               <a:t>+ distance</a:t>
             </a:r>
             <a:endParaRPr b="0" lang="en-US" sz="1300" spc="-1" strike="noStrike">
-              <a:solidFill>
-                <a:srgbClr val="000000"/>
-              </a:solidFill>
               <a:latin typeface="Arial"/>
             </a:endParaRPr>
           </a:p>
@@ -8429,7 +5691,7 @@
       </p:grpSpPr>
       <p:sp>
         <p:nvSpPr>
-          <p:cNvPr id="159" name="PlaceHolder 1"/>
+          <p:cNvPr id="117" name="PlaceHolder 1"/>
           <p:cNvSpPr>
             <a:spLocks noGrp="1"/>
           </p:cNvSpPr>
@@ -8440,19 +5702,19 @@
         <p:spPr>
           <a:xfrm>
             <a:off x="729360" y="1318680"/>
-            <a:ext cx="7688520" cy="534960"/>
-          </a:xfrm>
-          <a:prstGeom prst="rect">
-            <a:avLst/>
-          </a:prstGeom>
-          <a:noFill/>
-          <a:ln w="0">
-            <a:noFill/>
-          </a:ln>
-        </p:spPr>
-        <p:txBody>
-          <a:bodyPr tIns="91440" bIns="91440" anchor="t">
-            <a:normAutofit fontScale="86000"/>
+            <a:ext cx="7688160" cy="534600"/>
+          </a:xfrm>
+          <a:prstGeom prst="rect">
+            <a:avLst/>
+          </a:prstGeom>
+          <a:noFill/>
+          <a:ln w="0">
+            <a:noFill/>
+          </a:ln>
+        </p:spPr>
+        <p:txBody>
+          <a:bodyPr lIns="0" rIns="0" tIns="91440" bIns="91440" anchor="t">
+            <a:normAutofit fontScale="87000"/>
           </a:bodyPr>
           <a:p>
             <a:pPr>
@@ -8475,17 +5737,14 @@
               <a:t>Немножко обсудим как это будет работать…</a:t>
             </a:r>
             <a:endParaRPr b="0" lang="en-US" sz="2600" spc="-1" strike="noStrike">
-              <a:solidFill>
-                <a:srgbClr val="000000"/>
-              </a:solidFill>
-              <a:latin typeface="Arial"/>
-            </a:endParaRPr>
-          </a:p>
-        </p:txBody>
-      </p:sp>
-      <p:sp>
-        <p:nvSpPr>
-          <p:cNvPr id="160" name="PlaceHolder 2"/>
+              <a:latin typeface="Arial"/>
+            </a:endParaRPr>
+          </a:p>
+        </p:txBody>
+      </p:sp>
+      <p:sp>
+        <p:nvSpPr>
+          <p:cNvPr id="118" name="PlaceHolder 2"/>
           <p:cNvSpPr>
             <a:spLocks noGrp="1"/>
           </p:cNvSpPr>
@@ -8496,25 +5755,22 @@
         <p:spPr>
           <a:xfrm>
             <a:off x="729360" y="2079000"/>
-            <a:ext cx="7688520" cy="2260800"/>
-          </a:xfrm>
-          <a:prstGeom prst="rect">
-            <a:avLst/>
-          </a:prstGeom>
-          <a:noFill/>
-          <a:ln w="0">
-            <a:noFill/>
-          </a:ln>
-        </p:spPr>
-        <p:txBody>
-          <a:bodyPr tIns="91440" bIns="91440" anchor="t">
+            <a:ext cx="7688160" cy="2260440"/>
+          </a:xfrm>
+          <a:prstGeom prst="rect">
+            <a:avLst/>
+          </a:prstGeom>
+          <a:noFill/>
+          <a:ln w="0">
+            <a:noFill/>
+          </a:ln>
+        </p:spPr>
+        <p:txBody>
+          <a:bodyPr lIns="0" rIns="0" tIns="91440" bIns="91440" anchor="t">
             <a:normAutofit/>
           </a:bodyPr>
           <a:p>
-            <a:endParaRPr b="0" lang="en-US" sz="1400" spc="-1" strike="noStrike">
-              <a:solidFill>
-                <a:srgbClr val="000000"/>
-              </a:solidFill>
+            <a:endParaRPr b="0" lang="en-US" sz="3200" spc="-1" strike="noStrike">
               <a:latin typeface="Arial"/>
             </a:endParaRPr>
           </a:p>
@@ -8522,7 +5778,7 @@
       </p:sp>
       <p:pic>
         <p:nvPicPr>
-          <p:cNvPr id="161" name="Google Shape;212;p33" descr=""/>
+          <p:cNvPr id="119" name="Google Shape;212;p33" descr=""/>
           <p:cNvPicPr/>
           <p:nvPr/>
         </p:nvPicPr>
@@ -8533,7 +5789,7 @@
         <p:spPr>
           <a:xfrm>
             <a:off x="699840" y="1961280"/>
-            <a:ext cx="5189400" cy="3076200"/>
+            <a:ext cx="5189040" cy="3075840"/>
           </a:xfrm>
           <a:prstGeom prst="rect">
             <a:avLst/>
@@ -8575,7 +5831,7 @@
       </p:grpSpPr>
       <p:sp>
         <p:nvSpPr>
-          <p:cNvPr id="162" name="PlaceHolder 1"/>
+          <p:cNvPr id="120" name="PlaceHolder 1"/>
           <p:cNvSpPr>
             <a:spLocks noGrp="1"/>
           </p:cNvSpPr>
@@ -8586,18 +5842,18 @@
         <p:spPr>
           <a:xfrm>
             <a:off x="729360" y="1318680"/>
-            <a:ext cx="7688520" cy="534960"/>
-          </a:xfrm>
-          <a:prstGeom prst="rect">
-            <a:avLst/>
-          </a:prstGeom>
-          <a:noFill/>
-          <a:ln w="0">
-            <a:noFill/>
-          </a:ln>
-        </p:spPr>
-        <p:txBody>
-          <a:bodyPr tIns="91440" bIns="91440" anchor="t">
+            <a:ext cx="7688160" cy="534600"/>
+          </a:xfrm>
+          <a:prstGeom prst="rect">
+            <a:avLst/>
+          </a:prstGeom>
+          <a:noFill/>
+          <a:ln w="0">
+            <a:noFill/>
+          </a:ln>
+        </p:spPr>
+        <p:txBody>
+          <a:bodyPr lIns="0" rIns="0" tIns="91440" bIns="91440" anchor="t">
             <a:normAutofit fontScale="88000"/>
           </a:bodyPr>
           <a:p>
@@ -8621,17 +5877,14 @@
               <a:t>Преимущества</a:t>
             </a:r>
             <a:endParaRPr b="0" lang="en-US" sz="2600" spc="-1" strike="noStrike">
-              <a:solidFill>
-                <a:srgbClr val="000000"/>
-              </a:solidFill>
-              <a:latin typeface="Arial"/>
-            </a:endParaRPr>
-          </a:p>
-        </p:txBody>
-      </p:sp>
-      <p:sp>
-        <p:nvSpPr>
-          <p:cNvPr id="163" name="PlaceHolder 2"/>
+              <a:latin typeface="Arial"/>
+            </a:endParaRPr>
+          </a:p>
+        </p:txBody>
+      </p:sp>
+      <p:sp>
+        <p:nvSpPr>
+          <p:cNvPr id="121" name="PlaceHolder 2"/>
           <p:cNvSpPr>
             <a:spLocks noGrp="1"/>
           </p:cNvSpPr>
@@ -8642,18 +5895,18 @@
         <p:spPr>
           <a:xfrm>
             <a:off x="729360" y="2079000"/>
-            <a:ext cx="7688520" cy="2260800"/>
-          </a:xfrm>
-          <a:prstGeom prst="rect">
-            <a:avLst/>
-          </a:prstGeom>
-          <a:noFill/>
-          <a:ln w="0">
-            <a:noFill/>
-          </a:ln>
-        </p:spPr>
-        <p:txBody>
-          <a:bodyPr tIns="91440" bIns="91440" anchor="t">
+            <a:ext cx="7688160" cy="2260440"/>
+          </a:xfrm>
+          <a:prstGeom prst="rect">
+            <a:avLst/>
+          </a:prstGeom>
+          <a:noFill/>
+          <a:ln w="0">
+            <a:noFill/>
+          </a:ln>
+        </p:spPr>
+        <p:txBody>
+          <a:bodyPr lIns="0" rIns="0" tIns="91440" bIns="91440" anchor="t">
             <a:normAutofit/>
           </a:bodyPr>
           <a:p>
@@ -8678,9 +5931,6 @@
               <a:t>Не требует задавать число кластеров</a:t>
             </a:r>
             <a:endParaRPr b="0" lang="en-US" sz="1300" spc="-1" strike="noStrike">
-              <a:solidFill>
-                <a:srgbClr val="000000"/>
-              </a:solidFill>
               <a:latin typeface="Arial"/>
             </a:endParaRPr>
           </a:p>
@@ -8706,9 +5956,6 @@
               <a:t>Определяет кластеры сложной структуры в том числе и вложенные</a:t>
             </a:r>
             <a:endParaRPr b="0" lang="en-US" sz="1300" spc="-1" strike="noStrike">
-              <a:solidFill>
-                <a:srgbClr val="000000"/>
-              </a:solidFill>
               <a:latin typeface="Arial"/>
             </a:endParaRPr>
           </a:p>
@@ -8734,9 +5981,6 @@
               <a:t>С помощью этого алгоритма можно и нужно детектить выбросы</a:t>
             </a:r>
             <a:endParaRPr b="0" lang="en-US" sz="1300" spc="-1" strike="noStrike">
-              <a:solidFill>
-                <a:srgbClr val="000000"/>
-              </a:solidFill>
               <a:latin typeface="Arial"/>
             </a:endParaRPr>
           </a:p>
@@ -8774,7 +6018,7 @@
       </p:grpSpPr>
       <p:sp>
         <p:nvSpPr>
-          <p:cNvPr id="164" name="PlaceHolder 1"/>
+          <p:cNvPr id="122" name="PlaceHolder 1"/>
           <p:cNvSpPr>
             <a:spLocks noGrp="1"/>
           </p:cNvSpPr>
@@ -8785,18 +6029,18 @@
         <p:spPr>
           <a:xfrm>
             <a:off x="729360" y="1318680"/>
-            <a:ext cx="7688520" cy="534960"/>
-          </a:xfrm>
-          <a:prstGeom prst="rect">
-            <a:avLst/>
-          </a:prstGeom>
-          <a:noFill/>
-          <a:ln w="0">
-            <a:noFill/>
-          </a:ln>
-        </p:spPr>
-        <p:txBody>
-          <a:bodyPr tIns="91440" bIns="91440" anchor="t">
+            <a:ext cx="7688160" cy="534600"/>
+          </a:xfrm>
+          <a:prstGeom prst="rect">
+            <a:avLst/>
+          </a:prstGeom>
+          <a:noFill/>
+          <a:ln w="0">
+            <a:noFill/>
+          </a:ln>
+        </p:spPr>
+        <p:txBody>
+          <a:bodyPr lIns="0" rIns="0" tIns="91440" bIns="91440" anchor="t">
             <a:normAutofit fontScale="88000"/>
           </a:bodyPr>
           <a:p>
@@ -8820,17 +6064,14 @@
               <a:t>Недостатки</a:t>
             </a:r>
             <a:endParaRPr b="0" lang="en-US" sz="2600" spc="-1" strike="noStrike">
-              <a:solidFill>
-                <a:srgbClr val="000000"/>
-              </a:solidFill>
-              <a:latin typeface="Arial"/>
-            </a:endParaRPr>
-          </a:p>
-        </p:txBody>
-      </p:sp>
-      <p:sp>
-        <p:nvSpPr>
-          <p:cNvPr id="165" name="PlaceHolder 2"/>
+              <a:latin typeface="Arial"/>
+            </a:endParaRPr>
+          </a:p>
+        </p:txBody>
+      </p:sp>
+      <p:sp>
+        <p:nvSpPr>
+          <p:cNvPr id="123" name="PlaceHolder 2"/>
           <p:cNvSpPr>
             <a:spLocks noGrp="1"/>
           </p:cNvSpPr>
@@ -8841,18 +6082,18 @@
         <p:spPr>
           <a:xfrm>
             <a:off x="729360" y="2079000"/>
-            <a:ext cx="7688520" cy="2260800"/>
-          </a:xfrm>
-          <a:prstGeom prst="rect">
-            <a:avLst/>
-          </a:prstGeom>
-          <a:noFill/>
-          <a:ln w="0">
-            <a:noFill/>
-          </a:ln>
-        </p:spPr>
-        <p:txBody>
-          <a:bodyPr tIns="91440" bIns="91440" anchor="t">
+            <a:ext cx="7688160" cy="2260440"/>
+          </a:xfrm>
+          <a:prstGeom prst="rect">
+            <a:avLst/>
+          </a:prstGeom>
+          <a:noFill/>
+          <a:ln w="0">
+            <a:noFill/>
+          </a:ln>
+        </p:spPr>
+        <p:txBody>
+          <a:bodyPr lIns="0" rIns="0" tIns="91440" bIns="91440" anchor="t">
             <a:normAutofit/>
           </a:bodyPr>
           <a:p>
@@ -8863,7 +6104,7 @@
               <a:buClr>
                 <a:srgbClr val="595959"/>
               </a:buClr>
-              <a:buFont typeface="Lato"/>
+              <a:buFont typeface="StarSymbol"/>
               <a:buAutoNum type="arabicPeriod"/>
             </a:pPr>
             <a:r>
@@ -8877,9 +6118,6 @@
               <a:t>Сложно назвать это недостатком, но он не определяет центр кластера</a:t>
             </a:r>
             <a:endParaRPr b="0" lang="en-US" sz="1300" spc="-1" strike="noStrike">
-              <a:solidFill>
-                <a:srgbClr val="000000"/>
-              </a:solidFill>
               <a:latin typeface="Arial"/>
             </a:endParaRPr>
           </a:p>
@@ -8891,7 +6129,7 @@
               <a:buClr>
                 <a:srgbClr val="595959"/>
               </a:buClr>
-              <a:buFont typeface="Lato"/>
+              <a:buFont typeface="StarSymbol"/>
               <a:buAutoNum type="arabicPeriod"/>
             </a:pPr>
             <a:r>
@@ -8905,9 +6143,6 @@
               <a:t>Другая неприятность заключается в том, что кластеры могут сливаться или в них могут образовываться дырки</a:t>
             </a:r>
             <a:endParaRPr b="0" lang="en-US" sz="1300" spc="-1" strike="noStrike">
-              <a:solidFill>
-                <a:srgbClr val="000000"/>
-              </a:solidFill>
               <a:latin typeface="Arial"/>
             </a:endParaRPr>
           </a:p>
@@ -8919,7 +6154,7 @@
               <a:buClr>
                 <a:srgbClr val="595959"/>
               </a:buClr>
-              <a:buFont typeface="Lato"/>
+              <a:buFont typeface="StarSymbol"/>
               <a:buAutoNum type="arabicPeriod"/>
             </a:pPr>
             <a:r>
@@ -8933,9 +6168,6 @@
               <a:t>Достаточно сложно подобрать оптимальные гиперпараметры</a:t>
             </a:r>
             <a:endParaRPr b="0" lang="en-US" sz="1300" spc="-1" strike="noStrike">
-              <a:solidFill>
-                <a:srgbClr val="000000"/>
-              </a:solidFill>
               <a:latin typeface="Arial"/>
             </a:endParaRPr>
           </a:p>
@@ -8953,9 +6185,6 @@
               </a:tabLst>
             </a:pPr>
             <a:endParaRPr b="0" lang="en-US" sz="1300" spc="-1" strike="noStrike">
-              <a:solidFill>
-                <a:srgbClr val="000000"/>
-              </a:solidFill>
               <a:latin typeface="Arial"/>
             </a:endParaRPr>
           </a:p>
@@ -8986,9 +6215,6 @@
               <a:t>Хорошая новость заключается в том, что у этого алгоритма есть много, вариаций и они очень даже широко используются в анализе биологических данных</a:t>
             </a:r>
             <a:endParaRPr b="0" lang="en-US" sz="1300" spc="-1" strike="noStrike">
-              <a:solidFill>
-                <a:srgbClr val="000000"/>
-              </a:solidFill>
               <a:latin typeface="Arial"/>
             </a:endParaRPr>
           </a:p>
@@ -9026,7 +6252,7 @@
       </p:grpSpPr>
       <p:sp>
         <p:nvSpPr>
-          <p:cNvPr id="166" name="PlaceHolder 1"/>
+          <p:cNvPr id="124" name="PlaceHolder 1"/>
           <p:cNvSpPr>
             <a:spLocks noGrp="1"/>
           </p:cNvSpPr>
@@ -9037,18 +6263,18 @@
         <p:spPr>
           <a:xfrm>
             <a:off x="729360" y="1318680"/>
-            <a:ext cx="7688520" cy="534960"/>
-          </a:xfrm>
-          <a:prstGeom prst="rect">
-            <a:avLst/>
-          </a:prstGeom>
-          <a:noFill/>
-          <a:ln w="0">
-            <a:noFill/>
-          </a:ln>
-        </p:spPr>
-        <p:txBody>
-          <a:bodyPr tIns="91440" bIns="91440" anchor="t">
+            <a:ext cx="7688160" cy="534600"/>
+          </a:xfrm>
+          <a:prstGeom prst="rect">
+            <a:avLst/>
+          </a:prstGeom>
+          <a:noFill/>
+          <a:ln w="0">
+            <a:noFill/>
+          </a:ln>
+        </p:spPr>
+        <p:txBody>
+          <a:bodyPr lIns="0" rIns="0" tIns="91440" bIns="91440" anchor="t">
             <a:normAutofit fontScale="88000"/>
           </a:bodyPr>
           <a:p>
@@ -9072,17 +6298,14 @@
               <a:t>Metrics</a:t>
             </a:r>
             <a:endParaRPr b="0" lang="en-US" sz="2600" spc="-1" strike="noStrike">
-              <a:solidFill>
-                <a:srgbClr val="000000"/>
-              </a:solidFill>
-              <a:latin typeface="Arial"/>
-            </a:endParaRPr>
-          </a:p>
-        </p:txBody>
-      </p:sp>
-      <p:sp>
-        <p:nvSpPr>
-          <p:cNvPr id="167" name="PlaceHolder 2"/>
+              <a:latin typeface="Arial"/>
+            </a:endParaRPr>
+          </a:p>
+        </p:txBody>
+      </p:sp>
+      <p:sp>
+        <p:nvSpPr>
+          <p:cNvPr id="125" name="PlaceHolder 2"/>
           <p:cNvSpPr>
             <a:spLocks noGrp="1"/>
           </p:cNvSpPr>
@@ -9093,18 +6316,18 @@
         <p:spPr>
           <a:xfrm>
             <a:off x="729360" y="2079000"/>
-            <a:ext cx="7688520" cy="2260800"/>
-          </a:xfrm>
-          <a:prstGeom prst="rect">
-            <a:avLst/>
-          </a:prstGeom>
-          <a:noFill/>
-          <a:ln w="0">
-            <a:noFill/>
-          </a:ln>
-        </p:spPr>
-        <p:txBody>
-          <a:bodyPr tIns="91440" bIns="91440" anchor="t">
+            <a:ext cx="7688160" cy="2260440"/>
+          </a:xfrm>
+          <a:prstGeom prst="rect">
+            <a:avLst/>
+          </a:prstGeom>
+          <a:noFill/>
+          <a:ln w="0">
+            <a:noFill/>
+          </a:ln>
+        </p:spPr>
+        <p:txBody>
+          <a:bodyPr lIns="0" rIns="0" tIns="91440" bIns="91440" anchor="t">
             <a:normAutofit/>
           </a:bodyPr>
           <a:p>
@@ -9129,9 +6352,6 @@
               <a:t>Внешние</a:t>
             </a:r>
             <a:endParaRPr b="0" lang="en-US" sz="1300" spc="-1" strike="noStrike">
-              <a:solidFill>
-                <a:srgbClr val="000000"/>
-              </a:solidFill>
               <a:latin typeface="Arial"/>
             </a:endParaRPr>
           </a:p>
@@ -9157,9 +6377,6 @@
               <a:t>Внутренние</a:t>
             </a:r>
             <a:endParaRPr b="0" lang="en-US" sz="1300" spc="-1" strike="noStrike">
-              <a:solidFill>
-                <a:srgbClr val="000000"/>
-              </a:solidFill>
               <a:latin typeface="Arial"/>
             </a:endParaRPr>
           </a:p>
@@ -9197,7 +6414,7 @@
       </p:grpSpPr>
       <p:pic>
         <p:nvPicPr>
-          <p:cNvPr id="129" name="Google Shape;92;p14" descr=""/>
+          <p:cNvPr id="87" name="Google Shape;92;p14" descr=""/>
           <p:cNvPicPr/>
           <p:nvPr/>
         </p:nvPicPr>
@@ -9208,7 +6425,7 @@
         <p:spPr>
           <a:xfrm>
             <a:off x="2070360" y="563760"/>
-            <a:ext cx="4512600" cy="4512600"/>
+            <a:ext cx="4512240" cy="4512240"/>
           </a:xfrm>
           <a:prstGeom prst="rect">
             <a:avLst/>
@@ -9250,7 +6467,7 @@
       </p:grpSpPr>
       <p:sp>
         <p:nvSpPr>
-          <p:cNvPr id="168" name="PlaceHolder 1"/>
+          <p:cNvPr id="126" name="PlaceHolder 1"/>
           <p:cNvSpPr>
             <a:spLocks noGrp="1"/>
           </p:cNvSpPr>
@@ -9261,18 +6478,18 @@
         <p:spPr>
           <a:xfrm>
             <a:off x="729360" y="1318680"/>
-            <a:ext cx="7688520" cy="534960"/>
-          </a:xfrm>
-          <a:prstGeom prst="rect">
-            <a:avLst/>
-          </a:prstGeom>
-          <a:noFill/>
-          <a:ln w="0">
-            <a:noFill/>
-          </a:ln>
-        </p:spPr>
-        <p:txBody>
-          <a:bodyPr tIns="91440" bIns="91440" anchor="t">
+            <a:ext cx="7688160" cy="534600"/>
+          </a:xfrm>
+          <a:prstGeom prst="rect">
+            <a:avLst/>
+          </a:prstGeom>
+          <a:noFill/>
+          <a:ln w="0">
+            <a:noFill/>
+          </a:ln>
+        </p:spPr>
+        <p:txBody>
+          <a:bodyPr lIns="0" rIns="0" tIns="91440" bIns="91440" anchor="t">
             <a:normAutofit fontScale="88000"/>
           </a:bodyPr>
           <a:p>
@@ -9296,17 +6513,14 @@
               <a:t>Внутренние</a:t>
             </a:r>
             <a:endParaRPr b="0" lang="en-US" sz="2600" spc="-1" strike="noStrike">
-              <a:solidFill>
-                <a:srgbClr val="000000"/>
-              </a:solidFill>
-              <a:latin typeface="Arial"/>
-            </a:endParaRPr>
-          </a:p>
-        </p:txBody>
-      </p:sp>
-      <p:sp>
-        <p:nvSpPr>
-          <p:cNvPr id="169" name="PlaceHolder 2"/>
+              <a:latin typeface="Arial"/>
+            </a:endParaRPr>
+          </a:p>
+        </p:txBody>
+      </p:sp>
+      <p:sp>
+        <p:nvSpPr>
+          <p:cNvPr id="127" name="PlaceHolder 2"/>
           <p:cNvSpPr>
             <a:spLocks noGrp="1"/>
           </p:cNvSpPr>
@@ -9317,18 +6531,18 @@
         <p:spPr>
           <a:xfrm>
             <a:off x="729360" y="2079000"/>
-            <a:ext cx="7688520" cy="2260800"/>
-          </a:xfrm>
-          <a:prstGeom prst="rect">
-            <a:avLst/>
-          </a:prstGeom>
-          <a:noFill/>
-          <a:ln w="0">
-            <a:noFill/>
-          </a:ln>
-        </p:spPr>
-        <p:txBody>
-          <a:bodyPr tIns="91440" bIns="91440" anchor="t">
+            <a:ext cx="7688160" cy="2260440"/>
+          </a:xfrm>
+          <a:prstGeom prst="rect">
+            <a:avLst/>
+          </a:prstGeom>
+          <a:noFill/>
+          <a:ln w="0">
+            <a:noFill/>
+          </a:ln>
+        </p:spPr>
+        <p:txBody>
+          <a:bodyPr lIns="0" rIns="0" tIns="91440" bIns="91440" anchor="t">
             <a:normAutofit/>
           </a:bodyPr>
           <a:p>
@@ -9339,7 +6553,7 @@
               <a:buClr>
                 <a:srgbClr val="595959"/>
               </a:buClr>
-              <a:buFont typeface="Lato"/>
+              <a:buFont typeface="StarSymbol"/>
               <a:buAutoNum type="arabicPeriod"/>
             </a:pPr>
             <a:r>
@@ -9353,9 +6567,6 @@
               <a:t>Среднее внутрикластерное расстояние</a:t>
             </a:r>
             <a:endParaRPr b="0" lang="en-US" sz="1300" spc="-1" strike="noStrike">
-              <a:solidFill>
-                <a:srgbClr val="000000"/>
-              </a:solidFill>
               <a:latin typeface="Arial"/>
             </a:endParaRPr>
           </a:p>
@@ -9367,7 +6578,7 @@
               <a:buClr>
                 <a:srgbClr val="595959"/>
               </a:buClr>
-              <a:buFont typeface="Lato"/>
+              <a:buFont typeface="StarSymbol"/>
               <a:buAutoNum type="arabicPeriod"/>
             </a:pPr>
             <a:r>
@@ -9381,9 +6592,6 @@
               <a:t>Среднее межкластерное расстояние</a:t>
             </a:r>
             <a:endParaRPr b="0" lang="en-US" sz="1300" spc="-1" strike="noStrike">
-              <a:solidFill>
-                <a:srgbClr val="000000"/>
-              </a:solidFill>
               <a:latin typeface="Arial"/>
             </a:endParaRPr>
           </a:p>
@@ -9395,7 +6603,7 @@
               <a:buClr>
                 <a:srgbClr val="595959"/>
               </a:buClr>
-              <a:buFont typeface="Lato"/>
+              <a:buFont typeface="StarSymbol"/>
               <a:buAutoNum type="arabicPeriod"/>
             </a:pPr>
             <a:r>
@@ -9409,9 +6617,6 @@
               <a:t>Коэффициент силуета </a:t>
             </a:r>
             <a:endParaRPr b="0" lang="en-US" sz="1300" spc="-1" strike="noStrike">
-              <a:solidFill>
-                <a:srgbClr val="000000"/>
-              </a:solidFill>
               <a:latin typeface="Arial"/>
             </a:endParaRPr>
           </a:p>
@@ -9449,7 +6654,7 @@
       </p:grpSpPr>
       <p:sp>
         <p:nvSpPr>
-          <p:cNvPr id="170" name="PlaceHolder 1"/>
+          <p:cNvPr id="128" name="PlaceHolder 1"/>
           <p:cNvSpPr>
             <a:spLocks noGrp="1"/>
           </p:cNvSpPr>
@@ -9460,18 +6665,18 @@
         <p:spPr>
           <a:xfrm>
             <a:off x="729360" y="1318680"/>
-            <a:ext cx="7688520" cy="534960"/>
-          </a:xfrm>
-          <a:prstGeom prst="rect">
-            <a:avLst/>
-          </a:prstGeom>
-          <a:noFill/>
-          <a:ln w="0">
-            <a:noFill/>
-          </a:ln>
-        </p:spPr>
-        <p:txBody>
-          <a:bodyPr tIns="91440" bIns="91440" anchor="t">
+            <a:ext cx="7688160" cy="534600"/>
+          </a:xfrm>
+          <a:prstGeom prst="rect">
+            <a:avLst/>
+          </a:prstGeom>
+          <a:noFill/>
+          <a:ln w="0">
+            <a:noFill/>
+          </a:ln>
+        </p:spPr>
+        <p:txBody>
+          <a:bodyPr lIns="0" rIns="0" tIns="91440" bIns="91440" anchor="t">
             <a:normAutofit fontScale="88000"/>
           </a:bodyPr>
           <a:p>
@@ -9495,17 +6700,14 @@
               <a:t>Коэффициент силуета</a:t>
             </a:r>
             <a:endParaRPr b="0" lang="en-US" sz="2600" spc="-1" strike="noStrike">
-              <a:solidFill>
-                <a:srgbClr val="000000"/>
-              </a:solidFill>
-              <a:latin typeface="Arial"/>
-            </a:endParaRPr>
-          </a:p>
-        </p:txBody>
-      </p:sp>
-      <p:sp>
-        <p:nvSpPr>
-          <p:cNvPr id="171" name="PlaceHolder 2"/>
+              <a:latin typeface="Arial"/>
+            </a:endParaRPr>
+          </a:p>
+        </p:txBody>
+      </p:sp>
+      <p:sp>
+        <p:nvSpPr>
+          <p:cNvPr id="129" name="PlaceHolder 2"/>
           <p:cNvSpPr>
             <a:spLocks noGrp="1"/>
           </p:cNvSpPr>
@@ -9516,18 +6718,18 @@
         <p:spPr>
           <a:xfrm>
             <a:off x="565560" y="2930040"/>
-            <a:ext cx="6453000" cy="1433880"/>
-          </a:xfrm>
-          <a:prstGeom prst="rect">
-            <a:avLst/>
-          </a:prstGeom>
-          <a:noFill/>
-          <a:ln w="0">
-            <a:noFill/>
-          </a:ln>
-        </p:spPr>
-        <p:txBody>
-          <a:bodyPr tIns="91440" bIns="91440" anchor="t">
+            <a:ext cx="6452640" cy="1433520"/>
+          </a:xfrm>
+          <a:prstGeom prst="rect">
+            <a:avLst/>
+          </a:prstGeom>
+          <a:noFill/>
+          <a:ln w="0">
+            <a:noFill/>
+          </a:ln>
+        </p:spPr>
+        <p:txBody>
+          <a:bodyPr lIns="0" rIns="0" tIns="91440" bIns="91440" anchor="t">
             <a:normAutofit/>
           </a:bodyPr>
           <a:p>
@@ -9551,9 +6753,6 @@
               <a:t>b(i) -&gt; среднее расстояние между x_i и объектами ближайшего (другого) кластера</a:t>
             </a:r>
             <a:endParaRPr b="0" lang="en-US" sz="1300" spc="-1" strike="noStrike">
-              <a:solidFill>
-                <a:srgbClr val="000000"/>
-              </a:solidFill>
               <a:latin typeface="Arial"/>
             </a:endParaRPr>
           </a:p>
@@ -9584,9 +6783,6 @@
               <a:t>a(i) -&gt; среднее расстояние между x_i и объектами своего кластера</a:t>
             </a:r>
             <a:endParaRPr b="0" lang="en-US" sz="1300" spc="-1" strike="noStrike">
-              <a:solidFill>
-                <a:srgbClr val="000000"/>
-              </a:solidFill>
               <a:latin typeface="Arial"/>
             </a:endParaRPr>
           </a:p>
@@ -9594,7 +6790,7 @@
       </p:sp>
       <p:pic>
         <p:nvPicPr>
-          <p:cNvPr id="172" name="Google Shape;261;p41" descr=""/>
+          <p:cNvPr id="130" name="Google Shape;261;p41" descr=""/>
           <p:cNvPicPr/>
           <p:nvPr/>
         </p:nvPicPr>
@@ -9605,7 +6801,7 @@
         <p:spPr>
           <a:xfrm>
             <a:off x="729360" y="2079000"/>
-            <a:ext cx="2171520" cy="533160"/>
+            <a:ext cx="2171160" cy="532800"/>
           </a:xfrm>
           <a:prstGeom prst="rect">
             <a:avLst/>
@@ -9647,7 +6843,7 @@
       </p:grpSpPr>
       <p:sp>
         <p:nvSpPr>
-          <p:cNvPr id="173" name="PlaceHolder 1"/>
+          <p:cNvPr id="131" name="PlaceHolder 1"/>
           <p:cNvSpPr>
             <a:spLocks noGrp="1"/>
           </p:cNvSpPr>
@@ -9658,18 +6854,18 @@
         <p:spPr>
           <a:xfrm>
             <a:off x="729360" y="1318680"/>
-            <a:ext cx="7688520" cy="534960"/>
-          </a:xfrm>
-          <a:prstGeom prst="rect">
-            <a:avLst/>
-          </a:prstGeom>
-          <a:noFill/>
-          <a:ln w="0">
-            <a:noFill/>
-          </a:ln>
-        </p:spPr>
-        <p:txBody>
-          <a:bodyPr tIns="91440" bIns="91440" anchor="t">
+            <a:ext cx="7688160" cy="534600"/>
+          </a:xfrm>
+          <a:prstGeom prst="rect">
+            <a:avLst/>
+          </a:prstGeom>
+          <a:noFill/>
+          <a:ln w="0">
+            <a:noFill/>
+          </a:ln>
+        </p:spPr>
+        <p:txBody>
+          <a:bodyPr lIns="0" rIns="0" tIns="91440" bIns="91440" anchor="t">
             <a:normAutofit fontScale="88000"/>
           </a:bodyPr>
           <a:p>
@@ -9693,17 +6889,14 @@
               <a:t>Интепретация</a:t>
             </a:r>
             <a:endParaRPr b="0" lang="en-US" sz="2600" spc="-1" strike="noStrike">
-              <a:solidFill>
-                <a:srgbClr val="000000"/>
-              </a:solidFill>
-              <a:latin typeface="Arial"/>
-            </a:endParaRPr>
-          </a:p>
-        </p:txBody>
-      </p:sp>
-      <p:sp>
-        <p:nvSpPr>
-          <p:cNvPr id="174" name="PlaceHolder 2"/>
+              <a:latin typeface="Arial"/>
+            </a:endParaRPr>
+          </a:p>
+        </p:txBody>
+      </p:sp>
+      <p:sp>
+        <p:nvSpPr>
+          <p:cNvPr id="132" name="PlaceHolder 2"/>
           <p:cNvSpPr>
             <a:spLocks noGrp="1"/>
           </p:cNvSpPr>
@@ -9714,18 +6907,18 @@
         <p:spPr>
           <a:xfrm>
             <a:off x="729360" y="2079000"/>
-            <a:ext cx="7688520" cy="2260800"/>
-          </a:xfrm>
-          <a:prstGeom prst="rect">
-            <a:avLst/>
-          </a:prstGeom>
-          <a:noFill/>
-          <a:ln w="0">
-            <a:noFill/>
-          </a:ln>
-        </p:spPr>
-        <p:txBody>
-          <a:bodyPr tIns="91440" bIns="91440" anchor="t">
+            <a:ext cx="7688160" cy="2260440"/>
+          </a:xfrm>
+          <a:prstGeom prst="rect">
+            <a:avLst/>
+          </a:prstGeom>
+          <a:noFill/>
+          <a:ln w="0">
+            <a:noFill/>
+          </a:ln>
+        </p:spPr>
+        <p:txBody>
+          <a:bodyPr lIns="0" rIns="0" tIns="91440" bIns="91440" anchor="t">
             <a:normAutofit/>
           </a:bodyPr>
           <a:p>
@@ -9749,9 +6942,6 @@
               <a:t>Коэффициент силуэта, равный +1, указывает на то, что объект находится далеко от соседних кластеров.</a:t>
             </a:r>
             <a:endParaRPr b="0" lang="en-US" sz="1000" spc="-1" strike="noStrike">
-              <a:solidFill>
-                <a:srgbClr val="000000"/>
-              </a:solidFill>
               <a:latin typeface="Arial"/>
             </a:endParaRPr>
           </a:p>
@@ -9779,9 +6969,6 @@
               <a:t>Коэффициент силуэта, равный 0, указывает на то, что объект находится на границе принятия решения между двумя соседними кластерами или очень близко к ней.</a:t>
             </a:r>
             <a:endParaRPr b="0" lang="en-US" sz="1000" spc="-1" strike="noStrike">
-              <a:solidFill>
-                <a:srgbClr val="000000"/>
-              </a:solidFill>
               <a:latin typeface="Arial"/>
             </a:endParaRPr>
           </a:p>
@@ -9812,9 +6999,6 @@
               <a:t>Коэффициент силуэта &lt;0 указывает на то, что эти объекты, возможно, были отнесены к неправильному кластеру или являются выбросами.</a:t>
             </a:r>
             <a:endParaRPr b="0" lang="en-US" sz="1000" spc="-1" strike="noStrike">
-              <a:solidFill>
-                <a:srgbClr val="000000"/>
-              </a:solidFill>
               <a:latin typeface="Arial"/>
             </a:endParaRPr>
           </a:p>
@@ -9852,7 +7036,7 @@
       </p:grpSpPr>
       <p:sp>
         <p:nvSpPr>
-          <p:cNvPr id="175" name="PlaceHolder 1"/>
+          <p:cNvPr id="133" name="PlaceHolder 1"/>
           <p:cNvSpPr>
             <a:spLocks noGrp="1"/>
           </p:cNvSpPr>
@@ -9863,18 +7047,18 @@
         <p:spPr>
           <a:xfrm>
             <a:off x="729360" y="1318680"/>
-            <a:ext cx="7688520" cy="534960"/>
-          </a:xfrm>
-          <a:prstGeom prst="rect">
-            <a:avLst/>
-          </a:prstGeom>
-          <a:noFill/>
-          <a:ln w="0">
-            <a:noFill/>
-          </a:ln>
-        </p:spPr>
-        <p:txBody>
-          <a:bodyPr tIns="91440" bIns="91440" anchor="t">
+            <a:ext cx="7688160" cy="534600"/>
+          </a:xfrm>
+          <a:prstGeom prst="rect">
+            <a:avLst/>
+          </a:prstGeom>
+          <a:noFill/>
+          <a:ln w="0">
+            <a:noFill/>
+          </a:ln>
+        </p:spPr>
+        <p:txBody>
+          <a:bodyPr lIns="0" rIns="0" tIns="91440" bIns="91440" anchor="t">
             <a:normAutofit fontScale="88000"/>
           </a:bodyPr>
           <a:p>
@@ -9898,17 +7082,14 @@
               <a:t>Внешние</a:t>
             </a:r>
             <a:endParaRPr b="0" lang="en-US" sz="2600" spc="-1" strike="noStrike">
-              <a:solidFill>
-                <a:srgbClr val="000000"/>
-              </a:solidFill>
-              <a:latin typeface="Arial"/>
-            </a:endParaRPr>
-          </a:p>
-        </p:txBody>
-      </p:sp>
-      <p:sp>
-        <p:nvSpPr>
-          <p:cNvPr id="176" name="PlaceHolder 2"/>
+              <a:latin typeface="Arial"/>
+            </a:endParaRPr>
+          </a:p>
+        </p:txBody>
+      </p:sp>
+      <p:sp>
+        <p:nvSpPr>
+          <p:cNvPr id="134" name="PlaceHolder 2"/>
           <p:cNvSpPr>
             <a:spLocks noGrp="1"/>
           </p:cNvSpPr>
@@ -9919,18 +7100,18 @@
         <p:spPr>
           <a:xfrm>
             <a:off x="729360" y="2079000"/>
-            <a:ext cx="7688520" cy="2260800"/>
-          </a:xfrm>
-          <a:prstGeom prst="rect">
-            <a:avLst/>
-          </a:prstGeom>
-          <a:noFill/>
-          <a:ln w="0">
-            <a:noFill/>
-          </a:ln>
-        </p:spPr>
-        <p:txBody>
-          <a:bodyPr tIns="91440" bIns="91440" anchor="t">
+            <a:ext cx="7688160" cy="2260440"/>
+          </a:xfrm>
+          <a:prstGeom prst="rect">
+            <a:avLst/>
+          </a:prstGeom>
+          <a:noFill/>
+          <a:ln w="0">
+            <a:noFill/>
+          </a:ln>
+        </p:spPr>
+        <p:txBody>
+          <a:bodyPr lIns="0" rIns="0" tIns="91440" bIns="91440" anchor="t">
             <a:normAutofit/>
           </a:bodyPr>
           <a:p>
@@ -9941,7 +7122,7 @@
               <a:buClr>
                 <a:srgbClr val="595959"/>
               </a:buClr>
-              <a:buFont typeface="Lato"/>
+              <a:buFont typeface="StarSymbol"/>
               <a:buAutoNum type="arabicPeriod"/>
             </a:pPr>
             <a:r>
@@ -9955,9 +7136,6 @@
               <a:t>Гомогенность</a:t>
             </a:r>
             <a:endParaRPr b="0" lang="en-US" sz="1300" spc="-1" strike="noStrike">
-              <a:solidFill>
-                <a:srgbClr val="000000"/>
-              </a:solidFill>
               <a:latin typeface="Arial"/>
             </a:endParaRPr>
           </a:p>
@@ -9969,7 +7147,7 @@
               <a:buClr>
                 <a:srgbClr val="595959"/>
               </a:buClr>
-              <a:buFont typeface="Lato"/>
+              <a:buFont typeface="StarSymbol"/>
               <a:buAutoNum type="arabicPeriod"/>
             </a:pPr>
             <a:r>
@@ -9983,9 +7161,6 @@
               <a:t>Полнота</a:t>
             </a:r>
             <a:endParaRPr b="0" lang="en-US" sz="1300" spc="-1" strike="noStrike">
-              <a:solidFill>
-                <a:srgbClr val="000000"/>
-              </a:solidFill>
               <a:latin typeface="Arial"/>
             </a:endParaRPr>
           </a:p>
@@ -9997,7 +7172,7 @@
               <a:buClr>
                 <a:srgbClr val="595959"/>
               </a:buClr>
-              <a:buFont typeface="Lato"/>
+              <a:buFont typeface="StarSymbol"/>
               <a:buAutoNum type="arabicPeriod"/>
             </a:pPr>
             <a:r>
@@ -10011,9 +7186,6 @@
               <a:t>V- мера</a:t>
             </a:r>
             <a:endParaRPr b="0" lang="en-US" sz="1300" spc="-1" strike="noStrike">
-              <a:solidFill>
-                <a:srgbClr val="000000"/>
-              </a:solidFill>
               <a:latin typeface="Arial"/>
             </a:endParaRPr>
           </a:p>
@@ -10051,7 +7223,7 @@
       </p:grpSpPr>
       <p:sp>
         <p:nvSpPr>
-          <p:cNvPr id="177" name="PlaceHolder 1"/>
+          <p:cNvPr id="135" name="PlaceHolder 1"/>
           <p:cNvSpPr>
             <a:spLocks noGrp="1"/>
           </p:cNvSpPr>
@@ -10061,20 +7233,20 @@
         </p:nvSpPr>
         <p:spPr>
           <a:xfrm rot="10800000">
-            <a:off x="5860080" y="492120"/>
-            <a:ext cx="1993680" cy="848160"/>
-          </a:xfrm>
-          <a:prstGeom prst="rect">
-            <a:avLst/>
-          </a:prstGeom>
-          <a:noFill/>
-          <a:ln w="0">
-            <a:noFill/>
-          </a:ln>
-        </p:spPr>
-        <p:txBody>
-          <a:bodyPr tIns="91440" bIns="91440" anchor="t">
-            <a:normAutofit fontScale="85000"/>
+            <a:off x="5860440" y="492120"/>
+            <a:ext cx="1993320" cy="847800"/>
+          </a:xfrm>
+          <a:prstGeom prst="rect">
+            <a:avLst/>
+          </a:prstGeom>
+          <a:noFill/>
+          <a:ln w="0">
+            <a:noFill/>
+          </a:ln>
+        </p:spPr>
+        <p:txBody>
+          <a:bodyPr lIns="0" rIns="0" tIns="91440" bIns="91440" anchor="t">
+            <a:normAutofit fontScale="91000"/>
           </a:bodyPr>
           <a:p>
             <a:pPr>
@@ -10097,9 +7269,6 @@
               <a:t>Отдыхайте</a:t>
             </a:r>
             <a:endParaRPr b="0" lang="en-US" sz="2600" spc="-1" strike="noStrike">
-              <a:solidFill>
-                <a:srgbClr val="000000"/>
-              </a:solidFill>
               <a:latin typeface="Arial"/>
             </a:endParaRPr>
           </a:p>
@@ -10107,7 +7276,7 @@
       </p:sp>
       <p:pic>
         <p:nvPicPr>
-          <p:cNvPr id="178" name="Google Shape;374;p56" descr=""/>
+          <p:cNvPr id="136" name="Google Shape;374;p56" descr=""/>
           <p:cNvPicPr/>
           <p:nvPr/>
         </p:nvPicPr>
@@ -10118,7 +7287,7 @@
         <p:spPr>
           <a:xfrm>
             <a:off x="465480" y="0"/>
-            <a:ext cx="5143320" cy="5143320"/>
+            <a:ext cx="5142960" cy="5142960"/>
           </a:xfrm>
           <a:prstGeom prst="rect">
             <a:avLst/>
@@ -10160,7 +7329,7 @@
       </p:grpSpPr>
       <p:sp>
         <p:nvSpPr>
-          <p:cNvPr id="130" name="PlaceHolder 1"/>
+          <p:cNvPr id="88" name="PlaceHolder 1"/>
           <p:cNvSpPr>
             <a:spLocks noGrp="1"/>
           </p:cNvSpPr>
@@ -10171,18 +7340,18 @@
         <p:spPr>
           <a:xfrm>
             <a:off x="729360" y="1318680"/>
-            <a:ext cx="7688520" cy="534960"/>
-          </a:xfrm>
-          <a:prstGeom prst="rect">
-            <a:avLst/>
-          </a:prstGeom>
-          <a:noFill/>
-          <a:ln w="0">
-            <a:noFill/>
-          </a:ln>
-        </p:spPr>
-        <p:txBody>
-          <a:bodyPr tIns="91440" bIns="91440" anchor="t">
+            <a:ext cx="7688160" cy="534600"/>
+          </a:xfrm>
+          <a:prstGeom prst="rect">
+            <a:avLst/>
+          </a:prstGeom>
+          <a:noFill/>
+          <a:ln w="0">
+            <a:noFill/>
+          </a:ln>
+        </p:spPr>
+        <p:txBody>
+          <a:bodyPr lIns="0" rIns="0" tIns="91440" bIns="91440" anchor="t">
             <a:normAutofit fontScale="88000"/>
           </a:bodyPr>
           <a:p>
@@ -10206,17 +7375,14 @@
               <a:t>Метрики расстояния </a:t>
             </a:r>
             <a:endParaRPr b="0" lang="en-US" sz="2600" spc="-1" strike="noStrike">
-              <a:solidFill>
-                <a:srgbClr val="000000"/>
-              </a:solidFill>
-              <a:latin typeface="Arial"/>
-            </a:endParaRPr>
-          </a:p>
-        </p:txBody>
-      </p:sp>
-      <p:sp>
-        <p:nvSpPr>
-          <p:cNvPr id="131" name="PlaceHolder 2"/>
+              <a:latin typeface="Arial"/>
+            </a:endParaRPr>
+          </a:p>
+        </p:txBody>
+      </p:sp>
+      <p:sp>
+        <p:nvSpPr>
+          <p:cNvPr id="89" name="PlaceHolder 2"/>
           <p:cNvSpPr>
             <a:spLocks noGrp="1"/>
           </p:cNvSpPr>
@@ -10227,18 +7393,18 @@
         <p:spPr>
           <a:xfrm>
             <a:off x="727560" y="2083680"/>
-            <a:ext cx="7688520" cy="2260800"/>
-          </a:xfrm>
-          <a:prstGeom prst="rect">
-            <a:avLst/>
-          </a:prstGeom>
-          <a:noFill/>
-          <a:ln w="0">
-            <a:noFill/>
-          </a:ln>
-        </p:spPr>
-        <p:txBody>
-          <a:bodyPr tIns="91440" bIns="91440" anchor="t">
+            <a:ext cx="7688160" cy="2260440"/>
+          </a:xfrm>
+          <a:prstGeom prst="rect">
+            <a:avLst/>
+          </a:prstGeom>
+          <a:noFill/>
+          <a:ln w="0">
+            <a:noFill/>
+          </a:ln>
+        </p:spPr>
+        <p:txBody>
+          <a:bodyPr lIns="0" rIns="0" tIns="91440" bIns="91440" anchor="t">
             <a:normAutofit/>
           </a:bodyPr>
           <a:p>
@@ -10249,7 +7415,7 @@
               <a:buClr>
                 <a:srgbClr val="595959"/>
               </a:buClr>
-              <a:buFont typeface="Lato"/>
+              <a:buFont typeface="StarSymbol"/>
               <a:buAutoNum type="arabicPeriod"/>
             </a:pPr>
             <a:r>
@@ -10263,9 +7429,6 @@
               <a:t>Manhattan distance</a:t>
             </a:r>
             <a:endParaRPr b="0" lang="en-US" sz="1300" spc="-1" strike="noStrike">
-              <a:solidFill>
-                <a:srgbClr val="000000"/>
-              </a:solidFill>
               <a:latin typeface="Arial"/>
             </a:endParaRPr>
           </a:p>
@@ -10277,7 +7440,7 @@
               <a:buClr>
                 <a:srgbClr val="595959"/>
               </a:buClr>
-              <a:buFont typeface="Lato"/>
+              <a:buFont typeface="StarSymbol"/>
               <a:buAutoNum type="arabicPeriod"/>
             </a:pPr>
             <a:r>
@@ -10291,9 +7454,6 @@
               <a:t>Euclidian distance</a:t>
             </a:r>
             <a:endParaRPr b="0" lang="en-US" sz="1300" spc="-1" strike="noStrike">
-              <a:solidFill>
-                <a:srgbClr val="000000"/>
-              </a:solidFill>
               <a:latin typeface="Arial"/>
             </a:endParaRPr>
           </a:p>
@@ -10305,7 +7465,7 @@
               <a:buClr>
                 <a:srgbClr val="595959"/>
               </a:buClr>
-              <a:buFont typeface="Lato"/>
+              <a:buFont typeface="StarSymbol"/>
               <a:buAutoNum type="arabicPeriod"/>
             </a:pPr>
             <a:r>
@@ -10319,9 +7479,6 @@
               <a:t>Minkowski distance</a:t>
             </a:r>
             <a:endParaRPr b="0" lang="en-US" sz="1300" spc="-1" strike="noStrike">
-              <a:solidFill>
-                <a:srgbClr val="000000"/>
-              </a:solidFill>
               <a:latin typeface="Arial"/>
             </a:endParaRPr>
           </a:p>
@@ -10333,7 +7490,7 @@
               <a:buClr>
                 <a:srgbClr val="595959"/>
               </a:buClr>
-              <a:buFont typeface="Lato"/>
+              <a:buFont typeface="StarSymbol"/>
               <a:buAutoNum type="arabicPeriod"/>
             </a:pPr>
             <a:r>
@@ -10347,9 +7504,6 @@
               <a:t>Cosine distance</a:t>
             </a:r>
             <a:endParaRPr b="0" lang="en-US" sz="1300" spc="-1" strike="noStrike">
-              <a:solidFill>
-                <a:srgbClr val="000000"/>
-              </a:solidFill>
               <a:latin typeface="Arial"/>
             </a:endParaRPr>
           </a:p>
@@ -10630,9 +7784,6 @@
               <a:t>и т. д.</a:t>
             </a:r>
             <a:endParaRPr b="0" lang="en-US" sz="1300" spc="-1" strike="noStrike">
-              <a:solidFill>
-                <a:srgbClr val="000000"/>
-              </a:solidFill>
               <a:latin typeface="Arial"/>
             </a:endParaRPr>
           </a:p>
@@ -10670,7 +7821,7 @@
       </p:grpSpPr>
       <p:sp>
         <p:nvSpPr>
-          <p:cNvPr id="132" name="PlaceHolder 1"/>
+          <p:cNvPr id="90" name="PlaceHolder 1"/>
           <p:cNvSpPr>
             <a:spLocks noGrp="1"/>
           </p:cNvSpPr>
@@ -10681,18 +7832,18 @@
         <p:spPr>
           <a:xfrm>
             <a:off x="729360" y="1318680"/>
-            <a:ext cx="7688520" cy="534960"/>
-          </a:xfrm>
-          <a:prstGeom prst="rect">
-            <a:avLst/>
-          </a:prstGeom>
-          <a:noFill/>
-          <a:ln w="0">
-            <a:noFill/>
-          </a:ln>
-        </p:spPr>
-        <p:txBody>
-          <a:bodyPr tIns="91440" bIns="91440" anchor="t">
+            <a:ext cx="7688160" cy="534600"/>
+          </a:xfrm>
+          <a:prstGeom prst="rect">
+            <a:avLst/>
+          </a:prstGeom>
+          <a:noFill/>
+          <a:ln w="0">
+            <a:noFill/>
+          </a:ln>
+        </p:spPr>
+        <p:txBody>
+          <a:bodyPr lIns="0" rIns="0" tIns="91440" bIns="91440" anchor="t">
             <a:normAutofit/>
           </a:bodyPr>
           <a:p>
@@ -10719,17 +7870,14 @@
               <a:t>Euclidian distance</a:t>
             </a:r>
             <a:endParaRPr b="0" lang="en-US" sz="1410" spc="-1" strike="noStrike">
-              <a:solidFill>
-                <a:srgbClr val="000000"/>
-              </a:solidFill>
-              <a:latin typeface="Arial"/>
-            </a:endParaRPr>
-          </a:p>
-        </p:txBody>
-      </p:sp>
-      <p:sp>
-        <p:nvSpPr>
-          <p:cNvPr id="133" name="PlaceHolder 2"/>
+              <a:latin typeface="Arial"/>
+            </a:endParaRPr>
+          </a:p>
+        </p:txBody>
+      </p:sp>
+      <p:sp>
+        <p:nvSpPr>
+          <p:cNvPr id="91" name="PlaceHolder 2"/>
           <p:cNvSpPr>
             <a:spLocks noGrp="1"/>
           </p:cNvSpPr>
@@ -10740,18 +7888,18 @@
         <p:spPr>
           <a:xfrm>
             <a:off x="3812400" y="2883960"/>
-            <a:ext cx="4543920" cy="1100880"/>
-          </a:xfrm>
-          <a:prstGeom prst="rect">
-            <a:avLst/>
-          </a:prstGeom>
-          <a:noFill/>
-          <a:ln w="0">
-            <a:noFill/>
-          </a:ln>
-        </p:spPr>
-        <p:txBody>
-          <a:bodyPr tIns="91440" bIns="91440" anchor="t">
+            <a:ext cx="4543560" cy="1100520"/>
+          </a:xfrm>
+          <a:prstGeom prst="rect">
+            <a:avLst/>
+          </a:prstGeom>
+          <a:noFill/>
+          <a:ln w="0">
+            <a:noFill/>
+          </a:ln>
+        </p:spPr>
+        <p:txBody>
+          <a:bodyPr lIns="0" rIns="0" tIns="91440" bIns="91440" anchor="t">
             <a:normAutofit/>
           </a:bodyPr>
           <a:p>
@@ -10776,9 +7924,6 @@
               <a:t>Наиболее часто используемая метрика (Вы с ней уже встречались -&gt; kNN,  Linear Regression )</a:t>
             </a:r>
             <a:endParaRPr b="0" lang="en-US" sz="1000" spc="-1" strike="noStrike">
-              <a:solidFill>
-                <a:srgbClr val="000000"/>
-              </a:solidFill>
               <a:latin typeface="Arial"/>
             </a:endParaRPr>
           </a:p>
@@ -10804,9 +7949,6 @@
               <a:t>Плохой выбор для данных большой размерности</a:t>
             </a:r>
             <a:endParaRPr b="0" lang="en-US" sz="1000" spc="-1" strike="noStrike">
-              <a:solidFill>
-                <a:srgbClr val="000000"/>
-              </a:solidFill>
               <a:latin typeface="Arial"/>
             </a:endParaRPr>
           </a:p>
@@ -10814,7 +7956,7 @@
       </p:sp>
       <p:pic>
         <p:nvPicPr>
-          <p:cNvPr id="134" name="Google Shape;111;p17" descr=""/>
+          <p:cNvPr id="92" name="Google Shape;111;p17" descr=""/>
           <p:cNvPicPr/>
           <p:nvPr/>
         </p:nvPicPr>
@@ -10825,7 +7967,7 @@
         <p:spPr>
           <a:xfrm>
             <a:off x="354240" y="1945440"/>
-            <a:ext cx="3294360" cy="2978640"/>
+            <a:ext cx="3294000" cy="2978280"/>
           </a:xfrm>
           <a:prstGeom prst="rect">
             <a:avLst/>
@@ -10837,7 +7979,7 @@
       </p:pic>
       <p:pic>
         <p:nvPicPr>
-          <p:cNvPr id="135" name="Google Shape;112;p17" descr=""/>
+          <p:cNvPr id="93" name="Google Shape;112;p17" descr=""/>
           <p:cNvPicPr/>
           <p:nvPr/>
         </p:nvPicPr>
@@ -10848,7 +7990,7 @@
         <p:spPr>
           <a:xfrm>
             <a:off x="3649320" y="1932840"/>
-            <a:ext cx="4765680" cy="638280"/>
+            <a:ext cx="4765320" cy="637920"/>
           </a:xfrm>
           <a:prstGeom prst="rect">
             <a:avLst/>
@@ -10890,7 +8032,7 @@
       </p:grpSpPr>
       <p:sp>
         <p:nvSpPr>
-          <p:cNvPr id="136" name="PlaceHolder 1"/>
+          <p:cNvPr id="94" name="PlaceHolder 1"/>
           <p:cNvSpPr>
             <a:spLocks noGrp="1"/>
           </p:cNvSpPr>
@@ -10901,18 +8043,18 @@
         <p:spPr>
           <a:xfrm>
             <a:off x="729360" y="1318680"/>
-            <a:ext cx="7688520" cy="534960"/>
-          </a:xfrm>
-          <a:prstGeom prst="rect">
-            <a:avLst/>
-          </a:prstGeom>
-          <a:noFill/>
-          <a:ln w="0">
-            <a:noFill/>
-          </a:ln>
-        </p:spPr>
-        <p:txBody>
-          <a:bodyPr tIns="91440" bIns="91440" anchor="t">
+            <a:ext cx="7688160" cy="534600"/>
+          </a:xfrm>
+          <a:prstGeom prst="rect">
+            <a:avLst/>
+          </a:prstGeom>
+          <a:noFill/>
+          <a:ln w="0">
+            <a:noFill/>
+          </a:ln>
+        </p:spPr>
+        <p:txBody>
+          <a:bodyPr lIns="0" rIns="0" tIns="91440" bIns="91440" anchor="t">
             <a:normAutofit/>
           </a:bodyPr>
           <a:p>
@@ -10939,9 +8081,6 @@
               <a:t>Manhattan distance</a:t>
             </a:r>
             <a:endParaRPr b="0" lang="en-US" sz="1300" spc="-1" strike="noStrike">
-              <a:solidFill>
-                <a:srgbClr val="000000"/>
-              </a:solidFill>
               <a:latin typeface="Arial"/>
             </a:endParaRPr>
           </a:p>
@@ -10949,7 +8088,7 @@
       </p:sp>
       <p:pic>
         <p:nvPicPr>
-          <p:cNvPr id="137" name="Google Shape;119;p18" descr=""/>
+          <p:cNvPr id="95" name="Google Shape;119;p18" descr=""/>
           <p:cNvPicPr/>
           <p:nvPr/>
         </p:nvPicPr>
@@ -10960,7 +8099,7 @@
         <p:spPr>
           <a:xfrm>
             <a:off x="136440" y="1892880"/>
-            <a:ext cx="3158280" cy="2855520"/>
+            <a:ext cx="3157920" cy="2855160"/>
           </a:xfrm>
           <a:prstGeom prst="rect">
             <a:avLst/>
@@ -10972,7 +8111,7 @@
       </p:pic>
       <p:pic>
         <p:nvPicPr>
-          <p:cNvPr id="138" name="Google Shape;120;p18" descr=""/>
+          <p:cNvPr id="96" name="Google Shape;120;p18" descr=""/>
           <p:cNvPicPr/>
           <p:nvPr/>
         </p:nvPicPr>
@@ -10983,7 +8122,7 @@
         <p:spPr>
           <a:xfrm>
             <a:off x="3744360" y="1854000"/>
-            <a:ext cx="3982680" cy="937080"/>
+            <a:ext cx="3982320" cy="936720"/>
           </a:xfrm>
           <a:prstGeom prst="rect">
             <a:avLst/>
@@ -11025,7 +8164,7 @@
       </p:grpSpPr>
       <p:sp>
         <p:nvSpPr>
-          <p:cNvPr id="139" name="PlaceHolder 1"/>
+          <p:cNvPr id="97" name="PlaceHolder 1"/>
           <p:cNvSpPr>
             <a:spLocks noGrp="1"/>
           </p:cNvSpPr>
@@ -11036,18 +8175,18 @@
         <p:spPr>
           <a:xfrm>
             <a:off x="729360" y="1318680"/>
-            <a:ext cx="7688520" cy="534960"/>
-          </a:xfrm>
-          <a:prstGeom prst="rect">
-            <a:avLst/>
-          </a:prstGeom>
-          <a:noFill/>
-          <a:ln w="0">
-            <a:noFill/>
-          </a:ln>
-        </p:spPr>
-        <p:txBody>
-          <a:bodyPr tIns="91440" bIns="91440" anchor="t">
+            <a:ext cx="7688160" cy="534600"/>
+          </a:xfrm>
+          <a:prstGeom prst="rect">
+            <a:avLst/>
+          </a:prstGeom>
+          <a:noFill/>
+          <a:ln w="0">
+            <a:noFill/>
+          </a:ln>
+        </p:spPr>
+        <p:txBody>
+          <a:bodyPr lIns="0" rIns="0" tIns="91440" bIns="91440" anchor="t">
             <a:normAutofit fontScale="88000"/>
           </a:bodyPr>
           <a:p>
@@ -11071,17 +8210,14 @@
               <a:t>K-means</a:t>
             </a:r>
             <a:endParaRPr b="0" lang="en-US" sz="2600" spc="-1" strike="noStrike">
-              <a:solidFill>
-                <a:srgbClr val="000000"/>
-              </a:solidFill>
-              <a:latin typeface="Arial"/>
-            </a:endParaRPr>
-          </a:p>
-        </p:txBody>
-      </p:sp>
-      <p:sp>
-        <p:nvSpPr>
-          <p:cNvPr id="140" name="PlaceHolder 2"/>
+              <a:latin typeface="Arial"/>
+            </a:endParaRPr>
+          </a:p>
+        </p:txBody>
+      </p:sp>
+      <p:sp>
+        <p:nvSpPr>
+          <p:cNvPr id="98" name="PlaceHolder 2"/>
           <p:cNvSpPr>
             <a:spLocks noGrp="1"/>
           </p:cNvSpPr>
@@ -11092,18 +8228,18 @@
         <p:spPr>
           <a:xfrm>
             <a:off x="729360" y="2079000"/>
-            <a:ext cx="7688520" cy="2260800"/>
-          </a:xfrm>
-          <a:prstGeom prst="rect">
-            <a:avLst/>
-          </a:prstGeom>
-          <a:noFill/>
-          <a:ln w="0">
-            <a:noFill/>
-          </a:ln>
-        </p:spPr>
-        <p:txBody>
-          <a:bodyPr tIns="91440" bIns="91440" anchor="t">
+            <a:ext cx="7688160" cy="2260440"/>
+          </a:xfrm>
+          <a:prstGeom prst="rect">
+            <a:avLst/>
+          </a:prstGeom>
+          <a:noFill/>
+          <a:ln w="0">
+            <a:noFill/>
+          </a:ln>
+        </p:spPr>
+        <p:txBody>
+          <a:bodyPr lIns="0" rIns="0" tIns="91440" bIns="91440" anchor="t">
             <a:normAutofit/>
           </a:bodyPr>
           <a:p>
@@ -11127,9 +8263,6 @@
               <a:t>Что нам нужно?</a:t>
             </a:r>
             <a:endParaRPr b="0" lang="en-US" sz="1300" spc="-1" strike="noStrike">
-              <a:solidFill>
-                <a:srgbClr val="000000"/>
-              </a:solidFill>
               <a:latin typeface="Arial"/>
             </a:endParaRPr>
           </a:p>
@@ -11144,7 +8277,7 @@
               <a:buClr>
                 <a:srgbClr val="595959"/>
               </a:buClr>
-              <a:buFont typeface="Lato"/>
+              <a:buFont typeface="StarSymbol"/>
               <a:buAutoNum type="arabicPeriod"/>
               <a:tabLst>
                 <a:tab algn="l" pos="0"/>
@@ -11161,9 +8294,6 @@
               <a:t>Самостоятельно прикинуть число кластеров и выбрать центроиды</a:t>
             </a:r>
             <a:endParaRPr b="0" lang="en-US" sz="1300" spc="-1" strike="noStrike">
-              <a:solidFill>
-                <a:srgbClr val="000000"/>
-              </a:solidFill>
               <a:latin typeface="Arial"/>
             </a:endParaRPr>
           </a:p>
@@ -11175,7 +8305,7 @@
               <a:buClr>
                 <a:srgbClr val="595959"/>
               </a:buClr>
-              <a:buFont typeface="Lato"/>
+              <a:buFont typeface="StarSymbol"/>
               <a:buAutoNum type="arabicPeriod"/>
               <a:tabLst>
                 <a:tab algn="l" pos="0"/>
@@ -11192,9 +8322,6 @@
               <a:t>Определить наши объекты к ближайшем кластеру</a:t>
             </a:r>
             <a:endParaRPr b="0" lang="en-US" sz="1300" spc="-1" strike="noStrike">
-              <a:solidFill>
-                <a:srgbClr val="000000"/>
-              </a:solidFill>
               <a:latin typeface="Arial"/>
             </a:endParaRPr>
           </a:p>
@@ -11206,7 +8333,7 @@
               <a:buClr>
                 <a:srgbClr val="595959"/>
               </a:buClr>
-              <a:buFont typeface="Lato"/>
+              <a:buFont typeface="StarSymbol"/>
               <a:buAutoNum type="arabicPeriod"/>
               <a:tabLst>
                 <a:tab algn="l" pos="0"/>
@@ -11223,9 +8350,6 @@
               <a:t>Пересчитать центры кластеров</a:t>
             </a:r>
             <a:endParaRPr b="0" lang="en-US" sz="1300" spc="-1" strike="noStrike">
-              <a:solidFill>
-                <a:srgbClr val="000000"/>
-              </a:solidFill>
               <a:latin typeface="Arial"/>
             </a:endParaRPr>
           </a:p>
@@ -11237,7 +8361,7 @@
               <a:buClr>
                 <a:srgbClr val="595959"/>
               </a:buClr>
-              <a:buFont typeface="Lato"/>
+              <a:buFont typeface="StarSymbol"/>
               <a:buAutoNum type="arabicPeriod"/>
               <a:tabLst>
                 <a:tab algn="l" pos="0"/>
@@ -11254,9 +8378,6 @@
               <a:t>Повторять шаги 2 и 3 пока ничего не перестанет меняться</a:t>
             </a:r>
             <a:endParaRPr b="0" lang="en-US" sz="1300" spc="-1" strike="noStrike">
-              <a:solidFill>
-                <a:srgbClr val="000000"/>
-              </a:solidFill>
               <a:latin typeface="Arial"/>
             </a:endParaRPr>
           </a:p>
@@ -11294,7 +8415,7 @@
       </p:grpSpPr>
       <p:sp>
         <p:nvSpPr>
-          <p:cNvPr id="141" name="PlaceHolder 1"/>
+          <p:cNvPr id="99" name="PlaceHolder 1"/>
           <p:cNvSpPr>
             <a:spLocks noGrp="1"/>
           </p:cNvSpPr>
@@ -11305,18 +8426,18 @@
         <p:spPr>
           <a:xfrm>
             <a:off x="729360" y="1318680"/>
-            <a:ext cx="7688520" cy="534960"/>
-          </a:xfrm>
-          <a:prstGeom prst="rect">
-            <a:avLst/>
-          </a:prstGeom>
-          <a:noFill/>
-          <a:ln w="0">
-            <a:noFill/>
-          </a:ln>
-        </p:spPr>
-        <p:txBody>
-          <a:bodyPr tIns="91440" bIns="91440" anchor="t">
+            <a:ext cx="7688160" cy="534600"/>
+          </a:xfrm>
+          <a:prstGeom prst="rect">
+            <a:avLst/>
+          </a:prstGeom>
+          <a:noFill/>
+          <a:ln w="0">
+            <a:noFill/>
+          </a:ln>
+        </p:spPr>
+        <p:txBody>
+          <a:bodyPr lIns="0" rIns="0" tIns="91440" bIns="91440" anchor="t">
             <a:normAutofit fontScale="88000"/>
           </a:bodyPr>
           <a:p>
@@ -11340,17 +8461,14 @@
               <a:t>Как выбрать центроиды?</a:t>
             </a:r>
             <a:endParaRPr b="0" lang="en-US" sz="2600" spc="-1" strike="noStrike">
-              <a:solidFill>
-                <a:srgbClr val="000000"/>
-              </a:solidFill>
-              <a:latin typeface="Arial"/>
-            </a:endParaRPr>
-          </a:p>
-        </p:txBody>
-      </p:sp>
-      <p:sp>
-        <p:nvSpPr>
-          <p:cNvPr id="142" name="PlaceHolder 2"/>
+              <a:latin typeface="Arial"/>
+            </a:endParaRPr>
+          </a:p>
+        </p:txBody>
+      </p:sp>
+      <p:sp>
+        <p:nvSpPr>
+          <p:cNvPr id="100" name="PlaceHolder 2"/>
           <p:cNvSpPr>
             <a:spLocks noGrp="1"/>
           </p:cNvSpPr>
@@ -11361,18 +8479,18 @@
         <p:spPr>
           <a:xfrm>
             <a:off x="729360" y="2079000"/>
-            <a:ext cx="7688520" cy="2260800"/>
-          </a:xfrm>
-          <a:prstGeom prst="rect">
-            <a:avLst/>
-          </a:prstGeom>
-          <a:noFill/>
-          <a:ln w="0">
-            <a:noFill/>
-          </a:ln>
-        </p:spPr>
-        <p:txBody>
-          <a:bodyPr tIns="91440" bIns="91440" anchor="t">
+            <a:ext cx="7688160" cy="2260440"/>
+          </a:xfrm>
+          <a:prstGeom prst="rect">
+            <a:avLst/>
+          </a:prstGeom>
+          <a:noFill/>
+          <a:ln w="0">
+            <a:noFill/>
+          </a:ln>
+        </p:spPr>
+        <p:txBody>
+          <a:bodyPr lIns="0" rIns="0" tIns="91440" bIns="91440" anchor="t">
             <a:normAutofit/>
           </a:bodyPr>
           <a:p>
@@ -11383,7 +8501,7 @@
               <a:buClr>
                 <a:srgbClr val="595959"/>
               </a:buClr>
-              <a:buFont typeface="Lato"/>
+              <a:buFont typeface="StarSymbol"/>
               <a:buAutoNum type="arabicPeriod"/>
             </a:pPr>
             <a:r>
@@ -11397,9 +8515,6 @@
               <a:t>Рандомные точки в нашем пространстве</a:t>
             </a:r>
             <a:endParaRPr b="0" lang="en-US" sz="1300" spc="-1" strike="noStrike">
-              <a:solidFill>
-                <a:srgbClr val="000000"/>
-              </a:solidFill>
               <a:latin typeface="Arial"/>
             </a:endParaRPr>
           </a:p>
@@ -11411,7 +8526,7 @@
               <a:buClr>
                 <a:srgbClr val="595959"/>
               </a:buClr>
-              <a:buFont typeface="Lato"/>
+              <a:buFont typeface="StarSymbol"/>
               <a:buAutoNum type="arabicPeriod"/>
             </a:pPr>
             <a:r>
@@ -11425,9 +8540,6 @@
               <a:t>Выбираем из объектов выборки</a:t>
             </a:r>
             <a:endParaRPr b="0" lang="en-US" sz="1300" spc="-1" strike="noStrike">
-              <a:solidFill>
-                <a:srgbClr val="000000"/>
-              </a:solidFill>
               <a:latin typeface="Arial"/>
             </a:endParaRPr>
           </a:p>
@@ -11465,7 +8577,7 @@
       </p:grpSpPr>
       <p:sp>
         <p:nvSpPr>
-          <p:cNvPr id="143" name="PlaceHolder 1"/>
+          <p:cNvPr id="101" name="PlaceHolder 1"/>
           <p:cNvSpPr>
             <a:spLocks noGrp="1"/>
           </p:cNvSpPr>
@@ -11476,18 +8588,18 @@
         <p:spPr>
           <a:xfrm>
             <a:off x="729360" y="1318680"/>
-            <a:ext cx="7688520" cy="534960"/>
-          </a:xfrm>
-          <a:prstGeom prst="rect">
-            <a:avLst/>
-          </a:prstGeom>
-          <a:noFill/>
-          <a:ln w="0">
-            <a:noFill/>
-          </a:ln>
-        </p:spPr>
-        <p:txBody>
-          <a:bodyPr tIns="91440" bIns="91440" anchor="t">
+            <a:ext cx="7688160" cy="534600"/>
+          </a:xfrm>
+          <a:prstGeom prst="rect">
+            <a:avLst/>
+          </a:prstGeom>
+          <a:noFill/>
+          <a:ln w="0">
+            <a:noFill/>
+          </a:ln>
+        </p:spPr>
+        <p:txBody>
+          <a:bodyPr lIns="0" rIns="0" tIns="91440" bIns="91440" anchor="t">
             <a:normAutofit fontScale="88000"/>
           </a:bodyPr>
           <a:p>
@@ -11511,9 +8623,6 @@
               <a:t>Игрушечный пример</a:t>
             </a:r>
             <a:endParaRPr b="0" lang="en-US" sz="2600" spc="-1" strike="noStrike">
-              <a:solidFill>
-                <a:srgbClr val="000000"/>
-              </a:solidFill>
               <a:latin typeface="Arial"/>
             </a:endParaRPr>
           </a:p>
@@ -11551,7 +8660,7 @@
       </p:grpSpPr>
       <p:sp>
         <p:nvSpPr>
-          <p:cNvPr id="144" name="PlaceHolder 1"/>
+          <p:cNvPr id="102" name="PlaceHolder 1"/>
           <p:cNvSpPr>
             <a:spLocks noGrp="1"/>
           </p:cNvSpPr>
@@ -11562,18 +8671,18 @@
         <p:spPr>
           <a:xfrm>
             <a:off x="729360" y="1318680"/>
-            <a:ext cx="7688520" cy="534960"/>
-          </a:xfrm>
-          <a:prstGeom prst="rect">
-            <a:avLst/>
-          </a:prstGeom>
-          <a:noFill/>
-          <a:ln w="0">
-            <a:noFill/>
-          </a:ln>
-        </p:spPr>
-        <p:txBody>
-          <a:bodyPr tIns="91440" bIns="91440" anchor="t">
+            <a:ext cx="7688160" cy="534600"/>
+          </a:xfrm>
+          <a:prstGeom prst="rect">
+            <a:avLst/>
+          </a:prstGeom>
+          <a:noFill/>
+          <a:ln w="0">
+            <a:noFill/>
+          </a:ln>
+        </p:spPr>
+        <p:txBody>
+          <a:bodyPr lIns="0" rIns="0" tIns="91440" bIns="91440" anchor="t">
             <a:normAutofit fontScale="88000"/>
           </a:bodyPr>
           <a:p>
@@ -11597,17 +8706,14 @@
               <a:t>Недостатки</a:t>
             </a:r>
             <a:endParaRPr b="0" lang="en-US" sz="2600" spc="-1" strike="noStrike">
-              <a:solidFill>
-                <a:srgbClr val="000000"/>
-              </a:solidFill>
-              <a:latin typeface="Arial"/>
-            </a:endParaRPr>
-          </a:p>
-        </p:txBody>
-      </p:sp>
-      <p:sp>
-        <p:nvSpPr>
-          <p:cNvPr id="145" name="PlaceHolder 2"/>
+              <a:latin typeface="Arial"/>
+            </a:endParaRPr>
+          </a:p>
+        </p:txBody>
+      </p:sp>
+      <p:sp>
+        <p:nvSpPr>
+          <p:cNvPr id="103" name="PlaceHolder 2"/>
           <p:cNvSpPr>
             <a:spLocks noGrp="1"/>
           </p:cNvSpPr>
@@ -11618,18 +8724,18 @@
         <p:spPr>
           <a:xfrm>
             <a:off x="729360" y="2079000"/>
-            <a:ext cx="7688520" cy="2260800"/>
-          </a:xfrm>
-          <a:prstGeom prst="rect">
-            <a:avLst/>
-          </a:prstGeom>
-          <a:noFill/>
-          <a:ln w="0">
-            <a:noFill/>
-          </a:ln>
-        </p:spPr>
-        <p:txBody>
-          <a:bodyPr tIns="91440" bIns="91440" anchor="t">
+            <a:ext cx="7688160" cy="2260440"/>
+          </a:xfrm>
+          <a:prstGeom prst="rect">
+            <a:avLst/>
+          </a:prstGeom>
+          <a:noFill/>
+          <a:ln w="0">
+            <a:noFill/>
+          </a:ln>
+        </p:spPr>
+        <p:txBody>
+          <a:bodyPr lIns="0" rIns="0" tIns="91440" bIns="91440" anchor="t">
             <a:normAutofit/>
           </a:bodyPr>
           <a:p>
@@ -11654,9 +8760,6 @@
               <a:t>Главный недостаток -&gt; нужно знать k  заранее</a:t>
             </a:r>
             <a:endParaRPr b="0" lang="en-US" sz="1300" spc="-1" strike="noStrike">
-              <a:solidFill>
-                <a:srgbClr val="000000"/>
-              </a:solidFill>
               <a:latin typeface="Arial"/>
             </a:endParaRPr>
           </a:p>
@@ -11682,9 +8785,6 @@
               <a:t>От того какие именно точки для k мы выберем зависит и результат кластеризации</a:t>
             </a:r>
             <a:endParaRPr b="0" lang="en-US" sz="1300" spc="-1" strike="noStrike">
-              <a:solidFill>
-                <a:srgbClr val="000000"/>
-              </a:solidFill>
               <a:latin typeface="Arial"/>
             </a:endParaRPr>
           </a:p>
@@ -11710,9 +8810,6 @@
               <a:t>Не подходит для работы с большими данными, которые формируют кластеры сложной структуры (признаки должны быть распределены равномерно)</a:t>
             </a:r>
             <a:endParaRPr b="0" lang="en-US" sz="1300" spc="-1" strike="noStrike">
-              <a:solidFill>
-                <a:srgbClr val="000000"/>
-              </a:solidFill>
               <a:latin typeface="Arial"/>
             </a:endParaRPr>
           </a:p>
@@ -11733,9 +8830,6 @@
               </a:tabLst>
             </a:pPr>
             <a:endParaRPr b="0" lang="en-US" sz="1300" spc="-1" strike="noStrike">
-              <a:solidFill>
-                <a:srgbClr val="000000"/>
-              </a:solidFill>
               <a:latin typeface="Arial"/>
             </a:endParaRPr>
           </a:p>
@@ -11765,34 +8859,34 @@
         <a:sysClr val="window" lastClr="FFFFFF"/>
       </a:lt1>
       <a:dk2>
-        <a:srgbClr val="1a1a1a"/>
+        <a:srgbClr val="1f497d"/>
       </a:dk2>
       <a:lt2>
-        <a:srgbClr val="e9edee"/>
+        <a:srgbClr val="eeece1"/>
       </a:lt2>
       <a:accent1>
-        <a:srgbClr val="595959"/>
+        <a:srgbClr val="4f81bd"/>
       </a:accent1>
       <a:accent2>
-        <a:srgbClr val="6aa4c8"/>
+        <a:srgbClr val="c0504d"/>
       </a:accent2>
       <a:accent3>
-        <a:srgbClr val="eb5600"/>
+        <a:srgbClr val="9bbb59"/>
       </a:accent3>
       <a:accent4>
-        <a:srgbClr val="a2ffe8"/>
+        <a:srgbClr val="8064a2"/>
       </a:accent4>
       <a:accent5>
-        <a:srgbClr val="1c3678"/>
+        <a:srgbClr val="4bacc6"/>
       </a:accent5>
       <a:accent6>
-        <a:srgbClr val="ffb8a2"/>
+        <a:srgbClr val="f79646"/>
       </a:accent6>
       <a:hlink>
-        <a:srgbClr val="1c3678"/>
+        <a:srgbClr val="0000ff"/>
       </a:hlink>
       <a:folHlink>
-        <a:srgbClr val="1c3678"/>
+        <a:srgbClr val="800080"/>
       </a:folHlink>
     </a:clrScheme>
     <a:fontScheme name="Office">
@@ -11991,260 +9085,34 @@
         <a:sysClr val="window" lastClr="FFFFFF"/>
       </a:lt1>
       <a:dk2>
-        <a:srgbClr val="1a1a1a"/>
+        <a:srgbClr val="1f497d"/>
       </a:dk2>
       <a:lt2>
-        <a:srgbClr val="e9edee"/>
+        <a:srgbClr val="eeece1"/>
       </a:lt2>
       <a:accent1>
-        <a:srgbClr val="595959"/>
+        <a:srgbClr val="4f81bd"/>
       </a:accent1>
       <a:accent2>
-        <a:srgbClr val="6aa4c8"/>
+        <a:srgbClr val="c0504d"/>
       </a:accent2>
       <a:accent3>
-        <a:srgbClr val="eb5600"/>
+        <a:srgbClr val="9bbb59"/>
       </a:accent3>
       <a:accent4>
-        <a:srgbClr val="a2ffe8"/>
+        <a:srgbClr val="8064a2"/>
       </a:accent4>
       <a:accent5>
-        <a:srgbClr val="1c3678"/>
+        <a:srgbClr val="4bacc6"/>
       </a:accent5>
       <a:accent6>
-        <a:srgbClr val="ffb8a2"/>
+        <a:srgbClr val="f79646"/>
       </a:accent6>
       <a:hlink>
-        <a:srgbClr val="1c3678"/>
+        <a:srgbClr val="0000ff"/>
       </a:hlink>
       <a:folHlink>
-        <a:srgbClr val="1c3678"/>
-      </a:folHlink>
-    </a:clrScheme>
-    <a:fontScheme name="Office">
-      <a:majorFont>
-        <a:latin typeface="Arial"/>
-        <a:ea typeface="DejaVu Sans"/>
-        <a:cs typeface="DejaVu Sans"/>
-      </a:majorFont>
-      <a:minorFont>
-        <a:latin typeface="Arial"/>
-        <a:ea typeface="DejaVu Sans"/>
-        <a:cs typeface="DejaVu Sans"/>
-      </a:minorFont>
-    </a:fontScheme>
-    <a:fmtScheme name="Office">
-      <a:fillStyleLst>
-        <a:solidFill>
-          <a:schemeClr val="phClr"/>
-        </a:solidFill>
-        <a:gradFill rotWithShape="1">
-          <a:gsLst>
-            <a:gs pos="0">
-              <a:schemeClr val="phClr">
-                <a:tint val="50000"/>
-                <a:satMod val="300000"/>
-              </a:schemeClr>
-            </a:gs>
-            <a:gs pos="35000">
-              <a:schemeClr val="phClr">
-                <a:tint val="37000"/>
-                <a:satMod val="300000"/>
-              </a:schemeClr>
-            </a:gs>
-            <a:gs pos="100000">
-              <a:schemeClr val="phClr">
-                <a:tint val="15000"/>
-                <a:satMod val="350000"/>
-              </a:schemeClr>
-            </a:gs>
-          </a:gsLst>
-          <a:lin ang="16200000" scaled="1"/>
-        </a:gradFill>
-        <a:gradFill rotWithShape="1">
-          <a:gsLst>
-            <a:gs pos="0">
-              <a:schemeClr val="phClr">
-                <a:shade val="51000"/>
-                <a:satMod val="130000"/>
-              </a:schemeClr>
-            </a:gs>
-            <a:gs pos="80000">
-              <a:schemeClr val="phClr">
-                <a:shade val="93000"/>
-                <a:satMod val="130000"/>
-              </a:schemeClr>
-            </a:gs>
-            <a:gs pos="100000">
-              <a:schemeClr val="phClr">
-                <a:shade val="94000"/>
-                <a:satMod val="135000"/>
-              </a:schemeClr>
-            </a:gs>
-          </a:gsLst>
-          <a:lin ang="16200000" scaled="0"/>
-        </a:gradFill>
-      </a:fillStyleLst>
-      <a:lnStyleLst>
-        <a:ln w="9525" cap="flat" cmpd="sng" algn="ctr">
-          <a:solidFill>
-            <a:schemeClr val="phClr">
-              <a:shade val="95000"/>
-              <a:satMod val="105000"/>
-            </a:schemeClr>
-          </a:solidFill>
-          <a:prstDash val="solid"/>
-          <a:miter/>
-        </a:ln>
-        <a:ln w="25400" cap="flat" cmpd="sng" algn="ctr">
-          <a:solidFill>
-            <a:schemeClr val="phClr"/>
-          </a:solidFill>
-          <a:prstDash val="solid"/>
-          <a:miter/>
-        </a:ln>
-        <a:ln w="38100" cap="flat" cmpd="sng" algn="ctr">
-          <a:solidFill>
-            <a:schemeClr val="phClr"/>
-          </a:solidFill>
-          <a:prstDash val="solid"/>
-          <a:miter/>
-        </a:ln>
-      </a:lnStyleLst>
-      <a:effectStyleLst>
-        <a:effectStyle>
-          <a:effectLst>
-            <a:outerShdw blurRad="40000" dist="20000" dir="5400000" rotWithShape="0">
-              <a:srgbClr val="000000">
-                <a:alpha val="38000"/>
-              </a:srgbClr>
-            </a:outerShdw>
-          </a:effectLst>
-        </a:effectStyle>
-        <a:effectStyle>
-          <a:effectLst>
-            <a:outerShdw blurRad="40000" dist="23000" dir="5400000" rotWithShape="0">
-              <a:srgbClr val="000000">
-                <a:alpha val="35000"/>
-              </a:srgbClr>
-            </a:outerShdw>
-          </a:effectLst>
-        </a:effectStyle>
-        <a:effectStyle>
-          <a:effectLst>
-            <a:outerShdw blurRad="40000" dist="23000" dir="5400000" rotWithShape="0">
-              <a:srgbClr val="000000">
-                <a:alpha val="35000"/>
-              </a:srgbClr>
-            </a:outerShdw>
-          </a:effectLst>
-          <a:scene3d>
-            <a:camera prst="orthographicFront">
-              <a:rot lat="0" lon="0" rev="0"/>
-            </a:camera>
-            <a:lightRig rig="threePt" dir="t">
-              <a:rot lat="0" lon="0" rev="1200000"/>
-            </a:lightRig>
-          </a:scene3d>
-          <a:sp3d>
-            <a:bevelT w="63500" h="25400"/>
-          </a:sp3d>
-        </a:effectStyle>
-      </a:effectStyleLst>
-      <a:bgFillStyleLst>
-        <a:solidFill>
-          <a:schemeClr val="phClr"/>
-        </a:solidFill>
-        <a:gradFill rotWithShape="1">
-          <a:gsLst>
-            <a:gs pos="0">
-              <a:schemeClr val="phClr">
-                <a:tint val="40000"/>
-                <a:satMod val="350000"/>
-              </a:schemeClr>
-            </a:gs>
-            <a:gs pos="40000">
-              <a:schemeClr val="phClr">
-                <a:tint val="45000"/>
-                <a:shade val="99000"/>
-                <a:satMod val="350000"/>
-              </a:schemeClr>
-            </a:gs>
-            <a:gs pos="100000">
-              <a:schemeClr val="phClr">
-                <a:shade val="20000"/>
-                <a:satMod val="255000"/>
-              </a:schemeClr>
-            </a:gs>
-          </a:gsLst>
-          <a:path path="circle">
-            <a:fillToRect l="50000" t="-80000" r="50000" b="180000"/>
-          </a:path>
-        </a:gradFill>
-        <a:gradFill rotWithShape="1">
-          <a:gsLst>
-            <a:gs pos="0">
-              <a:schemeClr val="phClr">
-                <a:tint val="80000"/>
-                <a:satMod val="300000"/>
-              </a:schemeClr>
-            </a:gs>
-            <a:gs pos="100000">
-              <a:schemeClr val="phClr">
-                <a:shade val="30000"/>
-                <a:satMod val="200000"/>
-              </a:schemeClr>
-            </a:gs>
-          </a:gsLst>
-          <a:path path="circle">
-            <a:fillToRect l="50000" t="50000" r="50000" b="50000"/>
-          </a:path>
-        </a:gradFill>
-      </a:bgFillStyleLst>
-    </a:fmtScheme>
-  </a:themeElements>
-</a:theme>
-</file>
-
-<file path=ppt/theme/theme3.xml><?xml version="1.0" encoding="utf-8"?>
-<a:theme xmlns:a="http://schemas.openxmlformats.org/drawingml/2006/main" name="Office Theme">
-  <a:themeElements>
-    <a:clrScheme name="Office">
-      <a:dk1>
-        <a:sysClr val="windowText" lastClr="000000"/>
-      </a:dk1>
-      <a:lt1>
-        <a:sysClr val="window" lastClr="FFFFFF"/>
-      </a:lt1>
-      <a:dk2>
-        <a:srgbClr val="1a1a1a"/>
-      </a:dk2>
-      <a:lt2>
-        <a:srgbClr val="e9edee"/>
-      </a:lt2>
-      <a:accent1>
-        <a:srgbClr val="595959"/>
-      </a:accent1>
-      <a:accent2>
-        <a:srgbClr val="6aa4c8"/>
-      </a:accent2>
-      <a:accent3>
-        <a:srgbClr val="eb5600"/>
-      </a:accent3>
-      <a:accent4>
-        <a:srgbClr val="a2ffe8"/>
-      </a:accent4>
-      <a:accent5>
-        <a:srgbClr val="1c3678"/>
-      </a:accent5>
-      <a:accent6>
-        <a:srgbClr val="ffb8a2"/>
-      </a:accent6>
-      <a:hlink>
-        <a:srgbClr val="1c3678"/>
-      </a:hlink>
-      <a:folHlink>
-        <a:srgbClr val="1c3678"/>
+        <a:srgbClr val="800080"/>
       </a:folHlink>
     </a:clrScheme>
     <a:fontScheme name="Office">
